--- a/Teleportation_Fidelity.pptx
+++ b/Teleportation_Fidelity.pptx
@@ -6,7 +6,7 @@
     <p:sldMasterId id="2147483661" r:id="rId2"/>
   </p:sldMasterIdLst>
   <p:notesMasterIdLst>
-    <p:notesMasterId r:id="rId13"/>
+    <p:notesMasterId r:id="rId19"/>
   </p:notesMasterIdLst>
   <p:sldIdLst>
     <p:sldId id="256" r:id="rId3"/>
@@ -14,11 +14,17 @@
     <p:sldId id="265" r:id="rId5"/>
     <p:sldId id="263" r:id="rId6"/>
     <p:sldId id="266" r:id="rId7"/>
-    <p:sldId id="264" r:id="rId8"/>
-    <p:sldId id="267" r:id="rId9"/>
-    <p:sldId id="268" r:id="rId10"/>
-    <p:sldId id="269" r:id="rId11"/>
-    <p:sldId id="270" r:id="rId12"/>
+    <p:sldId id="272" r:id="rId8"/>
+    <p:sldId id="271" r:id="rId9"/>
+    <p:sldId id="273" r:id="rId10"/>
+    <p:sldId id="274" r:id="rId11"/>
+    <p:sldId id="264" r:id="rId12"/>
+    <p:sldId id="275" r:id="rId13"/>
+    <p:sldId id="276" r:id="rId14"/>
+    <p:sldId id="267" r:id="rId15"/>
+    <p:sldId id="268" r:id="rId16"/>
+    <p:sldId id="269" r:id="rId17"/>
+    <p:sldId id="270" r:id="rId18"/>
   </p:sldIdLst>
   <p:sldSz cx="12192000" cy="6858000"/>
   <p:notesSz cx="6858000" cy="9144000"/>
@@ -207,7 +213,7 @@
           <a:p>
             <a:fld id="{4F7775B3-ED76-476A-9905-090772E98060}" type="datetimeFigureOut">
               <a:rPr lang="en-US" smtClean="0"/>
-              <a:t>22-Jan-25</a:t>
+              <a:t>28-Jan-25</a:t>
             </a:fld>
             <a:endParaRPr lang="en-US"/>
           </a:p>
@@ -7197,7 +7203,7 @@
           <p:cNvPr id="2" name="Title 1">
             <a:extLst>
               <a:ext uri="{FF2B5EF4-FFF2-40B4-BE49-F238E27FC236}">
-                <a16:creationId xmlns:a16="http://schemas.microsoft.com/office/drawing/2014/main" id="{1A14168E-9DD9-38E4-5926-039D3F0FAC17}"/>
+                <a16:creationId xmlns:a16="http://schemas.microsoft.com/office/drawing/2014/main" id="{4F9A5F47-6711-B85B-B5CD-D0535A8B64F7}"/>
               </a:ext>
             </a:extLst>
           </p:cNvPr>
@@ -7215,7 +7221,2012 @@
           <a:p>
             <a:r>
               <a:rPr lang="en-US" dirty="0"/>
-              <a:t>Planning</a:t>
+              <a:t>Stabilizer Code</a:t>
+            </a:r>
+          </a:p>
+        </p:txBody>
+      </p:sp>
+      <p:pic>
+        <p:nvPicPr>
+          <p:cNvPr id="6" name="Content Placeholder 5">
+            <a:extLst>
+              <a:ext uri="{FF2B5EF4-FFF2-40B4-BE49-F238E27FC236}">
+                <a16:creationId xmlns:a16="http://schemas.microsoft.com/office/drawing/2014/main" id="{B6081D5F-9773-F192-EE5A-D16CEBE13B1D}"/>
+              </a:ext>
+            </a:extLst>
+          </p:cNvPr>
+          <p:cNvPicPr>
+            <a:picLocks noGrp="1" noChangeAspect="1"/>
+          </p:cNvPicPr>
+          <p:nvPr>
+            <p:ph idx="1"/>
+          </p:nvPr>
+        </p:nvPicPr>
+        <p:blipFill>
+          <a:blip r:embed="rId2"/>
+          <a:stretch>
+            <a:fillRect/>
+          </a:stretch>
+        </p:blipFill>
+        <p:spPr>
+          <a:xfrm>
+            <a:off x="542840" y="1051232"/>
+            <a:ext cx="6011114" cy="476316"/>
+          </a:xfrm>
+        </p:spPr>
+      </p:pic>
+      <p:sp>
+        <p:nvSpPr>
+          <p:cNvPr id="4" name="Footer Placeholder 3">
+            <a:extLst>
+              <a:ext uri="{FF2B5EF4-FFF2-40B4-BE49-F238E27FC236}">
+                <a16:creationId xmlns:a16="http://schemas.microsoft.com/office/drawing/2014/main" id="{098F2B73-AEA5-262C-8A91-57C964ED7A22}"/>
+              </a:ext>
+            </a:extLst>
+          </p:cNvPr>
+          <p:cNvSpPr>
+            <a:spLocks noGrp="1"/>
+          </p:cNvSpPr>
+          <p:nvPr>
+            <p:ph type="ftr" sz="quarter" idx="11"/>
+          </p:nvPr>
+        </p:nvSpPr>
+        <p:spPr/>
+        <p:txBody>
+          <a:bodyPr/>
+          <a:lstStyle/>
+          <a:p>
+            <a:r>
+              <a:rPr lang="en-US"/>
+              <a:t>All Rights Reserved</a:t>
+            </a:r>
+            <a:endParaRPr lang="en-US" dirty="0"/>
+          </a:p>
+        </p:txBody>
+      </p:sp>
+      <mc:AlternateContent xmlns:mc="http://schemas.openxmlformats.org/markup-compatibility/2006" xmlns:a14="http://schemas.microsoft.com/office/drawing/2010/main">
+        <mc:Choice Requires="a14">
+          <p:sp>
+            <p:nvSpPr>
+              <p:cNvPr id="7" name="TextBox 6">
+                <a:extLst>
+                  <a:ext uri="{FF2B5EF4-FFF2-40B4-BE49-F238E27FC236}">
+                    <a16:creationId xmlns:a16="http://schemas.microsoft.com/office/drawing/2014/main" id="{B19C3384-07A4-CB0D-4FC9-0BF548FA54C5}"/>
+                  </a:ext>
+                </a:extLst>
+              </p:cNvPr>
+              <p:cNvSpPr txBox="1"/>
+              <p:nvPr/>
+            </p:nvSpPr>
+            <p:spPr>
+              <a:xfrm>
+                <a:off x="612321" y="1690007"/>
+                <a:ext cx="11036838" cy="1563377"/>
+              </a:xfrm>
+              <a:prstGeom prst="rect">
+                <a:avLst/>
+              </a:prstGeom>
+              <a:noFill/>
+            </p:spPr>
+            <p:txBody>
+              <a:bodyPr wrap="square" rtlCol="0">
+                <a:spAutoFit/>
+              </a:bodyPr>
+              <a:lstStyle/>
+              <a:p>
+                <a:r>
+                  <a:rPr lang="en-US" dirty="0"/>
+                  <a:t>Now, we encode the qubit into a coding subspace, say </a:t>
+                </a:r>
+                <a14:m>
+                  <m:oMath xmlns:m="http://schemas.openxmlformats.org/officeDocument/2006/math">
+                    <m:sSub>
+                      <m:sSubPr>
+                        <m:ctrlPr>
+                          <a:rPr lang="en-US" b="0" i="1" smtClean="0">
+                            <a:latin typeface="Cambria Math" panose="02040503050406030204" pitchFamily="18" charset="0"/>
+                          </a:rPr>
+                        </m:ctrlPr>
+                      </m:sSubPr>
+                      <m:e>
+                        <m:r>
+                          <a:rPr lang="en-US" b="0" i="1" smtClean="0">
+                            <a:latin typeface="Cambria Math" panose="02040503050406030204" pitchFamily="18" charset="0"/>
+                          </a:rPr>
+                          <m:t>𝐻</m:t>
+                        </m:r>
+                      </m:e>
+                      <m:sub>
+                        <m:r>
+                          <a:rPr lang="en-US" b="0" i="1" smtClean="0">
+                            <a:latin typeface="Cambria Math" panose="02040503050406030204" pitchFamily="18" charset="0"/>
+                          </a:rPr>
+                          <m:t>𝑐</m:t>
+                        </m:r>
+                      </m:sub>
+                    </m:sSub>
+                  </m:oMath>
+                </a14:m>
+                <a:r>
+                  <a:rPr lang="en-US" dirty="0"/>
+                  <a:t>, which is stabilized by generators, say </a:t>
+                </a:r>
+                <a14:m>
+                  <m:oMath xmlns:m="http://schemas.openxmlformats.org/officeDocument/2006/math">
+                    <m:d>
+                      <m:dPr>
+                        <m:begChr m:val="⟨"/>
+                        <m:endChr m:val="⟩"/>
+                        <m:ctrlPr>
+                          <a:rPr lang="en-US" b="0" i="1" smtClean="0">
+                            <a:latin typeface="Cambria Math" panose="02040503050406030204" pitchFamily="18" charset="0"/>
+                          </a:rPr>
+                        </m:ctrlPr>
+                      </m:dPr>
+                      <m:e>
+                        <m:r>
+                          <a:rPr lang="en-US" b="0" i="1" smtClean="0">
+                            <a:latin typeface="Cambria Math" panose="02040503050406030204" pitchFamily="18" charset="0"/>
+                          </a:rPr>
+                          <m:t> </m:t>
+                        </m:r>
+                        <m:sSub>
+                          <m:sSubPr>
+                            <m:ctrlPr>
+                              <a:rPr lang="en-US" b="0" i="1" smtClean="0">
+                                <a:latin typeface="Cambria Math" panose="02040503050406030204" pitchFamily="18" charset="0"/>
+                              </a:rPr>
+                            </m:ctrlPr>
+                          </m:sSubPr>
+                          <m:e>
+                            <m:r>
+                              <a:rPr lang="en-US" b="0" i="1" smtClean="0">
+                                <a:latin typeface="Cambria Math" panose="02040503050406030204" pitchFamily="18" charset="0"/>
+                              </a:rPr>
+                              <m:t>𝑠</m:t>
+                            </m:r>
+                          </m:e>
+                          <m:sub>
+                            <m:r>
+                              <a:rPr lang="en-US" b="0" i="1" smtClean="0">
+                                <a:latin typeface="Cambria Math" panose="02040503050406030204" pitchFamily="18" charset="0"/>
+                              </a:rPr>
+                              <m:t>𝑖</m:t>
+                            </m:r>
+                          </m:sub>
+                        </m:sSub>
+                        <m:r>
+                          <a:rPr lang="en-US" b="0" i="1" smtClean="0">
+                            <a:latin typeface="Cambria Math" panose="02040503050406030204" pitchFamily="18" charset="0"/>
+                          </a:rPr>
+                          <m:t> </m:t>
+                        </m:r>
+                      </m:e>
+                    </m:d>
+                    <m:r>
+                      <a:rPr lang="en-US" b="0" i="0" smtClean="0">
+                        <a:latin typeface="Cambria Math" panose="02040503050406030204" pitchFamily="18" charset="0"/>
+                      </a:rPr>
+                      <m:t>, </m:t>
+                    </m:r>
+                    <m:r>
+                      <m:rPr>
+                        <m:sty m:val="p"/>
+                      </m:rPr>
+                      <a:rPr lang="en-US" b="0" i="0" smtClean="0">
+                        <a:latin typeface="Cambria Math" panose="02040503050406030204" pitchFamily="18" charset="0"/>
+                      </a:rPr>
+                      <m:t>which</m:t>
+                    </m:r>
+                  </m:oMath>
+                </a14:m>
+                <a:endParaRPr lang="en-US" b="0" dirty="0"/>
+              </a:p>
+              <a:p>
+                <a:r>
+                  <a:rPr lang="en-US" dirty="0"/>
+                  <a:t>means </a:t>
+                </a:r>
+                <a14:m>
+                  <m:oMath xmlns:m="http://schemas.openxmlformats.org/officeDocument/2006/math">
+                    <m:sSub>
+                      <m:sSubPr>
+                        <m:ctrlPr>
+                          <a:rPr lang="en-US" b="0" i="1" smtClean="0">
+                            <a:latin typeface="Cambria Math" panose="02040503050406030204" pitchFamily="18" charset="0"/>
+                          </a:rPr>
+                        </m:ctrlPr>
+                      </m:sSubPr>
+                      <m:e>
+                        <m:r>
+                          <a:rPr lang="en-US" b="0" i="1" smtClean="0">
+                            <a:latin typeface="Cambria Math" panose="02040503050406030204" pitchFamily="18" charset="0"/>
+                          </a:rPr>
+                          <m:t>𝑠</m:t>
+                        </m:r>
+                      </m:e>
+                      <m:sub>
+                        <m:r>
+                          <a:rPr lang="en-US" b="0" i="1" smtClean="0">
+                            <a:latin typeface="Cambria Math" panose="02040503050406030204" pitchFamily="18" charset="0"/>
+                          </a:rPr>
+                          <m:t>𝑖</m:t>
+                        </m:r>
+                      </m:sub>
+                    </m:sSub>
+                    <m:d>
+                      <m:dPr>
+                        <m:begChr m:val="|"/>
+                        <m:endChr m:val="⟩"/>
+                        <m:ctrlPr>
+                          <a:rPr lang="en-US" b="0" i="1" smtClean="0">
+                            <a:latin typeface="Cambria Math" panose="02040503050406030204" pitchFamily="18" charset="0"/>
+                          </a:rPr>
+                        </m:ctrlPr>
+                      </m:dPr>
+                      <m:e>
+                        <m:r>
+                          <a:rPr lang="en-US" b="0" i="1" smtClean="0">
+                            <a:latin typeface="Cambria Math" panose="02040503050406030204" pitchFamily="18" charset="0"/>
+                          </a:rPr>
+                          <m:t>𝜓</m:t>
+                        </m:r>
+                      </m:e>
+                    </m:d>
+                    <m:r>
+                      <a:rPr lang="en-US" b="0" i="1" smtClean="0">
+                        <a:latin typeface="Cambria Math" panose="02040503050406030204" pitchFamily="18" charset="0"/>
+                      </a:rPr>
+                      <m:t>=</m:t>
+                    </m:r>
+                    <m:d>
+                      <m:dPr>
+                        <m:begChr m:val="|"/>
+                        <m:endChr m:val="⟩"/>
+                        <m:ctrlPr>
+                          <a:rPr lang="en-US" i="1">
+                            <a:latin typeface="Cambria Math" panose="02040503050406030204" pitchFamily="18" charset="0"/>
+                          </a:rPr>
+                        </m:ctrlPr>
+                      </m:dPr>
+                      <m:e>
+                        <m:r>
+                          <a:rPr lang="en-US" i="1">
+                            <a:latin typeface="Cambria Math" panose="02040503050406030204" pitchFamily="18" charset="0"/>
+                          </a:rPr>
+                          <m:t>𝜓</m:t>
+                        </m:r>
+                      </m:e>
+                    </m:d>
+                  </m:oMath>
+                </a14:m>
+                <a:r>
+                  <a:rPr lang="en-US" b="0" dirty="0"/>
+                  <a:t> for all </a:t>
+                </a:r>
+                <a14:m>
+                  <m:oMath xmlns:m="http://schemas.openxmlformats.org/officeDocument/2006/math">
+                    <m:d>
+                      <m:dPr>
+                        <m:begChr m:val="|"/>
+                        <m:endChr m:val="⟩"/>
+                        <m:ctrlPr>
+                          <a:rPr lang="en-US" i="1">
+                            <a:latin typeface="Cambria Math" panose="02040503050406030204" pitchFamily="18" charset="0"/>
+                          </a:rPr>
+                        </m:ctrlPr>
+                      </m:dPr>
+                      <m:e>
+                        <m:r>
+                          <a:rPr lang="en-US" i="1">
+                            <a:latin typeface="Cambria Math" panose="02040503050406030204" pitchFamily="18" charset="0"/>
+                          </a:rPr>
+                          <m:t>𝜓</m:t>
+                        </m:r>
+                      </m:e>
+                    </m:d>
+                    <m:r>
+                      <a:rPr lang="en-US" b="0" i="1" smtClean="0">
+                        <a:latin typeface="Cambria Math" panose="02040503050406030204" pitchFamily="18" charset="0"/>
+                      </a:rPr>
+                      <m:t>∈</m:t>
+                    </m:r>
+                    <m:sSub>
+                      <m:sSubPr>
+                        <m:ctrlPr>
+                          <a:rPr lang="en-US" b="0" i="1" smtClean="0">
+                            <a:latin typeface="Cambria Math" panose="02040503050406030204" pitchFamily="18" charset="0"/>
+                          </a:rPr>
+                        </m:ctrlPr>
+                      </m:sSubPr>
+                      <m:e>
+                        <m:r>
+                          <a:rPr lang="en-US" b="0" i="1" smtClean="0">
+                            <a:latin typeface="Cambria Math" panose="02040503050406030204" pitchFamily="18" charset="0"/>
+                          </a:rPr>
+                          <m:t>𝐻</m:t>
+                        </m:r>
+                      </m:e>
+                      <m:sub>
+                        <m:r>
+                          <a:rPr lang="en-US" b="0" i="1" smtClean="0">
+                            <a:latin typeface="Cambria Math" panose="02040503050406030204" pitchFamily="18" charset="0"/>
+                          </a:rPr>
+                          <m:t>𝑐</m:t>
+                        </m:r>
+                      </m:sub>
+                    </m:sSub>
+                  </m:oMath>
+                </a14:m>
+                <a:r>
+                  <a:rPr lang="en-US" b="0" dirty="0"/>
+                  <a:t>, i.e., it is the +1 eigenspace of all stabilizers.</a:t>
+                </a:r>
+              </a:p>
+              <a:p>
+                <a:r>
+                  <a:rPr lang="en-US" b="0" dirty="0"/>
+                  <a:t>Now sa</a:t>
+                </a:r>
+                <a:r>
+                  <a:rPr lang="en-US" dirty="0"/>
+                  <a:t>y </a:t>
+                </a:r>
+                <a14:m>
+                  <m:oMath xmlns:m="http://schemas.openxmlformats.org/officeDocument/2006/math">
+                    <m:d>
+                      <m:dPr>
+                        <m:begChr m:val="{"/>
+                        <m:endChr m:val="}"/>
+                        <m:ctrlPr>
+                          <a:rPr lang="en-US" b="0" i="1" smtClean="0">
+                            <a:latin typeface="Cambria Math" panose="02040503050406030204" pitchFamily="18" charset="0"/>
+                          </a:rPr>
+                        </m:ctrlPr>
+                      </m:dPr>
+                      <m:e>
+                        <m:sSub>
+                          <m:sSubPr>
+                            <m:ctrlPr>
+                              <a:rPr lang="en-US" b="0" i="1" smtClean="0">
+                                <a:latin typeface="Cambria Math" panose="02040503050406030204" pitchFamily="18" charset="0"/>
+                              </a:rPr>
+                            </m:ctrlPr>
+                          </m:sSubPr>
+                          <m:e>
+                            <m:r>
+                              <a:rPr lang="en-US" b="0" i="1" smtClean="0">
+                                <a:latin typeface="Cambria Math" panose="02040503050406030204" pitchFamily="18" charset="0"/>
+                              </a:rPr>
+                              <m:t>𝐸</m:t>
+                            </m:r>
+                          </m:e>
+                          <m:sub>
+                            <m:r>
+                              <a:rPr lang="en-US" b="0" i="1" smtClean="0">
+                                <a:latin typeface="Cambria Math" panose="02040503050406030204" pitchFamily="18" charset="0"/>
+                              </a:rPr>
+                              <m:t>𝑗</m:t>
+                            </m:r>
+                          </m:sub>
+                        </m:sSub>
+                      </m:e>
+                    </m:d>
+                  </m:oMath>
+                </a14:m>
+                <a:r>
+                  <a:rPr lang="en-US" b="0" dirty="0"/>
+                  <a:t> are set of errors that can be corrected by the error correction code. Then we have</a:t>
+                </a:r>
+              </a:p>
+              <a:p>
+                <a:pPr/>
+                <a14:m>
+                  <m:oMathPara xmlns:m="http://schemas.openxmlformats.org/officeDocument/2006/math">
+                    <m:oMathParaPr>
+                      <m:jc m:val="centerGroup"/>
+                    </m:oMathParaPr>
+                    <m:oMath xmlns:m="http://schemas.openxmlformats.org/officeDocument/2006/math">
+                      <m:sSub>
+                        <m:sSubPr>
+                          <m:ctrlPr>
+                            <a:rPr lang="en-US" i="1">
+                              <a:latin typeface="Cambria Math" panose="02040503050406030204" pitchFamily="18" charset="0"/>
+                            </a:rPr>
+                          </m:ctrlPr>
+                        </m:sSubPr>
+                        <m:e>
+                          <m:r>
+                            <a:rPr lang="en-US" i="1">
+                              <a:latin typeface="Cambria Math" panose="02040503050406030204" pitchFamily="18" charset="0"/>
+                            </a:rPr>
+                            <m:t>𝑠</m:t>
+                          </m:r>
+                        </m:e>
+                        <m:sub>
+                          <m:r>
+                            <a:rPr lang="en-US" i="1">
+                              <a:latin typeface="Cambria Math" panose="02040503050406030204" pitchFamily="18" charset="0"/>
+                            </a:rPr>
+                            <m:t>𝑖</m:t>
+                          </m:r>
+                        </m:sub>
+                      </m:sSub>
+                      <m:sSub>
+                        <m:sSubPr>
+                          <m:ctrlPr>
+                            <a:rPr lang="en-US" b="0" i="1" smtClean="0">
+                              <a:latin typeface="Cambria Math" panose="02040503050406030204" pitchFamily="18" charset="0"/>
+                            </a:rPr>
+                          </m:ctrlPr>
+                        </m:sSubPr>
+                        <m:e>
+                          <m:r>
+                            <a:rPr lang="en-US" b="0" i="1" smtClean="0">
+                              <a:latin typeface="Cambria Math" panose="02040503050406030204" pitchFamily="18" charset="0"/>
+                            </a:rPr>
+                            <m:t>𝐸</m:t>
+                          </m:r>
+                        </m:e>
+                        <m:sub>
+                          <m:r>
+                            <a:rPr lang="en-US" b="0" i="1" smtClean="0">
+                              <a:latin typeface="Cambria Math" panose="02040503050406030204" pitchFamily="18" charset="0"/>
+                            </a:rPr>
+                            <m:t>𝑗</m:t>
+                          </m:r>
+                        </m:sub>
+                      </m:sSub>
+                      <m:d>
+                        <m:dPr>
+                          <m:begChr m:val="|"/>
+                          <m:endChr m:val="⟩"/>
+                          <m:ctrlPr>
+                            <a:rPr lang="en-US" i="1">
+                              <a:latin typeface="Cambria Math" panose="02040503050406030204" pitchFamily="18" charset="0"/>
+                            </a:rPr>
+                          </m:ctrlPr>
+                        </m:dPr>
+                        <m:e>
+                          <m:r>
+                            <a:rPr lang="en-US" i="1">
+                              <a:latin typeface="Cambria Math" panose="02040503050406030204" pitchFamily="18" charset="0"/>
+                            </a:rPr>
+                            <m:t>𝜓</m:t>
+                          </m:r>
+                        </m:e>
+                      </m:d>
+                      <m:r>
+                        <a:rPr lang="en-US" i="1">
+                          <a:latin typeface="Cambria Math" panose="02040503050406030204" pitchFamily="18" charset="0"/>
+                        </a:rPr>
+                        <m:t>=</m:t>
+                      </m:r>
+                      <m:sSub>
+                        <m:sSubPr>
+                          <m:ctrlPr>
+                            <a:rPr lang="en-US" b="0" i="1" smtClean="0">
+                              <a:latin typeface="Cambria Math" panose="02040503050406030204" pitchFamily="18" charset="0"/>
+                            </a:rPr>
+                          </m:ctrlPr>
+                        </m:sSubPr>
+                        <m:e>
+                          <m:r>
+                            <a:rPr lang="en-US" b="0" i="1" smtClean="0">
+                              <a:latin typeface="Cambria Math" panose="02040503050406030204" pitchFamily="18" charset="0"/>
+                            </a:rPr>
+                            <m:t>𝑐</m:t>
+                          </m:r>
+                        </m:e>
+                        <m:sub>
+                          <m:r>
+                            <a:rPr lang="en-US" b="0" i="1" smtClean="0">
+                              <a:latin typeface="Cambria Math" panose="02040503050406030204" pitchFamily="18" charset="0"/>
+                            </a:rPr>
+                            <m:t>𝑖𝑗</m:t>
+                          </m:r>
+                        </m:sub>
+                      </m:sSub>
+                      <m:d>
+                        <m:dPr>
+                          <m:begChr m:val="|"/>
+                          <m:endChr m:val="⟩"/>
+                          <m:ctrlPr>
+                            <a:rPr lang="en-US" i="1">
+                              <a:latin typeface="Cambria Math" panose="02040503050406030204" pitchFamily="18" charset="0"/>
+                            </a:rPr>
+                          </m:ctrlPr>
+                        </m:dPr>
+                        <m:e>
+                          <m:r>
+                            <a:rPr lang="en-US" i="1">
+                              <a:latin typeface="Cambria Math" panose="02040503050406030204" pitchFamily="18" charset="0"/>
+                            </a:rPr>
+                            <m:t>𝜓</m:t>
+                          </m:r>
+                        </m:e>
+                      </m:d>
+                      <m:r>
+                        <a:rPr lang="en-US" b="0" i="1" smtClean="0">
+                          <a:latin typeface="Cambria Math" panose="02040503050406030204" pitchFamily="18" charset="0"/>
+                        </a:rPr>
+                        <m:t>, </m:t>
+                      </m:r>
+                      <m:sSub>
+                        <m:sSubPr>
+                          <m:ctrlPr>
+                            <a:rPr lang="en-US" b="0" i="1" smtClean="0">
+                              <a:latin typeface="Cambria Math" panose="02040503050406030204" pitchFamily="18" charset="0"/>
+                            </a:rPr>
+                          </m:ctrlPr>
+                        </m:sSubPr>
+                        <m:e>
+                          <m:r>
+                            <a:rPr lang="en-US" b="0" i="1" smtClean="0">
+                              <a:latin typeface="Cambria Math" panose="02040503050406030204" pitchFamily="18" charset="0"/>
+                            </a:rPr>
+                            <m:t>𝑐</m:t>
+                          </m:r>
+                        </m:e>
+                        <m:sub>
+                          <m:r>
+                            <a:rPr lang="en-US" b="0" i="1" smtClean="0">
+                              <a:latin typeface="Cambria Math" panose="02040503050406030204" pitchFamily="18" charset="0"/>
+                            </a:rPr>
+                            <m:t>𝑖𝑗</m:t>
+                          </m:r>
+                        </m:sub>
+                      </m:sSub>
+                      <m:r>
+                        <a:rPr lang="en-US" b="0" i="1" smtClean="0">
+                          <a:latin typeface="Cambria Math" panose="02040503050406030204" pitchFamily="18" charset="0"/>
+                        </a:rPr>
+                        <m:t>∈{+1, −1}</m:t>
+                      </m:r>
+                    </m:oMath>
+                  </m:oMathPara>
+                </a14:m>
+                <a:endParaRPr lang="en-US" b="0" dirty="0"/>
+              </a:p>
+              <a:p>
+                <a:r>
+                  <a:rPr lang="en-US" dirty="0"/>
+                  <a:t>For a specific </a:t>
+                </a:r>
+                <a14:m>
+                  <m:oMath xmlns:m="http://schemas.openxmlformats.org/officeDocument/2006/math">
+                    <m:r>
+                      <a:rPr lang="en-US" b="0" i="1" smtClean="0">
+                        <a:latin typeface="Cambria Math" panose="02040503050406030204" pitchFamily="18" charset="0"/>
+                      </a:rPr>
+                      <m:t>𝑗</m:t>
+                    </m:r>
+                  </m:oMath>
+                </a14:m>
+                <a:r>
+                  <a:rPr lang="en-US" b="0" dirty="0"/>
+                  <a:t>, we call </a:t>
+                </a:r>
+                <a14:m>
+                  <m:oMath xmlns:m="http://schemas.openxmlformats.org/officeDocument/2006/math">
+                    <m:r>
+                      <a:rPr lang="en-US" b="0" i="1" smtClean="0">
+                        <a:latin typeface="Cambria Math" panose="02040503050406030204" pitchFamily="18" charset="0"/>
+                      </a:rPr>
+                      <m:t>{</m:t>
+                    </m:r>
+                    <m:sSub>
+                      <m:sSubPr>
+                        <m:ctrlPr>
+                          <a:rPr lang="en-US" b="0" i="1" smtClean="0">
+                            <a:latin typeface="Cambria Math" panose="02040503050406030204" pitchFamily="18" charset="0"/>
+                          </a:rPr>
+                        </m:ctrlPr>
+                      </m:sSubPr>
+                      <m:e>
+                        <m:r>
+                          <a:rPr lang="en-US" b="0" i="1" smtClean="0">
+                            <a:latin typeface="Cambria Math" panose="02040503050406030204" pitchFamily="18" charset="0"/>
+                          </a:rPr>
+                          <m:t>𝑐</m:t>
+                        </m:r>
+                      </m:e>
+                      <m:sub>
+                        <m:r>
+                          <a:rPr lang="en-US" b="0" i="1" smtClean="0">
+                            <a:latin typeface="Cambria Math" panose="02040503050406030204" pitchFamily="18" charset="0"/>
+                          </a:rPr>
+                          <m:t>𝑖𝑗</m:t>
+                        </m:r>
+                      </m:sub>
+                    </m:sSub>
+                  </m:oMath>
+                </a14:m>
+                <a:r>
+                  <a:rPr lang="en-US" b="0" dirty="0"/>
+                  <a:t>} the syndromes. Different errors must have distinct syndromes.</a:t>
+                </a:r>
+              </a:p>
+            </p:txBody>
+          </p:sp>
+        </mc:Choice>
+        <mc:Fallback xmlns="">
+          <p:sp>
+            <p:nvSpPr>
+              <p:cNvPr id="7" name="TextBox 6">
+                <a:extLst>
+                  <a:ext uri="{FF2B5EF4-FFF2-40B4-BE49-F238E27FC236}">
+                    <a16:creationId xmlns:a16="http://schemas.microsoft.com/office/drawing/2014/main" id="{B19C3384-07A4-CB0D-4FC9-0BF548FA54C5}"/>
+                  </a:ext>
+                </a:extLst>
+              </p:cNvPr>
+              <p:cNvSpPr txBox="1">
+                <a:spLocks noRot="1" noChangeAspect="1" noMove="1" noResize="1" noEditPoints="1" noAdjustHandles="1" noChangeArrowheads="1" noChangeShapeType="1" noTextEdit="1"/>
+              </p:cNvSpPr>
+              <p:nvPr/>
+            </p:nvSpPr>
+            <p:spPr>
+              <a:xfrm>
+                <a:off x="612321" y="1690007"/>
+                <a:ext cx="11036838" cy="1563377"/>
+              </a:xfrm>
+              <a:prstGeom prst="rect">
+                <a:avLst/>
+              </a:prstGeom>
+              <a:blipFill>
+                <a:blip r:embed="rId3"/>
+                <a:stretch>
+                  <a:fillRect l="-442" t="-1556" b="-4280"/>
+                </a:stretch>
+              </a:blipFill>
+            </p:spPr>
+            <p:txBody>
+              <a:bodyPr/>
+              <a:lstStyle/>
+              <a:p>
+                <a:r>
+                  <a:rPr lang="en-US">
+                    <a:noFill/>
+                  </a:rPr>
+                  <a:t> </a:t>
+                </a:r>
+              </a:p>
+            </p:txBody>
+          </p:sp>
+        </mc:Fallback>
+      </mc:AlternateContent>
+      <p:sp>
+        <p:nvSpPr>
+          <p:cNvPr id="8" name="TextBox 7">
+            <a:extLst>
+              <a:ext uri="{FF2B5EF4-FFF2-40B4-BE49-F238E27FC236}">
+                <a16:creationId xmlns:a16="http://schemas.microsoft.com/office/drawing/2014/main" id="{A36DE2A6-5A47-A03B-3889-A9DC07AED353}"/>
+              </a:ext>
+            </a:extLst>
+          </p:cNvPr>
+          <p:cNvSpPr txBox="1"/>
+          <p:nvPr/>
+        </p:nvSpPr>
+        <p:spPr>
+          <a:xfrm>
+            <a:off x="726621" y="3722914"/>
+            <a:ext cx="10760529" cy="800219"/>
+          </a:xfrm>
+          <a:prstGeom prst="rect">
+            <a:avLst/>
+          </a:prstGeom>
+          <a:noFill/>
+        </p:spPr>
+        <p:txBody>
+          <a:bodyPr wrap="square" rtlCol="0">
+            <a:spAutoFit/>
+          </a:bodyPr>
+          <a:lstStyle/>
+          <a:p>
+            <a:pPr marL="285750" indent="-285750">
+              <a:buFont typeface="Arial" panose="020B0604020202020204" pitchFamily="34" charset="0"/>
+              <a:buChar char="•"/>
+            </a:pPr>
+            <a:r>
+              <a:rPr lang="en-US" dirty="0"/>
+              <a:t>Most Quantum Error Correcting Codes can be described using Stabilizer Formalism.</a:t>
+            </a:r>
+          </a:p>
+          <a:p>
+            <a:pPr marL="285750" indent="-285750">
+              <a:buFont typeface="Arial" panose="020B0604020202020204" pitchFamily="34" charset="0"/>
+              <a:buChar char="•"/>
+            </a:pPr>
+            <a:r>
+              <a:rPr lang="en-US" sz="2800" b="1" dirty="0"/>
+              <a:t>However, the question remains, which code to use?</a:t>
+            </a:r>
+          </a:p>
+        </p:txBody>
+      </p:sp>
+    </p:spTree>
+    <p:extLst>
+      <p:ext uri="{BB962C8B-B14F-4D97-AF65-F5344CB8AC3E}">
+        <p14:creationId xmlns:p14="http://schemas.microsoft.com/office/powerpoint/2010/main" val="3714028906"/>
+      </p:ext>
+    </p:extLst>
+  </p:cSld>
+  <p:clrMapOvr>
+    <a:masterClrMapping/>
+  </p:clrMapOvr>
+</p:sld>
+</file>
+
+<file path=ppt/slides/slide11.xml><?xml version="1.0" encoding="utf-8"?>
+<p:sld xmlns:a="http://schemas.openxmlformats.org/drawingml/2006/main" xmlns:r="http://schemas.openxmlformats.org/officeDocument/2006/relationships" xmlns:p="http://schemas.openxmlformats.org/presentationml/2006/main">
+  <p:cSld>
+    <p:spTree>
+      <p:nvGrpSpPr>
+        <p:cNvPr id="1" name=""/>
+        <p:cNvGrpSpPr/>
+        <p:nvPr/>
+      </p:nvGrpSpPr>
+      <p:grpSpPr>
+        <a:xfrm>
+          <a:off x="0" y="0"/>
+          <a:ext cx="0" cy="0"/>
+          <a:chOff x="0" y="0"/>
+          <a:chExt cx="0" cy="0"/>
+        </a:xfrm>
+      </p:grpSpPr>
+      <p:sp>
+        <p:nvSpPr>
+          <p:cNvPr id="2" name="Title 1">
+            <a:extLst>
+              <a:ext uri="{FF2B5EF4-FFF2-40B4-BE49-F238E27FC236}">
+                <a16:creationId xmlns:a16="http://schemas.microsoft.com/office/drawing/2014/main" id="{7CAB750C-2566-ADBD-508B-0EA81704A218}"/>
+              </a:ext>
+            </a:extLst>
+          </p:cNvPr>
+          <p:cNvSpPr>
+            <a:spLocks noGrp="1"/>
+          </p:cNvSpPr>
+          <p:nvPr>
+            <p:ph type="title"/>
+          </p:nvPr>
+        </p:nvSpPr>
+        <p:spPr/>
+        <p:txBody>
+          <a:bodyPr/>
+          <a:lstStyle/>
+          <a:p>
+            <a:r>
+              <a:rPr lang="en-US" dirty="0"/>
+              <a:t>5 Qubit Perfect Code</a:t>
+            </a:r>
+          </a:p>
+        </p:txBody>
+      </p:sp>
+      <p:sp>
+        <p:nvSpPr>
+          <p:cNvPr id="4" name="Footer Placeholder 3">
+            <a:extLst>
+              <a:ext uri="{FF2B5EF4-FFF2-40B4-BE49-F238E27FC236}">
+                <a16:creationId xmlns:a16="http://schemas.microsoft.com/office/drawing/2014/main" id="{AD5A9FBB-2695-F841-4BC4-2EB6B7B6DAE6}"/>
+              </a:ext>
+            </a:extLst>
+          </p:cNvPr>
+          <p:cNvSpPr>
+            <a:spLocks noGrp="1"/>
+          </p:cNvSpPr>
+          <p:nvPr>
+            <p:ph type="ftr" sz="quarter" idx="11"/>
+          </p:nvPr>
+        </p:nvSpPr>
+        <p:spPr/>
+        <p:txBody>
+          <a:bodyPr/>
+          <a:lstStyle/>
+          <a:p>
+            <a:r>
+              <a:rPr lang="en-US"/>
+              <a:t>All Rights Reserved</a:t>
+            </a:r>
+            <a:endParaRPr lang="en-US" dirty="0"/>
+          </a:p>
+        </p:txBody>
+      </p:sp>
+      <p:pic>
+        <p:nvPicPr>
+          <p:cNvPr id="2050" name="Picture 2">
+            <a:extLst>
+              <a:ext uri="{FF2B5EF4-FFF2-40B4-BE49-F238E27FC236}">
+                <a16:creationId xmlns:a16="http://schemas.microsoft.com/office/drawing/2014/main" id="{1967F3AF-B3CA-5B64-F453-FDFFFCB22434}"/>
+              </a:ext>
+            </a:extLst>
+          </p:cNvPr>
+          <p:cNvPicPr>
+            <a:picLocks noGrp="1" noChangeAspect="1" noChangeArrowheads="1"/>
+          </p:cNvPicPr>
+          <p:nvPr>
+            <p:ph idx="1"/>
+          </p:nvPr>
+        </p:nvPicPr>
+        <p:blipFill>
+          <a:blip r:embed="rId2">
+            <a:extLst>
+              <a:ext uri="{28A0092B-C50C-407E-A947-70E740481C1C}">
+                <a14:useLocalDpi xmlns:a14="http://schemas.microsoft.com/office/drawing/2010/main" val="0"/>
+              </a:ext>
+            </a:extLst>
+          </a:blip>
+          <a:srcRect/>
+          <a:stretch>
+            <a:fillRect/>
+          </a:stretch>
+        </p:blipFill>
+        <p:spPr bwMode="auto">
+          <a:xfrm>
+            <a:off x="2838157" y="976841"/>
+            <a:ext cx="6232466" cy="5056188"/>
+          </a:xfrm>
+          <a:prstGeom prst="rect">
+            <a:avLst/>
+          </a:prstGeom>
+          <a:noFill/>
+          <a:extLst>
+            <a:ext uri="{909E8E84-426E-40DD-AFC4-6F175D3DCCD1}">
+              <a14:hiddenFill xmlns:a14="http://schemas.microsoft.com/office/drawing/2010/main">
+                <a:solidFill>
+                  <a:srgbClr val="FFFFFF"/>
+                </a:solidFill>
+              </a14:hiddenFill>
+            </a:ext>
+          </a:extLst>
+        </p:spPr>
+      </p:pic>
+    </p:spTree>
+    <p:extLst>
+      <p:ext uri="{BB962C8B-B14F-4D97-AF65-F5344CB8AC3E}">
+        <p14:creationId xmlns:p14="http://schemas.microsoft.com/office/powerpoint/2010/main" val="3721771152"/>
+      </p:ext>
+    </p:extLst>
+  </p:cSld>
+  <p:clrMapOvr>
+    <a:masterClrMapping/>
+  </p:clrMapOvr>
+</p:sld>
+</file>
+
+<file path=ppt/slides/slide12.xml><?xml version="1.0" encoding="utf-8"?>
+<p:sld xmlns:a="http://schemas.openxmlformats.org/drawingml/2006/main" xmlns:r="http://schemas.openxmlformats.org/officeDocument/2006/relationships" xmlns:p="http://schemas.openxmlformats.org/presentationml/2006/main">
+  <p:cSld>
+    <p:spTree>
+      <p:nvGrpSpPr>
+        <p:cNvPr id="1" name=""/>
+        <p:cNvGrpSpPr/>
+        <p:nvPr/>
+      </p:nvGrpSpPr>
+      <p:grpSpPr>
+        <a:xfrm>
+          <a:off x="0" y="0"/>
+          <a:ext cx="0" cy="0"/>
+          <a:chOff x="0" y="0"/>
+          <a:chExt cx="0" cy="0"/>
+        </a:xfrm>
+      </p:grpSpPr>
+      <p:sp>
+        <p:nvSpPr>
+          <p:cNvPr id="2" name="Title 1">
+            <a:extLst>
+              <a:ext uri="{FF2B5EF4-FFF2-40B4-BE49-F238E27FC236}">
+                <a16:creationId xmlns:a16="http://schemas.microsoft.com/office/drawing/2014/main" id="{B6CAD875-5A50-83F7-C27D-7FF9A7542E6C}"/>
+              </a:ext>
+            </a:extLst>
+          </p:cNvPr>
+          <p:cNvSpPr>
+            <a:spLocks noGrp="1"/>
+          </p:cNvSpPr>
+          <p:nvPr>
+            <p:ph type="title"/>
+          </p:nvPr>
+        </p:nvSpPr>
+        <p:spPr/>
+        <p:txBody>
+          <a:bodyPr/>
+          <a:lstStyle/>
+          <a:p>
+            <a:r>
+              <a:rPr lang="en-US" dirty="0"/>
+              <a:t>Steane Code</a:t>
+            </a:r>
+          </a:p>
+        </p:txBody>
+      </p:sp>
+      <p:sp>
+        <p:nvSpPr>
+          <p:cNvPr id="4" name="Footer Placeholder 3">
+            <a:extLst>
+              <a:ext uri="{FF2B5EF4-FFF2-40B4-BE49-F238E27FC236}">
+                <a16:creationId xmlns:a16="http://schemas.microsoft.com/office/drawing/2014/main" id="{01A3B4CA-7DCB-FB43-C04C-85B37C4DC473}"/>
+              </a:ext>
+            </a:extLst>
+          </p:cNvPr>
+          <p:cNvSpPr>
+            <a:spLocks noGrp="1"/>
+          </p:cNvSpPr>
+          <p:nvPr>
+            <p:ph type="ftr" sz="quarter" idx="11"/>
+          </p:nvPr>
+        </p:nvSpPr>
+        <p:spPr/>
+        <p:txBody>
+          <a:bodyPr/>
+          <a:lstStyle/>
+          <a:p>
+            <a:r>
+              <a:rPr lang="en-US"/>
+              <a:t>All Rights Reserved</a:t>
+            </a:r>
+            <a:endParaRPr lang="en-US" dirty="0"/>
+          </a:p>
+        </p:txBody>
+      </p:sp>
+      <p:pic>
+        <p:nvPicPr>
+          <p:cNvPr id="3074" name="Picture 2">
+            <a:extLst>
+              <a:ext uri="{FF2B5EF4-FFF2-40B4-BE49-F238E27FC236}">
+                <a16:creationId xmlns:a16="http://schemas.microsoft.com/office/drawing/2014/main" id="{8E623F6D-20A1-4C6A-DA68-07F960147238}"/>
+              </a:ext>
+            </a:extLst>
+          </p:cNvPr>
+          <p:cNvPicPr>
+            <a:picLocks noGrp="1" noChangeAspect="1" noChangeArrowheads="1"/>
+          </p:cNvPicPr>
+          <p:nvPr>
+            <p:ph idx="1"/>
+          </p:nvPr>
+        </p:nvPicPr>
+        <p:blipFill>
+          <a:blip r:embed="rId2">
+            <a:extLst>
+              <a:ext uri="{28A0092B-C50C-407E-A947-70E740481C1C}">
+                <a14:useLocalDpi xmlns:a14="http://schemas.microsoft.com/office/drawing/2010/main" val="0"/>
+              </a:ext>
+            </a:extLst>
+          </a:blip>
+          <a:srcRect/>
+          <a:stretch>
+            <a:fillRect/>
+          </a:stretch>
+        </p:blipFill>
+        <p:spPr bwMode="auto">
+          <a:xfrm>
+            <a:off x="2209515" y="993775"/>
+            <a:ext cx="7637504" cy="5056188"/>
+          </a:xfrm>
+          <a:prstGeom prst="rect">
+            <a:avLst/>
+          </a:prstGeom>
+          <a:noFill/>
+          <a:extLst>
+            <a:ext uri="{909E8E84-426E-40DD-AFC4-6F175D3DCCD1}">
+              <a14:hiddenFill xmlns:a14="http://schemas.microsoft.com/office/drawing/2010/main">
+                <a:solidFill>
+                  <a:srgbClr val="FFFFFF"/>
+                </a:solidFill>
+              </a14:hiddenFill>
+            </a:ext>
+          </a:extLst>
+        </p:spPr>
+      </p:pic>
+    </p:spTree>
+    <p:extLst>
+      <p:ext uri="{BB962C8B-B14F-4D97-AF65-F5344CB8AC3E}">
+        <p14:creationId xmlns:p14="http://schemas.microsoft.com/office/powerpoint/2010/main" val="954852832"/>
+      </p:ext>
+    </p:extLst>
+  </p:cSld>
+  <p:clrMapOvr>
+    <a:masterClrMapping/>
+  </p:clrMapOvr>
+</p:sld>
+</file>
+
+<file path=ppt/slides/slide13.xml><?xml version="1.0" encoding="utf-8"?>
+<p:sld xmlns:a="http://schemas.openxmlformats.org/drawingml/2006/main" xmlns:r="http://schemas.openxmlformats.org/officeDocument/2006/relationships" xmlns:p="http://schemas.openxmlformats.org/presentationml/2006/main">
+  <p:cSld>
+    <p:spTree>
+      <p:nvGrpSpPr>
+        <p:cNvPr id="1" name=""/>
+        <p:cNvGrpSpPr/>
+        <p:nvPr/>
+      </p:nvGrpSpPr>
+      <p:grpSpPr>
+        <a:xfrm>
+          <a:off x="0" y="0"/>
+          <a:ext cx="0" cy="0"/>
+          <a:chOff x="0" y="0"/>
+          <a:chExt cx="0" cy="0"/>
+        </a:xfrm>
+      </p:grpSpPr>
+      <p:sp>
+        <p:nvSpPr>
+          <p:cNvPr id="2" name="Title 1">
+            <a:extLst>
+              <a:ext uri="{FF2B5EF4-FFF2-40B4-BE49-F238E27FC236}">
+                <a16:creationId xmlns:a16="http://schemas.microsoft.com/office/drawing/2014/main" id="{E4AD8231-D865-73FF-D1A0-7A07E8CB30E5}"/>
+              </a:ext>
+            </a:extLst>
+          </p:cNvPr>
+          <p:cNvSpPr>
+            <a:spLocks noGrp="1"/>
+          </p:cNvSpPr>
+          <p:nvPr>
+            <p:ph type="title"/>
+          </p:nvPr>
+        </p:nvSpPr>
+        <p:spPr/>
+        <p:txBody>
+          <a:bodyPr/>
+          <a:lstStyle/>
+          <a:p>
+            <a:r>
+              <a:rPr lang="en-US" dirty="0"/>
+              <a:t>Quantum Discord (QD)</a:t>
+            </a:r>
+          </a:p>
+        </p:txBody>
+      </p:sp>
+      <mc:AlternateContent xmlns:mc="http://schemas.openxmlformats.org/markup-compatibility/2006" xmlns:a14="http://schemas.microsoft.com/office/drawing/2010/main">
+        <mc:Choice Requires="a14">
+          <p:sp>
+            <p:nvSpPr>
+              <p:cNvPr id="3" name="Content Placeholder 2">
+                <a:extLst>
+                  <a:ext uri="{FF2B5EF4-FFF2-40B4-BE49-F238E27FC236}">
+                    <a16:creationId xmlns:a16="http://schemas.microsoft.com/office/drawing/2014/main" id="{2FBDA459-C823-9821-3E36-E6C1F82C2950}"/>
+                  </a:ext>
+                </a:extLst>
+              </p:cNvPr>
+              <p:cNvSpPr>
+                <a:spLocks noGrp="1"/>
+              </p:cNvSpPr>
+              <p:nvPr>
+                <p:ph idx="1"/>
+              </p:nvPr>
+            </p:nvSpPr>
+            <p:spPr/>
+            <p:txBody>
+              <a:bodyPr/>
+              <a:lstStyle/>
+              <a:p>
+                <a:r>
+                  <a:rPr lang="en-US" dirty="0"/>
+                  <a:t>Quantum Discord is defined as the difference between quantum and classical mutual information.</a:t>
+                </a:r>
+              </a:p>
+              <a:p>
+                <a:pPr marL="0" indent="0">
+                  <a:buNone/>
+                </a:pPr>
+                <a14:m>
+                  <m:oMathPara xmlns:m="http://schemas.openxmlformats.org/officeDocument/2006/math">
+                    <m:oMathParaPr>
+                      <m:jc m:val="centerGroup"/>
+                    </m:oMathParaPr>
+                    <m:oMath xmlns:m="http://schemas.openxmlformats.org/officeDocument/2006/math">
+                      <m:r>
+                        <a:rPr lang="en-US" b="0" i="1" smtClean="0">
+                          <a:latin typeface="Cambria Math" panose="02040503050406030204" pitchFamily="18" charset="0"/>
+                        </a:rPr>
+                        <m:t>𝛿</m:t>
+                      </m:r>
+                      <m:d>
+                        <m:dPr>
+                          <m:ctrlPr>
+                            <a:rPr lang="en-US" b="0" i="1" smtClean="0">
+                              <a:latin typeface="Cambria Math" panose="02040503050406030204" pitchFamily="18" charset="0"/>
+                            </a:rPr>
+                          </m:ctrlPr>
+                        </m:dPr>
+                        <m:e>
+                          <m:r>
+                            <a:rPr lang="en-US" b="0" i="1" smtClean="0">
+                              <a:latin typeface="Cambria Math" panose="02040503050406030204" pitchFamily="18" charset="0"/>
+                            </a:rPr>
+                            <m:t>𝐴</m:t>
+                          </m:r>
+                          <m:r>
+                            <a:rPr lang="en-US" b="0" i="1" smtClean="0">
+                              <a:latin typeface="Cambria Math" panose="02040503050406030204" pitchFamily="18" charset="0"/>
+                            </a:rPr>
+                            <m:t>:</m:t>
+                          </m:r>
+                          <m:r>
+                            <a:rPr lang="en-US" b="0" i="1" smtClean="0">
+                              <a:latin typeface="Cambria Math" panose="02040503050406030204" pitchFamily="18" charset="0"/>
+                            </a:rPr>
+                            <m:t>𝐵</m:t>
+                          </m:r>
+                        </m:e>
+                      </m:d>
+                      <m:r>
+                        <a:rPr lang="en-US" b="0" i="1" smtClean="0">
+                          <a:latin typeface="Cambria Math" panose="02040503050406030204" pitchFamily="18" charset="0"/>
+                        </a:rPr>
+                        <m:t>=</m:t>
+                      </m:r>
+                      <m:r>
+                        <a:rPr lang="en-US" b="0" i="1" smtClean="0">
+                          <a:latin typeface="Cambria Math" panose="02040503050406030204" pitchFamily="18" charset="0"/>
+                        </a:rPr>
+                        <m:t>𝐼</m:t>
+                      </m:r>
+                      <m:d>
+                        <m:dPr>
+                          <m:ctrlPr>
+                            <a:rPr lang="en-US" b="0" i="1" smtClean="0">
+                              <a:latin typeface="Cambria Math" panose="02040503050406030204" pitchFamily="18" charset="0"/>
+                            </a:rPr>
+                          </m:ctrlPr>
+                        </m:dPr>
+                        <m:e>
+                          <m:r>
+                            <a:rPr lang="en-US" b="0" i="1" smtClean="0">
+                              <a:latin typeface="Cambria Math" panose="02040503050406030204" pitchFamily="18" charset="0"/>
+                            </a:rPr>
+                            <m:t>𝐴</m:t>
+                          </m:r>
+                          <m:r>
+                            <a:rPr lang="en-US" b="0" i="1" smtClean="0">
+                              <a:latin typeface="Cambria Math" panose="02040503050406030204" pitchFamily="18" charset="0"/>
+                            </a:rPr>
+                            <m:t>:</m:t>
+                          </m:r>
+                          <m:r>
+                            <a:rPr lang="en-US" b="0" i="1" smtClean="0">
+                              <a:latin typeface="Cambria Math" panose="02040503050406030204" pitchFamily="18" charset="0"/>
+                            </a:rPr>
+                            <m:t>𝐵</m:t>
+                          </m:r>
+                        </m:e>
+                      </m:d>
+                      <m:r>
+                        <a:rPr lang="en-US" b="0" i="1" smtClean="0">
+                          <a:latin typeface="Cambria Math" panose="02040503050406030204" pitchFamily="18" charset="0"/>
+                        </a:rPr>
+                        <m:t>−</m:t>
+                      </m:r>
+                      <m:r>
+                        <a:rPr lang="en-US" b="0" i="1" smtClean="0">
+                          <a:latin typeface="Cambria Math" panose="02040503050406030204" pitchFamily="18" charset="0"/>
+                        </a:rPr>
+                        <m:t>𝐽</m:t>
+                      </m:r>
+                      <m:r>
+                        <a:rPr lang="en-US" b="0" i="1" smtClean="0">
+                          <a:latin typeface="Cambria Math" panose="02040503050406030204" pitchFamily="18" charset="0"/>
+                        </a:rPr>
+                        <m:t>(</m:t>
+                      </m:r>
+                      <m:r>
+                        <a:rPr lang="en-US" b="0" i="1" smtClean="0">
+                          <a:latin typeface="Cambria Math" panose="02040503050406030204" pitchFamily="18" charset="0"/>
+                        </a:rPr>
+                        <m:t>𝐴</m:t>
+                      </m:r>
+                      <m:r>
+                        <a:rPr lang="en-US" b="0" i="1" smtClean="0">
+                          <a:latin typeface="Cambria Math" panose="02040503050406030204" pitchFamily="18" charset="0"/>
+                        </a:rPr>
+                        <m:t>:</m:t>
+                      </m:r>
+                      <m:r>
+                        <a:rPr lang="en-US" b="0" i="1" smtClean="0">
+                          <a:latin typeface="Cambria Math" panose="02040503050406030204" pitchFamily="18" charset="0"/>
+                        </a:rPr>
+                        <m:t>𝐵</m:t>
+                      </m:r>
+                      <m:r>
+                        <a:rPr lang="en-US" b="0" i="1" smtClean="0">
+                          <a:latin typeface="Cambria Math" panose="02040503050406030204" pitchFamily="18" charset="0"/>
+                        </a:rPr>
+                        <m:t>)</m:t>
+                      </m:r>
+                    </m:oMath>
+                  </m:oMathPara>
+                </a14:m>
+                <a:endParaRPr lang="en-US" dirty="0"/>
+              </a:p>
+              <a:p>
+                <a:r>
+                  <a:rPr lang="en-US" dirty="0"/>
+                  <a:t>Quantum discord measures the amount of non-classical correlations in a quantum system. It captures quantum correlations arising from the disturbance caused by local measurements on one part of the system.</a:t>
+                </a:r>
+              </a:p>
+              <a:p>
+                <a:r>
+                  <a:rPr lang="en-US" dirty="0"/>
+                  <a:t>Unlike entanglement, quantum discord can be non-zero even in separable (non-entangled) states. Zero discord implies the system is classically correlated.</a:t>
+                </a:r>
+              </a:p>
+              <a:p>
+                <a:r>
+                  <a:rPr lang="en-US" dirty="0"/>
+                  <a:t>Discord is asymmetric.</a:t>
+                </a:r>
+              </a:p>
+            </p:txBody>
+          </p:sp>
+        </mc:Choice>
+        <mc:Fallback xmlns="">
+          <p:sp>
+            <p:nvSpPr>
+              <p:cNvPr id="3" name="Content Placeholder 2">
+                <a:extLst>
+                  <a:ext uri="{FF2B5EF4-FFF2-40B4-BE49-F238E27FC236}">
+                    <a16:creationId xmlns:a16="http://schemas.microsoft.com/office/drawing/2014/main" id="{2FBDA459-C823-9821-3E36-E6C1F82C2950}"/>
+                  </a:ext>
+                </a:extLst>
+              </p:cNvPr>
+              <p:cNvSpPr>
+                <a:spLocks noGrp="1" noRot="1" noChangeAspect="1" noMove="1" noResize="1" noEditPoints="1" noAdjustHandles="1" noChangeArrowheads="1" noChangeShapeType="1" noTextEdit="1"/>
+              </p:cNvSpPr>
+              <p:nvPr>
+                <p:ph idx="1"/>
+              </p:nvPr>
+            </p:nvSpPr>
+            <p:spPr>
+              <a:blipFill>
+                <a:blip r:embed="rId2"/>
+                <a:stretch>
+                  <a:fillRect l="-714" t="-1568" r="-878"/>
+                </a:stretch>
+              </a:blipFill>
+            </p:spPr>
+            <p:txBody>
+              <a:bodyPr/>
+              <a:lstStyle/>
+              <a:p>
+                <a:r>
+                  <a:rPr lang="en-US">
+                    <a:noFill/>
+                  </a:rPr>
+                  <a:t> </a:t>
+                </a:r>
+              </a:p>
+            </p:txBody>
+          </p:sp>
+        </mc:Fallback>
+      </mc:AlternateContent>
+      <p:sp>
+        <p:nvSpPr>
+          <p:cNvPr id="4" name="Footer Placeholder 3">
+            <a:extLst>
+              <a:ext uri="{FF2B5EF4-FFF2-40B4-BE49-F238E27FC236}">
+                <a16:creationId xmlns:a16="http://schemas.microsoft.com/office/drawing/2014/main" id="{EFED1BA6-716F-0F62-7C44-E8C21DDB1D03}"/>
+              </a:ext>
+            </a:extLst>
+          </p:cNvPr>
+          <p:cNvSpPr>
+            <a:spLocks noGrp="1"/>
+          </p:cNvSpPr>
+          <p:nvPr>
+            <p:ph type="ftr" sz="quarter" idx="11"/>
+          </p:nvPr>
+        </p:nvSpPr>
+        <p:spPr/>
+        <p:txBody>
+          <a:bodyPr/>
+          <a:lstStyle/>
+          <a:p>
+            <a:r>
+              <a:rPr lang="en-US"/>
+              <a:t>All Rights Reserved</a:t>
+            </a:r>
+            <a:endParaRPr lang="en-US" dirty="0"/>
+          </a:p>
+        </p:txBody>
+      </p:sp>
+    </p:spTree>
+    <p:extLst>
+      <p:ext uri="{BB962C8B-B14F-4D97-AF65-F5344CB8AC3E}">
+        <p14:creationId xmlns:p14="http://schemas.microsoft.com/office/powerpoint/2010/main" val="3707972811"/>
+      </p:ext>
+    </p:extLst>
+  </p:cSld>
+  <p:clrMapOvr>
+    <a:masterClrMapping/>
+  </p:clrMapOvr>
+</p:sld>
+</file>
+
+<file path=ppt/slides/slide14.xml><?xml version="1.0" encoding="utf-8"?>
+<p:sld xmlns:a="http://schemas.openxmlformats.org/drawingml/2006/main" xmlns:r="http://schemas.openxmlformats.org/officeDocument/2006/relationships" xmlns:p="http://schemas.openxmlformats.org/presentationml/2006/main">
+  <p:cSld>
+    <p:spTree>
+      <p:nvGrpSpPr>
+        <p:cNvPr id="1" name=""/>
+        <p:cNvGrpSpPr/>
+        <p:nvPr/>
+      </p:nvGrpSpPr>
+      <p:grpSpPr>
+        <a:xfrm>
+          <a:off x="0" y="0"/>
+          <a:ext cx="0" cy="0"/>
+          <a:chOff x="0" y="0"/>
+          <a:chExt cx="0" cy="0"/>
+        </a:xfrm>
+      </p:grpSpPr>
+      <p:sp>
+        <p:nvSpPr>
+          <p:cNvPr id="2" name="Title 1">
+            <a:extLst>
+              <a:ext uri="{FF2B5EF4-FFF2-40B4-BE49-F238E27FC236}">
+                <a16:creationId xmlns:a16="http://schemas.microsoft.com/office/drawing/2014/main" id="{6FBD0F23-8483-E7C1-B222-83AA9A8FA5BC}"/>
+              </a:ext>
+            </a:extLst>
+          </p:cNvPr>
+          <p:cNvSpPr>
+            <a:spLocks noGrp="1"/>
+          </p:cNvSpPr>
+          <p:nvPr>
+            <p:ph type="title"/>
+          </p:nvPr>
+        </p:nvSpPr>
+        <p:spPr/>
+        <p:txBody>
+          <a:bodyPr/>
+          <a:lstStyle/>
+          <a:p>
+            <a:r>
+              <a:rPr lang="en-US" dirty="0"/>
+              <a:t>Entanglement of Formation (</a:t>
+            </a:r>
+            <a:r>
+              <a:rPr lang="en-US" dirty="0" err="1"/>
+              <a:t>EoF</a:t>
+            </a:r>
+            <a:r>
+              <a:rPr lang="en-US" dirty="0"/>
+              <a:t>)</a:t>
+            </a:r>
+          </a:p>
+        </p:txBody>
+      </p:sp>
+      <mc:AlternateContent xmlns:mc="http://schemas.openxmlformats.org/markup-compatibility/2006" xmlns:a14="http://schemas.microsoft.com/office/drawing/2010/main">
+        <mc:Choice Requires="a14">
+          <p:sp>
+            <p:nvSpPr>
+              <p:cNvPr id="3" name="Content Placeholder 2">
+                <a:extLst>
+                  <a:ext uri="{FF2B5EF4-FFF2-40B4-BE49-F238E27FC236}">
+                    <a16:creationId xmlns:a16="http://schemas.microsoft.com/office/drawing/2014/main" id="{8BFFEDBE-BA1B-57FD-11E4-6536AC98343D}"/>
+                  </a:ext>
+                </a:extLst>
+              </p:cNvPr>
+              <p:cNvSpPr>
+                <a:spLocks noGrp="1"/>
+              </p:cNvSpPr>
+              <p:nvPr>
+                <p:ph idx="1"/>
+              </p:nvPr>
+            </p:nvSpPr>
+            <p:spPr/>
+            <p:txBody>
+              <a:bodyPr/>
+              <a:lstStyle/>
+              <a:p>
+                <a:r>
+                  <a:rPr lang="en-US" dirty="0"/>
+                  <a:t>Entanglement of Formation quantifies the amount of entanglement needed to create a given quantum state using pure entangled states.</a:t>
+                </a:r>
+              </a:p>
+              <a:p>
+                <a:r>
+                  <a:rPr lang="en-US" dirty="0"/>
+                  <a:t>Given a density matrix </a:t>
+                </a:r>
+                <a14:m>
+                  <m:oMath xmlns:m="http://schemas.openxmlformats.org/officeDocument/2006/math">
+                    <m:r>
+                      <a:rPr lang="en-US" b="0" i="1" smtClean="0">
+                        <a:latin typeface="Cambria Math" panose="02040503050406030204" pitchFamily="18" charset="0"/>
+                      </a:rPr>
+                      <m:t>𝜌</m:t>
+                    </m:r>
+                    <m:r>
+                      <a:rPr lang="en-US" b="0" i="1" smtClean="0">
+                        <a:latin typeface="Cambria Math" panose="02040503050406030204" pitchFamily="18" charset="0"/>
+                      </a:rPr>
+                      <m:t>=</m:t>
+                    </m:r>
+                    <m:nary>
+                      <m:naryPr>
+                        <m:chr m:val="∑"/>
+                        <m:supHide m:val="on"/>
+                        <m:ctrlPr>
+                          <a:rPr lang="en-US" b="0" i="1" smtClean="0">
+                            <a:latin typeface="Cambria Math" panose="02040503050406030204" pitchFamily="18" charset="0"/>
+                          </a:rPr>
+                        </m:ctrlPr>
+                      </m:naryPr>
+                      <m:sub>
+                        <m:r>
+                          <a:rPr lang="en-US" b="0" i="1" smtClean="0">
+                            <a:latin typeface="Cambria Math" panose="02040503050406030204" pitchFamily="18" charset="0"/>
+                          </a:rPr>
+                          <m:t>𝑖</m:t>
+                        </m:r>
+                      </m:sub>
+                      <m:sup/>
+                      <m:e>
+                        <m:sSub>
+                          <m:sSubPr>
+                            <m:ctrlPr>
+                              <a:rPr lang="en-US" b="0" i="1" smtClean="0">
+                                <a:latin typeface="Cambria Math" panose="02040503050406030204" pitchFamily="18" charset="0"/>
+                              </a:rPr>
+                            </m:ctrlPr>
+                          </m:sSubPr>
+                          <m:e>
+                            <m:r>
+                              <a:rPr lang="en-US" b="0" i="1" smtClean="0">
+                                <a:latin typeface="Cambria Math" panose="02040503050406030204" pitchFamily="18" charset="0"/>
+                              </a:rPr>
+                              <m:t>𝑝</m:t>
+                            </m:r>
+                          </m:e>
+                          <m:sub>
+                            <m:r>
+                              <a:rPr lang="en-US" b="0" i="1" smtClean="0">
+                                <a:latin typeface="Cambria Math" panose="02040503050406030204" pitchFamily="18" charset="0"/>
+                              </a:rPr>
+                              <m:t>𝑖</m:t>
+                            </m:r>
+                          </m:sub>
+                        </m:sSub>
+                        <m:r>
+                          <a:rPr lang="en-US" b="0" i="1" smtClean="0">
+                            <a:latin typeface="Cambria Math" panose="02040503050406030204" pitchFamily="18" charset="0"/>
+                          </a:rPr>
+                          <m:t>|</m:t>
+                        </m:r>
+                        <m:sSub>
+                          <m:sSubPr>
+                            <m:ctrlPr>
+                              <a:rPr lang="en-US" b="0" i="1" smtClean="0">
+                                <a:latin typeface="Cambria Math" panose="02040503050406030204" pitchFamily="18" charset="0"/>
+                              </a:rPr>
+                            </m:ctrlPr>
+                          </m:sSubPr>
+                          <m:e>
+                            <m:r>
+                              <a:rPr lang="en-US" b="0" i="1" smtClean="0">
+                                <a:latin typeface="Cambria Math" panose="02040503050406030204" pitchFamily="18" charset="0"/>
+                              </a:rPr>
+                              <m:t>𝜓</m:t>
+                            </m:r>
+                          </m:e>
+                          <m:sub>
+                            <m:r>
+                              <a:rPr lang="en-US" b="0" i="1" smtClean="0">
+                                <a:latin typeface="Cambria Math" panose="02040503050406030204" pitchFamily="18" charset="0"/>
+                              </a:rPr>
+                              <m:t>𝑖</m:t>
+                            </m:r>
+                          </m:sub>
+                        </m:sSub>
+                        <m:r>
+                          <a:rPr lang="en-US" b="0" i="1" smtClean="0">
+                            <a:latin typeface="Cambria Math" panose="02040503050406030204" pitchFamily="18" charset="0"/>
+                          </a:rPr>
+                          <m:t>⟩⟨</m:t>
+                        </m:r>
+                        <m:sSub>
+                          <m:sSubPr>
+                            <m:ctrlPr>
+                              <a:rPr lang="en-US" b="0" i="1" smtClean="0">
+                                <a:latin typeface="Cambria Math" panose="02040503050406030204" pitchFamily="18" charset="0"/>
+                              </a:rPr>
+                            </m:ctrlPr>
+                          </m:sSubPr>
+                          <m:e>
+                            <m:r>
+                              <a:rPr lang="en-US" b="0" i="1" smtClean="0">
+                                <a:latin typeface="Cambria Math" panose="02040503050406030204" pitchFamily="18" charset="0"/>
+                              </a:rPr>
+                              <m:t>𝜓</m:t>
+                            </m:r>
+                          </m:e>
+                          <m:sub>
+                            <m:r>
+                              <a:rPr lang="en-US" b="0" i="1" smtClean="0">
+                                <a:latin typeface="Cambria Math" panose="02040503050406030204" pitchFamily="18" charset="0"/>
+                              </a:rPr>
+                              <m:t>𝑖</m:t>
+                            </m:r>
+                          </m:sub>
+                        </m:sSub>
+                        <m:r>
+                          <a:rPr lang="en-US" b="0" i="1" smtClean="0">
+                            <a:latin typeface="Cambria Math" panose="02040503050406030204" pitchFamily="18" charset="0"/>
+                          </a:rPr>
+                          <m:t>|</m:t>
+                        </m:r>
+                      </m:e>
+                    </m:nary>
+                  </m:oMath>
+                </a14:m>
+                <a:r>
+                  <a:rPr lang="en-US" dirty="0"/>
+                  <a:t>, we can define </a:t>
+                </a:r>
+                <a:r>
+                  <a:rPr lang="en-US" dirty="0" err="1"/>
+                  <a:t>EoF</a:t>
+                </a:r>
+                <a:r>
+                  <a:rPr lang="en-US" dirty="0"/>
+                  <a:t> as,</a:t>
+                </a:r>
+              </a:p>
+              <a:p>
+                <a:pPr marL="0" indent="0">
+                  <a:buNone/>
+                </a:pPr>
+                <a14:m>
+                  <m:oMathPara xmlns:m="http://schemas.openxmlformats.org/officeDocument/2006/math">
+                    <m:oMathParaPr>
+                      <m:jc m:val="centerGroup"/>
+                    </m:oMathParaPr>
+                    <m:oMath xmlns:m="http://schemas.openxmlformats.org/officeDocument/2006/math">
+                      <m:sSub>
+                        <m:sSubPr>
+                          <m:ctrlPr>
+                            <a:rPr lang="en-US" b="0" i="1" smtClean="0">
+                              <a:latin typeface="Cambria Math" panose="02040503050406030204" pitchFamily="18" charset="0"/>
+                            </a:rPr>
+                          </m:ctrlPr>
+                        </m:sSubPr>
+                        <m:e>
+                          <m:r>
+                            <a:rPr lang="en-US" b="0" i="1" smtClean="0">
+                              <a:latin typeface="Cambria Math" panose="02040503050406030204" pitchFamily="18" charset="0"/>
+                            </a:rPr>
+                            <m:t>𝐸</m:t>
+                          </m:r>
+                        </m:e>
+                        <m:sub>
+                          <m:r>
+                            <a:rPr lang="en-US" b="0" i="1" smtClean="0">
+                              <a:latin typeface="Cambria Math" panose="02040503050406030204" pitchFamily="18" charset="0"/>
+                            </a:rPr>
+                            <m:t>𝑓</m:t>
+                          </m:r>
+                        </m:sub>
+                      </m:sSub>
+                      <m:r>
+                        <a:rPr lang="en-US" b="0" i="1" smtClean="0">
+                          <a:latin typeface="Cambria Math" panose="02040503050406030204" pitchFamily="18" charset="0"/>
+                        </a:rPr>
+                        <m:t>=</m:t>
+                      </m:r>
+                      <m:func>
+                        <m:funcPr>
+                          <m:ctrlPr>
+                            <a:rPr lang="en-US" b="0" i="1" smtClean="0">
+                              <a:latin typeface="Cambria Math" panose="02040503050406030204" pitchFamily="18" charset="0"/>
+                            </a:rPr>
+                          </m:ctrlPr>
+                        </m:funcPr>
+                        <m:fName>
+                          <m:r>
+                            <m:rPr>
+                              <m:sty m:val="p"/>
+                            </m:rPr>
+                            <a:rPr lang="en-US" b="0" i="0" smtClean="0">
+                              <a:latin typeface="Cambria Math" panose="02040503050406030204" pitchFamily="18" charset="0"/>
+                            </a:rPr>
+                            <m:t>min</m:t>
+                          </m:r>
+                        </m:fName>
+                        <m:e>
+                          <m:nary>
+                            <m:naryPr>
+                              <m:chr m:val="∑"/>
+                              <m:supHide m:val="on"/>
+                              <m:ctrlPr>
+                                <a:rPr lang="en-US" b="0" i="1" smtClean="0">
+                                  <a:latin typeface="Cambria Math" panose="02040503050406030204" pitchFamily="18" charset="0"/>
+                                </a:rPr>
+                              </m:ctrlPr>
+                            </m:naryPr>
+                            <m:sub>
+                              <m:r>
+                                <a:rPr lang="en-US" b="0" i="1" smtClean="0">
+                                  <a:latin typeface="Cambria Math" panose="02040503050406030204" pitchFamily="18" charset="0"/>
+                                </a:rPr>
+                                <m:t>𝑖</m:t>
+                              </m:r>
+                            </m:sub>
+                            <m:sup/>
+                            <m:e>
+                              <m:sSub>
+                                <m:sSubPr>
+                                  <m:ctrlPr>
+                                    <a:rPr lang="en-US" b="0" i="1" smtClean="0">
+                                      <a:latin typeface="Cambria Math" panose="02040503050406030204" pitchFamily="18" charset="0"/>
+                                    </a:rPr>
+                                  </m:ctrlPr>
+                                </m:sSubPr>
+                                <m:e>
+                                  <m:r>
+                                    <a:rPr lang="en-US" b="0" i="1" smtClean="0">
+                                      <a:latin typeface="Cambria Math" panose="02040503050406030204" pitchFamily="18" charset="0"/>
+                                    </a:rPr>
+                                    <m:t>𝑝</m:t>
+                                  </m:r>
+                                </m:e>
+                                <m:sub>
+                                  <m:r>
+                                    <a:rPr lang="en-US" b="0" i="1" smtClean="0">
+                                      <a:latin typeface="Cambria Math" panose="02040503050406030204" pitchFamily="18" charset="0"/>
+                                    </a:rPr>
+                                    <m:t>𝑖</m:t>
+                                  </m:r>
+                                </m:sub>
+                              </m:sSub>
+                              <m:r>
+                                <a:rPr lang="en-US" b="0" i="1" smtClean="0">
+                                  <a:latin typeface="Cambria Math" panose="02040503050406030204" pitchFamily="18" charset="0"/>
+                                </a:rPr>
+                                <m:t>𝑆</m:t>
+                              </m:r>
+                              <m:r>
+                                <a:rPr lang="en-US" b="0" i="1" smtClean="0">
+                                  <a:latin typeface="Cambria Math" panose="02040503050406030204" pitchFamily="18" charset="0"/>
+                                </a:rPr>
+                                <m:t>(</m:t>
+                              </m:r>
+                              <m:r>
+                                <a:rPr lang="en-US" b="0" i="1" smtClean="0">
+                                  <a:latin typeface="Cambria Math" panose="02040503050406030204" pitchFamily="18" charset="0"/>
+                                </a:rPr>
+                                <m:t>𝑇</m:t>
+                              </m:r>
+                              <m:sSub>
+                                <m:sSubPr>
+                                  <m:ctrlPr>
+                                    <a:rPr lang="en-US" b="0" i="1" smtClean="0">
+                                      <a:latin typeface="Cambria Math" panose="02040503050406030204" pitchFamily="18" charset="0"/>
+                                    </a:rPr>
+                                  </m:ctrlPr>
+                                </m:sSubPr>
+                                <m:e>
+                                  <m:r>
+                                    <a:rPr lang="en-US" b="0" i="1" smtClean="0">
+                                      <a:latin typeface="Cambria Math" panose="02040503050406030204" pitchFamily="18" charset="0"/>
+                                    </a:rPr>
+                                    <m:t>𝑟</m:t>
+                                  </m:r>
+                                </m:e>
+                                <m:sub>
+                                  <m:r>
+                                    <a:rPr lang="en-US" b="0" i="1" smtClean="0">
+                                      <a:latin typeface="Cambria Math" panose="02040503050406030204" pitchFamily="18" charset="0"/>
+                                    </a:rPr>
+                                    <m:t>𝐵</m:t>
+                                  </m:r>
+                                </m:sub>
+                              </m:sSub>
+                            </m:e>
+                          </m:nary>
+                          <m:r>
+                            <a:rPr lang="en-US" i="1">
+                              <a:latin typeface="Cambria Math" panose="02040503050406030204" pitchFamily="18" charset="0"/>
+                            </a:rPr>
+                            <m:t>|</m:t>
+                          </m:r>
+                          <m:sSub>
+                            <m:sSubPr>
+                              <m:ctrlPr>
+                                <a:rPr lang="en-US" i="1">
+                                  <a:latin typeface="Cambria Math" panose="02040503050406030204" pitchFamily="18" charset="0"/>
+                                </a:rPr>
+                              </m:ctrlPr>
+                            </m:sSubPr>
+                            <m:e>
+                              <m:r>
+                                <a:rPr lang="en-US" i="1">
+                                  <a:latin typeface="Cambria Math" panose="02040503050406030204" pitchFamily="18" charset="0"/>
+                                </a:rPr>
+                                <m:t>𝜓</m:t>
+                              </m:r>
+                            </m:e>
+                            <m:sub>
+                              <m:r>
+                                <a:rPr lang="en-US" i="1">
+                                  <a:latin typeface="Cambria Math" panose="02040503050406030204" pitchFamily="18" charset="0"/>
+                                </a:rPr>
+                                <m:t>𝑖</m:t>
+                              </m:r>
+                            </m:sub>
+                          </m:sSub>
+                          <m:r>
+                            <a:rPr lang="en-US" i="1">
+                              <a:latin typeface="Cambria Math" panose="02040503050406030204" pitchFamily="18" charset="0"/>
+                            </a:rPr>
+                            <m:t>⟩⟨</m:t>
+                          </m:r>
+                          <m:sSub>
+                            <m:sSubPr>
+                              <m:ctrlPr>
+                                <a:rPr lang="en-US" i="1">
+                                  <a:latin typeface="Cambria Math" panose="02040503050406030204" pitchFamily="18" charset="0"/>
+                                </a:rPr>
+                              </m:ctrlPr>
+                            </m:sSubPr>
+                            <m:e>
+                              <m:r>
+                                <a:rPr lang="en-US" i="1">
+                                  <a:latin typeface="Cambria Math" panose="02040503050406030204" pitchFamily="18" charset="0"/>
+                                </a:rPr>
+                                <m:t>𝜓</m:t>
+                              </m:r>
+                            </m:e>
+                            <m:sub>
+                              <m:r>
+                                <a:rPr lang="en-US" i="1">
+                                  <a:latin typeface="Cambria Math" panose="02040503050406030204" pitchFamily="18" charset="0"/>
+                                </a:rPr>
+                                <m:t>𝑖</m:t>
+                              </m:r>
+                            </m:sub>
+                          </m:sSub>
+                          <m:r>
+                            <a:rPr lang="en-US" i="1">
+                              <a:latin typeface="Cambria Math" panose="02040503050406030204" pitchFamily="18" charset="0"/>
+                            </a:rPr>
+                            <m:t>|</m:t>
+                          </m:r>
+                          <m:r>
+                            <a:rPr lang="en-US" b="0" i="1" smtClean="0">
+                              <a:latin typeface="Cambria Math" panose="02040503050406030204" pitchFamily="18" charset="0"/>
+                            </a:rPr>
+                            <m:t>)</m:t>
+                          </m:r>
+                        </m:e>
+                      </m:func>
+                    </m:oMath>
+                  </m:oMathPara>
+                </a14:m>
+                <a:endParaRPr lang="en-US" dirty="0"/>
+              </a:p>
+              <a:p>
+                <a:pPr marL="0" indent="0">
+                  <a:buNone/>
+                </a:pPr>
+                <a:r>
+                  <a:rPr lang="en-US" dirty="0"/>
+                  <a:t>Where </a:t>
+                </a:r>
+                <a14:m>
+                  <m:oMath xmlns:m="http://schemas.openxmlformats.org/officeDocument/2006/math">
+                    <m:r>
+                      <a:rPr lang="en-US" b="0" i="1" smtClean="0">
+                        <a:latin typeface="Cambria Math" panose="02040503050406030204" pitchFamily="18" charset="0"/>
+                      </a:rPr>
+                      <m:t>𝑆</m:t>
+                    </m:r>
+                    <m:r>
+                      <a:rPr lang="en-US" b="0" i="1" smtClean="0">
+                        <a:latin typeface="Cambria Math" panose="02040503050406030204" pitchFamily="18" charset="0"/>
+                      </a:rPr>
+                      <m:t>(</m:t>
+                    </m:r>
+                    <m:r>
+                      <a:rPr lang="en-US" b="0" i="1" smtClean="0">
+                        <a:latin typeface="Cambria Math" panose="02040503050406030204" pitchFamily="18" charset="0"/>
+                      </a:rPr>
+                      <m:t>𝜌</m:t>
+                    </m:r>
+                    <m:r>
+                      <a:rPr lang="en-US" b="0" i="1" smtClean="0">
+                        <a:latin typeface="Cambria Math" panose="02040503050406030204" pitchFamily="18" charset="0"/>
+                      </a:rPr>
+                      <m:t>)</m:t>
+                    </m:r>
+                  </m:oMath>
+                </a14:m>
+                <a:r>
+                  <a:rPr lang="en-US" dirty="0"/>
+                  <a:t> is the Von Neumann Entropy.</a:t>
+                </a:r>
+              </a:p>
+              <a:p>
+                <a:r>
+                  <a:rPr lang="en-US" dirty="0"/>
+                  <a:t>For separable state, </a:t>
+                </a:r>
+                <a14:m>
+                  <m:oMath xmlns:m="http://schemas.openxmlformats.org/officeDocument/2006/math">
+                    <m:sSub>
+                      <m:sSubPr>
+                        <m:ctrlPr>
+                          <a:rPr lang="en-US" b="0" i="1" smtClean="0">
+                            <a:latin typeface="Cambria Math" panose="02040503050406030204" pitchFamily="18" charset="0"/>
+                          </a:rPr>
+                        </m:ctrlPr>
+                      </m:sSubPr>
+                      <m:e>
+                        <m:r>
+                          <a:rPr lang="en-US" b="0" i="1" smtClean="0">
+                            <a:latin typeface="Cambria Math" panose="02040503050406030204" pitchFamily="18" charset="0"/>
+                          </a:rPr>
+                          <m:t>𝐸</m:t>
+                        </m:r>
+                      </m:e>
+                      <m:sub>
+                        <m:r>
+                          <a:rPr lang="en-US" b="0" i="1" smtClean="0">
+                            <a:latin typeface="Cambria Math" panose="02040503050406030204" pitchFamily="18" charset="0"/>
+                          </a:rPr>
+                          <m:t>𝑓</m:t>
+                        </m:r>
+                      </m:sub>
+                    </m:sSub>
+                    <m:r>
+                      <a:rPr lang="en-US" b="0" i="1" smtClean="0">
+                        <a:latin typeface="Cambria Math" panose="02040503050406030204" pitchFamily="18" charset="0"/>
+                      </a:rPr>
+                      <m:t>=0</m:t>
+                    </m:r>
+                    <m:r>
+                      <a:rPr lang="en-US" b="0" i="0" smtClean="0">
+                        <a:latin typeface="Cambria Math" panose="02040503050406030204" pitchFamily="18" charset="0"/>
+                      </a:rPr>
+                      <m:t>.</m:t>
+                    </m:r>
+                  </m:oMath>
+                </a14:m>
+                <a:endParaRPr lang="en-US" b="0" dirty="0"/>
+              </a:p>
+              <a:p>
+                <a:r>
+                  <a:rPr lang="en-US" dirty="0"/>
+                  <a:t>For pure states, It equals to Entanglement Entropy.</a:t>
+                </a:r>
+              </a:p>
+              <a:p>
+                <a:r>
+                  <a:rPr lang="en-US" b="1" dirty="0"/>
+                  <a:t>I am trying to complete the calculation part in my code.</a:t>
+                </a:r>
+              </a:p>
+            </p:txBody>
+          </p:sp>
+        </mc:Choice>
+        <mc:Fallback xmlns="">
+          <p:sp>
+            <p:nvSpPr>
+              <p:cNvPr id="3" name="Content Placeholder 2">
+                <a:extLst>
+                  <a:ext uri="{FF2B5EF4-FFF2-40B4-BE49-F238E27FC236}">
+                    <a16:creationId xmlns:a16="http://schemas.microsoft.com/office/drawing/2014/main" id="{8BFFEDBE-BA1B-57FD-11E4-6536AC98343D}"/>
+                  </a:ext>
+                </a:extLst>
+              </p:cNvPr>
+              <p:cNvSpPr>
+                <a:spLocks noGrp="1" noRot="1" noChangeAspect="1" noMove="1" noResize="1" noEditPoints="1" noAdjustHandles="1" noChangeArrowheads="1" noChangeShapeType="1" noTextEdit="1"/>
+              </p:cNvSpPr>
+              <p:nvPr>
+                <p:ph idx="1"/>
+              </p:nvPr>
+            </p:nvSpPr>
+            <p:spPr>
+              <a:blipFill>
+                <a:blip r:embed="rId2"/>
+                <a:stretch>
+                  <a:fillRect l="-823" t="-1568"/>
+                </a:stretch>
+              </a:blipFill>
+            </p:spPr>
+            <p:txBody>
+              <a:bodyPr/>
+              <a:lstStyle/>
+              <a:p>
+                <a:r>
+                  <a:rPr lang="en-US">
+                    <a:noFill/>
+                  </a:rPr>
+                  <a:t> </a:t>
+                </a:r>
+              </a:p>
+            </p:txBody>
+          </p:sp>
+        </mc:Fallback>
+      </mc:AlternateContent>
+      <p:sp>
+        <p:nvSpPr>
+          <p:cNvPr id="4" name="Footer Placeholder 3">
+            <a:extLst>
+              <a:ext uri="{FF2B5EF4-FFF2-40B4-BE49-F238E27FC236}">
+                <a16:creationId xmlns:a16="http://schemas.microsoft.com/office/drawing/2014/main" id="{1C08E5A1-2A0E-E483-022C-9C8DF8E45558}"/>
+              </a:ext>
+            </a:extLst>
+          </p:cNvPr>
+          <p:cNvSpPr>
+            <a:spLocks noGrp="1"/>
+          </p:cNvSpPr>
+          <p:nvPr>
+            <p:ph type="ftr" sz="quarter" idx="11"/>
+          </p:nvPr>
+        </p:nvSpPr>
+        <p:spPr/>
+        <p:txBody>
+          <a:bodyPr/>
+          <a:lstStyle/>
+          <a:p>
+            <a:r>
+              <a:rPr lang="en-US"/>
+              <a:t>All Rights Reserved</a:t>
+            </a:r>
+            <a:endParaRPr lang="en-US" dirty="0"/>
+          </a:p>
+        </p:txBody>
+      </p:sp>
+    </p:spTree>
+    <p:extLst>
+      <p:ext uri="{BB962C8B-B14F-4D97-AF65-F5344CB8AC3E}">
+        <p14:creationId xmlns:p14="http://schemas.microsoft.com/office/powerpoint/2010/main" val="2596672740"/>
+      </p:ext>
+    </p:extLst>
+  </p:cSld>
+  <p:clrMapOvr>
+    <a:masterClrMapping/>
+  </p:clrMapOvr>
+</p:sld>
+</file>
+
+<file path=ppt/slides/slide15.xml><?xml version="1.0" encoding="utf-8"?>
+<p:sld xmlns:a="http://schemas.openxmlformats.org/drawingml/2006/main" xmlns:r="http://schemas.openxmlformats.org/officeDocument/2006/relationships" xmlns:p="http://schemas.openxmlformats.org/presentationml/2006/main">
+  <p:cSld>
+    <p:spTree>
+      <p:nvGrpSpPr>
+        <p:cNvPr id="1" name=""/>
+        <p:cNvGrpSpPr/>
+        <p:nvPr/>
+      </p:nvGrpSpPr>
+      <p:grpSpPr>
+        <a:xfrm>
+          <a:off x="0" y="0"/>
+          <a:ext cx="0" cy="0"/>
+          <a:chOff x="0" y="0"/>
+          <a:chExt cx="0" cy="0"/>
+        </a:xfrm>
+      </p:grpSpPr>
+      <p:sp>
+        <p:nvSpPr>
+          <p:cNvPr id="2" name="Title 1">
+            <a:extLst>
+              <a:ext uri="{FF2B5EF4-FFF2-40B4-BE49-F238E27FC236}">
+                <a16:creationId xmlns:a16="http://schemas.microsoft.com/office/drawing/2014/main" id="{9A7C38B1-62CB-4961-96F5-378EABEEDC27}"/>
+              </a:ext>
+            </a:extLst>
+          </p:cNvPr>
+          <p:cNvSpPr>
+            <a:spLocks noGrp="1"/>
+          </p:cNvSpPr>
+          <p:nvPr>
+            <p:ph type="title"/>
+          </p:nvPr>
+        </p:nvSpPr>
+        <p:spPr/>
+        <p:txBody>
+          <a:bodyPr/>
+          <a:lstStyle/>
+          <a:p>
+            <a:r>
+              <a:rPr lang="en-US" dirty="0"/>
+              <a:t>Hypothesis for the Project</a:t>
             </a:r>
           </a:p>
         </p:txBody>
@@ -7225,7 +9236,7 @@
           <p:cNvPr id="3" name="Content Placeholder 2">
             <a:extLst>
               <a:ext uri="{FF2B5EF4-FFF2-40B4-BE49-F238E27FC236}">
-                <a16:creationId xmlns:a16="http://schemas.microsoft.com/office/drawing/2014/main" id="{4F46CA3E-CC99-7EE3-83EB-ECA4BF33E697}"/>
+                <a16:creationId xmlns:a16="http://schemas.microsoft.com/office/drawing/2014/main" id="{3F5C4E39-BA5B-6B94-B59F-80B0450D2F7F}"/>
               </a:ext>
             </a:extLst>
           </p:cNvPr>
@@ -7243,19 +9254,15 @@
           <a:p>
             <a:r>
               <a:rPr lang="en-US" dirty="0"/>
-              <a:t>Completing code for Phase Damping.</a:t>
-            </a:r>
-          </a:p>
-          <a:p>
+              <a:t>We will determine which type of Error Correction is required based on QD and </a:t>
+            </a:r>
+            <a:r>
+              <a:rPr lang="en-US" dirty="0" err="1"/>
+              <a:t>EoF</a:t>
+            </a:r>
             <a:r>
               <a:rPr lang="en-US" dirty="0"/>
-              <a:t>Applying the error in Teleportation Circuit.</a:t>
-            </a:r>
-          </a:p>
-          <a:p>
-            <a:r>
-              <a:rPr lang="en-US" dirty="0"/>
-              <a:t>Testing our hypothesis.</a:t>
+              <a:t>. Our hypothesis is as follows:</a:t>
             </a:r>
           </a:p>
           <a:p>
@@ -7268,7 +9275,506 @@
             <a:pPr marL="0" indent="0">
               <a:buNone/>
             </a:pPr>
+            <a:r>
+              <a:rPr lang="en-US" dirty="0"/>
+              <a:t> </a:t>
+            </a:r>
+          </a:p>
+        </p:txBody>
+      </p:sp>
+      <p:sp>
+        <p:nvSpPr>
+          <p:cNvPr id="4" name="Footer Placeholder 3">
+            <a:extLst>
+              <a:ext uri="{FF2B5EF4-FFF2-40B4-BE49-F238E27FC236}">
+                <a16:creationId xmlns:a16="http://schemas.microsoft.com/office/drawing/2014/main" id="{BDC2C129-E56D-9134-B2DD-0138062A09C6}"/>
+              </a:ext>
+            </a:extLst>
+          </p:cNvPr>
+          <p:cNvSpPr>
+            <a:spLocks noGrp="1"/>
+          </p:cNvSpPr>
+          <p:nvPr>
+            <p:ph type="ftr" sz="quarter" idx="11"/>
+          </p:nvPr>
+        </p:nvSpPr>
+        <p:spPr/>
+        <p:txBody>
+          <a:bodyPr/>
+          <a:lstStyle/>
+          <a:p>
+            <a:r>
+              <a:rPr lang="en-US"/>
+              <a:t>All Rights Reserved</a:t>
+            </a:r>
             <a:endParaRPr lang="en-US" dirty="0"/>
+          </a:p>
+        </p:txBody>
+      </p:sp>
+      <p:graphicFrame>
+        <p:nvGraphicFramePr>
+          <p:cNvPr id="5" name="Table 4">
+            <a:extLst>
+              <a:ext uri="{FF2B5EF4-FFF2-40B4-BE49-F238E27FC236}">
+                <a16:creationId xmlns:a16="http://schemas.microsoft.com/office/drawing/2014/main" id="{13DB2E31-BBA1-50BD-57FF-B21584D5896F}"/>
+              </a:ext>
+            </a:extLst>
+          </p:cNvPr>
+          <p:cNvGraphicFramePr>
+            <a:graphicFrameLocks noGrp="1"/>
+          </p:cNvGraphicFramePr>
+          <p:nvPr>
+            <p:extLst>
+              <p:ext uri="{D42A27DB-BD31-4B8C-83A1-F6EECF244321}">
+                <p14:modId xmlns:p14="http://schemas.microsoft.com/office/powerpoint/2010/main" val="837410863"/>
+              </p:ext>
+            </p:extLst>
+          </p:nvPr>
+        </p:nvGraphicFramePr>
+        <p:xfrm>
+          <a:off x="1773084" y="2032759"/>
+          <a:ext cx="8645832" cy="3932334"/>
+        </p:xfrm>
+        <a:graphic>
+          <a:graphicData uri="http://schemas.openxmlformats.org/drawingml/2006/table">
+            <a:tbl>
+              <a:tblPr firstRow="1" bandRow="1">
+                <a:tableStyleId>{5C22544A-7EE6-4342-B048-85BDC9FD1C3A}</a:tableStyleId>
+              </a:tblPr>
+              <a:tblGrid>
+                <a:gridCol w="2009060">
+                  <a:extLst>
+                    <a:ext uri="{9D8B030D-6E8A-4147-A177-3AD203B41FA5}">
+                      <a16:colId xmlns:a16="http://schemas.microsoft.com/office/drawing/2014/main" val="4034360735"/>
+                    </a:ext>
+                  </a:extLst>
+                </a:gridCol>
+                <a:gridCol w="4793226">
+                  <a:extLst>
+                    <a:ext uri="{9D8B030D-6E8A-4147-A177-3AD203B41FA5}">
+                      <a16:colId xmlns:a16="http://schemas.microsoft.com/office/drawing/2014/main" val="659102391"/>
+                    </a:ext>
+                  </a:extLst>
+                </a:gridCol>
+                <a:gridCol w="1843546">
+                  <a:extLst>
+                    <a:ext uri="{9D8B030D-6E8A-4147-A177-3AD203B41FA5}">
+                      <a16:colId xmlns:a16="http://schemas.microsoft.com/office/drawing/2014/main" val="863664501"/>
+                    </a:ext>
+                  </a:extLst>
+                </a:gridCol>
+              </a:tblGrid>
+              <a:tr h="701178">
+                <a:tc>
+                  <a:txBody>
+                    <a:bodyPr/>
+                    <a:lstStyle/>
+                    <a:p>
+                      <a:pPr algn="ctr"/>
+                      <a:endParaRPr lang="en-US" dirty="0"/>
+                    </a:p>
+                  </a:txBody>
+                  <a:tcPr/>
+                </a:tc>
+                <a:tc>
+                  <a:txBody>
+                    <a:bodyPr/>
+                    <a:lstStyle/>
+                    <a:p>
+                      <a:pPr algn="ctr"/>
+                      <a:r>
+                        <a:rPr lang="en-US" dirty="0"/>
+                        <a:t>Meaning</a:t>
+                      </a:r>
+                    </a:p>
+                  </a:txBody>
+                  <a:tcPr/>
+                </a:tc>
+                <a:tc>
+                  <a:txBody>
+                    <a:bodyPr/>
+                    <a:lstStyle/>
+                    <a:p>
+                      <a:pPr algn="ctr"/>
+                      <a:r>
+                        <a:rPr lang="en-US" dirty="0"/>
+                        <a:t>QEC Code</a:t>
+                      </a:r>
+                    </a:p>
+                  </a:txBody>
+                  <a:tcPr/>
+                </a:tc>
+                <a:extLst>
+                  <a:ext uri="{0D108BD9-81ED-4DB2-BD59-A6C34878D82A}">
+                    <a16:rowId xmlns:a16="http://schemas.microsoft.com/office/drawing/2014/main" val="42961559"/>
+                  </a:ext>
+                </a:extLst>
+              </a:tr>
+              <a:tr h="701178">
+                <a:tc>
+                  <a:txBody>
+                    <a:bodyPr/>
+                    <a:lstStyle/>
+                    <a:p>
+                      <a:r>
+                        <a:rPr lang="en-US" dirty="0"/>
+                        <a:t>Low </a:t>
+                      </a:r>
+                      <a:r>
+                        <a:rPr lang="en-US" dirty="0" err="1"/>
+                        <a:t>EoF</a:t>
+                      </a:r>
+                      <a:r>
+                        <a:rPr lang="en-US" dirty="0"/>
+                        <a:t>, High QD</a:t>
+                      </a:r>
+                    </a:p>
+                  </a:txBody>
+                  <a:tcPr/>
+                </a:tc>
+                <a:tc>
+                  <a:txBody>
+                    <a:bodyPr/>
+                    <a:lstStyle/>
+                    <a:p>
+                      <a:r>
+                        <a:rPr lang="en-US" dirty="0"/>
+                        <a:t>Weak entanglement but strong quantum correlation. So we should focus on preserving residual quantum properties efficiently.</a:t>
+                      </a:r>
+                    </a:p>
+                  </a:txBody>
+                  <a:tcPr/>
+                </a:tc>
+                <a:tc>
+                  <a:txBody>
+                    <a:bodyPr/>
+                    <a:lstStyle/>
+                    <a:p>
+                      <a:pPr algn="ctr"/>
+                      <a:r>
+                        <a:rPr lang="en-US" dirty="0"/>
+                        <a:t>5 Qubit Code</a:t>
+                      </a:r>
+                    </a:p>
+                  </a:txBody>
+                  <a:tcPr/>
+                </a:tc>
+                <a:extLst>
+                  <a:ext uri="{0D108BD9-81ED-4DB2-BD59-A6C34878D82A}">
+                    <a16:rowId xmlns:a16="http://schemas.microsoft.com/office/drawing/2014/main" val="564492062"/>
+                  </a:ext>
+                </a:extLst>
+              </a:tr>
+              <a:tr h="701178">
+                <a:tc>
+                  <a:txBody>
+                    <a:bodyPr/>
+                    <a:lstStyle/>
+                    <a:p>
+                      <a:r>
+                        <a:rPr lang="en-US" dirty="0"/>
+                        <a:t>High </a:t>
+                      </a:r>
+                      <a:r>
+                        <a:rPr lang="en-US" dirty="0" err="1"/>
+                        <a:t>Eof</a:t>
+                      </a:r>
+                      <a:r>
+                        <a:rPr lang="en-US" dirty="0"/>
+                        <a:t>, Low QD</a:t>
+                      </a:r>
+                    </a:p>
+                  </a:txBody>
+                  <a:tcPr/>
+                </a:tc>
+                <a:tc>
+                  <a:txBody>
+                    <a:bodyPr/>
+                    <a:lstStyle/>
+                    <a:p>
+                      <a:r>
+                        <a:rPr lang="en-US" dirty="0"/>
+                        <a:t>Strong entanglement, but weak correlations. We should protect entanglement for high-fidelity teleportation.</a:t>
+                      </a:r>
+                    </a:p>
+                  </a:txBody>
+                  <a:tcPr/>
+                </a:tc>
+                <a:tc>
+                  <a:txBody>
+                    <a:bodyPr/>
+                    <a:lstStyle/>
+                    <a:p>
+                      <a:pPr algn="ctr"/>
+                      <a:r>
+                        <a:rPr lang="en-US" dirty="0"/>
+                        <a:t>Steane codes</a:t>
+                      </a:r>
+                    </a:p>
+                  </a:txBody>
+                  <a:tcPr/>
+                </a:tc>
+                <a:extLst>
+                  <a:ext uri="{0D108BD9-81ED-4DB2-BD59-A6C34878D82A}">
+                    <a16:rowId xmlns:a16="http://schemas.microsoft.com/office/drawing/2014/main" val="2841409788"/>
+                  </a:ext>
+                </a:extLst>
+              </a:tr>
+              <a:tr h="701178">
+                <a:tc>
+                  <a:txBody>
+                    <a:bodyPr/>
+                    <a:lstStyle/>
+                    <a:p>
+                      <a:r>
+                        <a:rPr lang="en-US" dirty="0"/>
+                        <a:t>Low </a:t>
+                      </a:r>
+                      <a:r>
+                        <a:rPr lang="en-US" dirty="0" err="1"/>
+                        <a:t>Eof</a:t>
+                      </a:r>
+                      <a:r>
+                        <a:rPr lang="en-US" dirty="0"/>
+                        <a:t>, low QD</a:t>
+                      </a:r>
+                    </a:p>
+                  </a:txBody>
+                  <a:tcPr/>
+                </a:tc>
+                <a:tc>
+                  <a:txBody>
+                    <a:bodyPr/>
+                    <a:lstStyle/>
+                    <a:p>
+                      <a:r>
+                        <a:rPr lang="en-US" dirty="0"/>
+                        <a:t>Weak entanglement and correlations. Most likely not usable.</a:t>
+                      </a:r>
+                    </a:p>
+                  </a:txBody>
+                  <a:tcPr/>
+                </a:tc>
+                <a:tc>
+                  <a:txBody>
+                    <a:bodyPr/>
+                    <a:lstStyle/>
+                    <a:p>
+                      <a:pPr algn="ctr"/>
+                      <a:r>
+                        <a:rPr lang="en-US" dirty="0"/>
+                        <a:t>Out of our hand</a:t>
+                      </a:r>
+                    </a:p>
+                  </a:txBody>
+                  <a:tcPr/>
+                </a:tc>
+                <a:extLst>
+                  <a:ext uri="{0D108BD9-81ED-4DB2-BD59-A6C34878D82A}">
+                    <a16:rowId xmlns:a16="http://schemas.microsoft.com/office/drawing/2014/main" val="2030288452"/>
+                  </a:ext>
+                </a:extLst>
+              </a:tr>
+              <a:tr h="701178">
+                <a:tc>
+                  <a:txBody>
+                    <a:bodyPr/>
+                    <a:lstStyle/>
+                    <a:p>
+                      <a:r>
+                        <a:rPr lang="en-US" dirty="0"/>
+                        <a:t>High </a:t>
+                      </a:r>
+                      <a:r>
+                        <a:rPr lang="en-US" dirty="0" err="1"/>
+                        <a:t>Eof</a:t>
+                      </a:r>
+                      <a:r>
+                        <a:rPr lang="en-US" dirty="0"/>
+                        <a:t>, High QD</a:t>
+                      </a:r>
+                    </a:p>
+                  </a:txBody>
+                  <a:tcPr/>
+                </a:tc>
+                <a:tc>
+                  <a:txBody>
+                    <a:bodyPr/>
+                    <a:lstStyle/>
+                    <a:p>
+                      <a:r>
+                        <a:rPr lang="en-US" dirty="0"/>
+                        <a:t>Strong entanglement and correlations.</a:t>
+                      </a:r>
+                    </a:p>
+                  </a:txBody>
+                  <a:tcPr/>
+                </a:tc>
+                <a:tc>
+                  <a:txBody>
+                    <a:bodyPr/>
+                    <a:lstStyle/>
+                    <a:p>
+                      <a:pPr algn="ctr"/>
+                      <a:r>
+                        <a:rPr lang="en-US" dirty="0"/>
+                        <a:t>Not required</a:t>
+                      </a:r>
+                    </a:p>
+                  </a:txBody>
+                  <a:tcPr/>
+                </a:tc>
+                <a:extLst>
+                  <a:ext uri="{0D108BD9-81ED-4DB2-BD59-A6C34878D82A}">
+                    <a16:rowId xmlns:a16="http://schemas.microsoft.com/office/drawing/2014/main" val="2180592406"/>
+                  </a:ext>
+                </a:extLst>
+              </a:tr>
+            </a:tbl>
+          </a:graphicData>
+        </a:graphic>
+      </p:graphicFrame>
+    </p:spTree>
+    <p:extLst>
+      <p:ext uri="{BB962C8B-B14F-4D97-AF65-F5344CB8AC3E}">
+        <p14:creationId xmlns:p14="http://schemas.microsoft.com/office/powerpoint/2010/main" val="940785424"/>
+      </p:ext>
+    </p:extLst>
+  </p:cSld>
+  <p:clrMapOvr>
+    <a:masterClrMapping/>
+  </p:clrMapOvr>
+</p:sld>
+</file>
+
+<file path=ppt/slides/slide16.xml><?xml version="1.0" encoding="utf-8"?>
+<p:sld xmlns:a="http://schemas.openxmlformats.org/drawingml/2006/main" xmlns:r="http://schemas.openxmlformats.org/officeDocument/2006/relationships" xmlns:p="http://schemas.openxmlformats.org/presentationml/2006/main">
+  <p:cSld>
+    <p:spTree>
+      <p:nvGrpSpPr>
+        <p:cNvPr id="1" name=""/>
+        <p:cNvGrpSpPr/>
+        <p:nvPr/>
+      </p:nvGrpSpPr>
+      <p:grpSpPr>
+        <a:xfrm>
+          <a:off x="0" y="0"/>
+          <a:ext cx="0" cy="0"/>
+          <a:chOff x="0" y="0"/>
+          <a:chExt cx="0" cy="0"/>
+        </a:xfrm>
+      </p:grpSpPr>
+      <p:sp>
+        <p:nvSpPr>
+          <p:cNvPr id="2" name="Title 1">
+            <a:extLst>
+              <a:ext uri="{FF2B5EF4-FFF2-40B4-BE49-F238E27FC236}">
+                <a16:creationId xmlns:a16="http://schemas.microsoft.com/office/drawing/2014/main" id="{1A14168E-9DD9-38E4-5926-039D3F0FAC17}"/>
+              </a:ext>
+            </a:extLst>
+          </p:cNvPr>
+          <p:cNvSpPr>
+            <a:spLocks noGrp="1"/>
+          </p:cNvSpPr>
+          <p:nvPr>
+            <p:ph type="title"/>
+          </p:nvPr>
+        </p:nvSpPr>
+        <p:spPr/>
+        <p:txBody>
+          <a:bodyPr/>
+          <a:lstStyle/>
+          <a:p>
+            <a:r>
+              <a:rPr lang="en-US" dirty="0"/>
+              <a:t>Planning</a:t>
+            </a:r>
+          </a:p>
+        </p:txBody>
+      </p:sp>
+      <p:sp>
+        <p:nvSpPr>
+          <p:cNvPr id="3" name="Content Placeholder 2">
+            <a:extLst>
+              <a:ext uri="{FF2B5EF4-FFF2-40B4-BE49-F238E27FC236}">
+                <a16:creationId xmlns:a16="http://schemas.microsoft.com/office/drawing/2014/main" id="{4F46CA3E-CC99-7EE3-83EB-ECA4BF33E697}"/>
+              </a:ext>
+            </a:extLst>
+          </p:cNvPr>
+          <p:cNvSpPr>
+            <a:spLocks noGrp="1"/>
+          </p:cNvSpPr>
+          <p:nvPr>
+            <p:ph idx="1"/>
+          </p:nvPr>
+        </p:nvSpPr>
+        <p:spPr/>
+        <p:txBody>
+          <a:bodyPr/>
+          <a:lstStyle/>
+          <a:p>
+            <a:r>
+              <a:rPr lang="en-US" dirty="0"/>
+              <a:t>Completing code for Metrics.</a:t>
+            </a:r>
+          </a:p>
+          <a:p>
+            <a:r>
+              <a:rPr lang="en-US" dirty="0"/>
+              <a:t>Applying the error in Teleportation Circuit.</a:t>
+            </a:r>
+          </a:p>
+          <a:p>
+            <a:r>
+              <a:rPr lang="en-US" dirty="0"/>
+              <a:t>Testing our hypothesis.</a:t>
+            </a:r>
+          </a:p>
+          <a:p>
+            <a:endParaRPr lang="en-US" dirty="0"/>
+          </a:p>
+          <a:p>
+            <a:endParaRPr lang="en-US" dirty="0"/>
+          </a:p>
+          <a:p>
+            <a:pPr marL="0" indent="0" algn="ctr">
+              <a:buNone/>
+            </a:pPr>
+            <a:r>
+              <a:rPr lang="en-US" sz="2000" dirty="0"/>
+              <a:t>Code link: </a:t>
+            </a:r>
+            <a:r>
+              <a:rPr lang="en-US" sz="2000" dirty="0">
+                <a:hlinkClick r:id="rId2"/>
+              </a:rPr>
+              <a:t>QNET25_Shubha/QNET25Sh1.ipynb at main · </a:t>
+            </a:r>
+            <a:r>
+              <a:rPr lang="en-US" sz="2000" dirty="0" err="1">
+                <a:hlinkClick r:id="rId2"/>
+              </a:rPr>
+              <a:t>syedshubha</a:t>
+            </a:r>
+            <a:r>
+              <a:rPr lang="en-US" sz="2000" dirty="0">
+                <a:hlinkClick r:id="rId2"/>
+              </a:rPr>
+              <a:t>/QNET25_Shubha</a:t>
+            </a:r>
+            <a:endParaRPr lang="en-US" sz="2000" dirty="0"/>
+          </a:p>
+          <a:p>
+            <a:pPr marL="0" indent="0" algn="ctr">
+              <a:buNone/>
+            </a:pPr>
+            <a:endParaRPr lang="en-US" sz="2000"/>
+          </a:p>
+          <a:p>
+            <a:pPr marL="0" indent="0" algn="ctr">
+              <a:buNone/>
+            </a:pPr>
+            <a:endParaRPr lang="en-US" sz="2000" dirty="0"/>
           </a:p>
           <a:p>
             <a:pPr marL="0" indent="0" algn="ctr">
@@ -7368,8 +9874,8 @@
           </a:p>
         </p:txBody>
       </p:sp>
-      <mc:AlternateContent xmlns:mc="http://schemas.openxmlformats.org/markup-compatibility/2006">
-        <mc:Choice xmlns:a14="http://schemas.microsoft.com/office/drawing/2010/main" Requires="a14">
+      <mc:AlternateContent xmlns:mc="http://schemas.openxmlformats.org/markup-compatibility/2006" xmlns:a14="http://schemas.microsoft.com/office/drawing/2010/main">
+        <mc:Choice Requires="a14">
           <p:sp>
             <p:nvSpPr>
               <p:cNvPr id="3" name="Content Placeholder 2">
@@ -7801,7 +10307,7 @@
                     <m:d>
                       <m:dPr>
                         <m:ctrlPr>
-                          <a:rPr lang="en-US" b="0" i="0" smtClean="0">
+                          <a:rPr lang="en-US" b="0" i="1" smtClean="0">
                             <a:latin typeface="Cambria Math" panose="02040503050406030204" pitchFamily="18" charset="0"/>
                           </a:rPr>
                         </m:ctrlPr>
@@ -7827,7 +10333,7 @@
                     <m:f>
                       <m:fPr>
                         <m:ctrlPr>
-                          <a:rPr lang="en-US" b="0" i="0" smtClean="0">
+                          <a:rPr lang="en-US" b="0" i="1" smtClean="0">
                             <a:latin typeface="Cambria Math" panose="02040503050406030204" pitchFamily="18" charset="0"/>
                           </a:rPr>
                         </m:ctrlPr>
@@ -7885,7 +10391,7 @@
             </p:txBody>
           </p:sp>
         </mc:Choice>
-        <mc:Fallback>
+        <mc:Fallback xmlns="">
           <p:sp>
             <p:nvSpPr>
               <p:cNvPr id="3" name="Content Placeholder 2">
@@ -8140,7 +10646,7 @@
         <p:spPr>
           <a:xfrm>
             <a:off x="1058635" y="4947161"/>
-            <a:ext cx="10074728" cy="923330"/>
+            <a:ext cx="10074728" cy="369332"/>
           </a:xfrm>
           <a:prstGeom prst="rect">
             <a:avLst/>
@@ -8161,11 +10667,20 @@
               <a:rPr lang="en-US" dirty="0">
                 <a:hlinkClick r:id="rId3"/>
               </a:rPr>
-              <a:t>https://colab.research.google.com/drive/1GHdeRz6TczEDkRKhbAneJ2WW5eosVk9w?usp=sharing</a:t>
-            </a:r>
-            <a:endParaRPr lang="en-US" dirty="0"/>
-          </a:p>
-          <a:p>
+              <a:t>QNET25_Shubha/QNET25Sh1.ipynb at main · </a:t>
+            </a:r>
+            <a:r>
+              <a:rPr lang="en-US" dirty="0" err="1">
+                <a:hlinkClick r:id="rId3"/>
+              </a:rPr>
+              <a:t>syedshubha</a:t>
+            </a:r>
+            <a:r>
+              <a:rPr lang="en-US" dirty="0">
+                <a:hlinkClick r:id="rId3"/>
+              </a:rPr>
+              <a:t>/QNET25_Shubha</a:t>
+            </a:r>
             <a:endParaRPr lang="en-US" dirty="0"/>
           </a:p>
         </p:txBody>
@@ -8228,8 +10743,8 @@
           </a:p>
         </p:txBody>
       </p:sp>
-      <mc:AlternateContent xmlns:mc="http://schemas.openxmlformats.org/markup-compatibility/2006">
-        <mc:Choice xmlns:a14="http://schemas.microsoft.com/office/drawing/2010/main" Requires="a14">
+      <mc:AlternateContent xmlns:mc="http://schemas.openxmlformats.org/markup-compatibility/2006" xmlns:a14="http://schemas.microsoft.com/office/drawing/2010/main">
+        <mc:Choice Requires="a14">
           <p:sp>
             <p:nvSpPr>
               <p:cNvPr id="3" name="Content Placeholder 2">
@@ -9041,7 +11556,7 @@
             </p:txBody>
           </p:sp>
         </mc:Choice>
-        <mc:Fallback>
+        <mc:Fallback xmlns="">
           <p:sp>
             <p:nvSpPr>
               <p:cNvPr id="3" name="Content Placeholder 2">
@@ -9218,18 +11733,28 @@
         </p:nvSpPr>
         <p:spPr/>
         <p:txBody>
-          <a:bodyPr/>
+          <a:bodyPr>
+            <a:normAutofit/>
+          </a:bodyPr>
           <a:lstStyle/>
           <a:p>
             <a:r>
               <a:rPr lang="en-US" dirty="0"/>
-              <a:t>Simulation of Amplitude Damping (p=0.1)</a:t>
+              <a:t>Amplitude Damping on 1</a:t>
+            </a:r>
+            <a:r>
+              <a:rPr lang="en-US" baseline="30000" dirty="0"/>
+              <a:t>st</a:t>
+            </a:r>
+            <a:r>
+              <a:rPr lang="en-US" dirty="0"/>
+              <a:t> qubit (p=0.1)</a:t>
             </a:r>
           </a:p>
         </p:txBody>
       </p:sp>
-      <mc:AlternateContent xmlns:mc="http://schemas.openxmlformats.org/markup-compatibility/2006">
-        <mc:Choice xmlns:a14="http://schemas.microsoft.com/office/drawing/2010/main" Requires="a14">
+      <mc:AlternateContent xmlns:mc="http://schemas.openxmlformats.org/markup-compatibility/2006" xmlns:a14="http://schemas.microsoft.com/office/drawing/2010/main">
+        <mc:Choice Requires="a14">
           <p:sp>
             <p:nvSpPr>
               <p:cNvPr id="3" name="Content Placeholder 2">
@@ -9429,7 +11954,7 @@
             </p:txBody>
           </p:sp>
         </mc:Choice>
-        <mc:Fallback>
+        <mc:Fallback xmlns="">
           <p:sp>
             <p:nvSpPr>
               <p:cNvPr id="3" name="Content Placeholder 2">
@@ -9596,41 +12121,6 @@
           </a:extLst>
         </p:spPr>
       </p:pic>
-      <p:sp>
-        <p:nvSpPr>
-          <p:cNvPr id="6" name="TextBox 5">
-            <a:extLst>
-              <a:ext uri="{FF2B5EF4-FFF2-40B4-BE49-F238E27FC236}">
-                <a16:creationId xmlns:a16="http://schemas.microsoft.com/office/drawing/2014/main" id="{74CA3BAA-B8DB-92FF-C644-DB5DF8F43A9D}"/>
-              </a:ext>
-            </a:extLst>
-          </p:cNvPr>
-          <p:cNvSpPr txBox="1"/>
-          <p:nvPr/>
-        </p:nvSpPr>
-        <p:spPr>
-          <a:xfrm>
-            <a:off x="4279096" y="5687293"/>
-            <a:ext cx="3350588" cy="369332"/>
-          </a:xfrm>
-          <a:prstGeom prst="rect">
-            <a:avLst/>
-          </a:prstGeom>
-          <a:noFill/>
-        </p:spPr>
-        <p:txBody>
-          <a:bodyPr wrap="square" rtlCol="0">
-            <a:spAutoFit/>
-          </a:bodyPr>
-          <a:lstStyle/>
-          <a:p>
-            <a:r>
-              <a:rPr lang="en-US" dirty="0"/>
-              <a:t>I am working on Phase Damping</a:t>
-            </a:r>
-          </a:p>
-        </p:txBody>
-      </p:sp>
     </p:spTree>
     <p:extLst>
       <p:ext uri="{BB962C8B-B14F-4D97-AF65-F5344CB8AC3E}">
@@ -9649,7 +12139,13 @@
   <p:cSld>
     <p:spTree>
       <p:nvGrpSpPr>
-        <p:cNvPr id="1" name=""/>
+        <p:cNvPr id="1" name="">
+          <a:extLst>
+            <a:ext uri="{FF2B5EF4-FFF2-40B4-BE49-F238E27FC236}">
+              <a16:creationId xmlns:a16="http://schemas.microsoft.com/office/drawing/2014/main" id="{A5C926C0-04BB-0F5E-A61C-E52E388AA979}"/>
+            </a:ext>
+          </a:extLst>
+        </p:cNvPr>
         <p:cNvGrpSpPr/>
         <p:nvPr/>
       </p:nvGrpSpPr>
@@ -9666,7 +12162,7 @@
           <p:cNvPr id="2" name="Title 1">
             <a:extLst>
               <a:ext uri="{FF2B5EF4-FFF2-40B4-BE49-F238E27FC236}">
-                <a16:creationId xmlns:a16="http://schemas.microsoft.com/office/drawing/2014/main" id="{4F9A5F47-6711-B85B-B5CD-D0535A8B64F7}"/>
+                <a16:creationId xmlns:a16="http://schemas.microsoft.com/office/drawing/2014/main" id="{66C46E83-0509-1717-50F7-06C5708092B3}"/>
               </a:ext>
             </a:extLst>
           </p:cNvPr>
@@ -9684,782 +12180,15 @@
           <a:p>
             <a:r>
               <a:rPr lang="en-US" dirty="0"/>
-              <a:t>Stabilizer Code</a:t>
-            </a:r>
-          </a:p>
-        </p:txBody>
-      </p:sp>
-      <p:pic>
-        <p:nvPicPr>
-          <p:cNvPr id="6" name="Content Placeholder 5">
-            <a:extLst>
-              <a:ext uri="{FF2B5EF4-FFF2-40B4-BE49-F238E27FC236}">
-                <a16:creationId xmlns:a16="http://schemas.microsoft.com/office/drawing/2014/main" id="{B6081D5F-9773-F192-EE5A-D16CEBE13B1D}"/>
-              </a:ext>
-            </a:extLst>
-          </p:cNvPr>
-          <p:cNvPicPr>
-            <a:picLocks noGrp="1" noChangeAspect="1"/>
-          </p:cNvPicPr>
-          <p:nvPr>
-            <p:ph idx="1"/>
-          </p:nvPr>
-        </p:nvPicPr>
-        <p:blipFill>
-          <a:blip r:embed="rId2"/>
-          <a:stretch>
-            <a:fillRect/>
-          </a:stretch>
-        </p:blipFill>
-        <p:spPr>
-          <a:xfrm>
-            <a:off x="542840" y="1051232"/>
-            <a:ext cx="6011114" cy="476316"/>
-          </a:xfrm>
-        </p:spPr>
-      </p:pic>
-      <p:sp>
-        <p:nvSpPr>
-          <p:cNvPr id="4" name="Footer Placeholder 3">
-            <a:extLst>
-              <a:ext uri="{FF2B5EF4-FFF2-40B4-BE49-F238E27FC236}">
-                <a16:creationId xmlns:a16="http://schemas.microsoft.com/office/drawing/2014/main" id="{098F2B73-AEA5-262C-8A91-57C964ED7A22}"/>
-              </a:ext>
-            </a:extLst>
-          </p:cNvPr>
-          <p:cNvSpPr>
-            <a:spLocks noGrp="1"/>
-          </p:cNvSpPr>
-          <p:nvPr>
-            <p:ph type="ftr" sz="quarter" idx="11"/>
-          </p:nvPr>
-        </p:nvSpPr>
-        <p:spPr/>
-        <p:txBody>
-          <a:bodyPr/>
-          <a:lstStyle/>
-          <a:p>
-            <a:r>
-              <a:rPr lang="en-US"/>
-              <a:t>All Rights Reserved</a:t>
-            </a:r>
-            <a:endParaRPr lang="en-US" dirty="0"/>
-          </a:p>
-        </p:txBody>
-      </p:sp>
-      <mc:AlternateContent xmlns:mc="http://schemas.openxmlformats.org/markup-compatibility/2006">
-        <mc:Choice xmlns:a14="http://schemas.microsoft.com/office/drawing/2010/main" Requires="a14">
-          <p:sp>
-            <p:nvSpPr>
-              <p:cNvPr id="7" name="TextBox 6">
-                <a:extLst>
-                  <a:ext uri="{FF2B5EF4-FFF2-40B4-BE49-F238E27FC236}">
-                    <a16:creationId xmlns:a16="http://schemas.microsoft.com/office/drawing/2014/main" id="{B19C3384-07A4-CB0D-4FC9-0BF548FA54C5}"/>
-                  </a:ext>
-                </a:extLst>
-              </p:cNvPr>
-              <p:cNvSpPr txBox="1"/>
-              <p:nvPr/>
-            </p:nvSpPr>
-            <p:spPr>
-              <a:xfrm>
-                <a:off x="612321" y="1690007"/>
-                <a:ext cx="11036838" cy="1563377"/>
-              </a:xfrm>
-              <a:prstGeom prst="rect">
-                <a:avLst/>
-              </a:prstGeom>
-              <a:noFill/>
-            </p:spPr>
-            <p:txBody>
-              <a:bodyPr wrap="square" rtlCol="0">
-                <a:spAutoFit/>
-              </a:bodyPr>
-              <a:lstStyle/>
-              <a:p>
-                <a:r>
-                  <a:rPr lang="en-US" dirty="0"/>
-                  <a:t>Now, we encode the qubit into a coding subspace, say </a:t>
-                </a:r>
-                <a14:m>
-                  <m:oMath xmlns:m="http://schemas.openxmlformats.org/officeDocument/2006/math">
-                    <m:sSub>
-                      <m:sSubPr>
-                        <m:ctrlPr>
-                          <a:rPr lang="en-US" b="0" i="1" smtClean="0">
-                            <a:latin typeface="Cambria Math" panose="02040503050406030204" pitchFamily="18" charset="0"/>
-                          </a:rPr>
-                        </m:ctrlPr>
-                      </m:sSubPr>
-                      <m:e>
-                        <m:r>
-                          <a:rPr lang="en-US" b="0" i="1" smtClean="0">
-                            <a:latin typeface="Cambria Math" panose="02040503050406030204" pitchFamily="18" charset="0"/>
-                          </a:rPr>
-                          <m:t>𝐻</m:t>
-                        </m:r>
-                      </m:e>
-                      <m:sub>
-                        <m:r>
-                          <a:rPr lang="en-US" b="0" i="1" smtClean="0">
-                            <a:latin typeface="Cambria Math" panose="02040503050406030204" pitchFamily="18" charset="0"/>
-                          </a:rPr>
-                          <m:t>𝑐</m:t>
-                        </m:r>
-                      </m:sub>
-                    </m:sSub>
-                  </m:oMath>
-                </a14:m>
-                <a:r>
-                  <a:rPr lang="en-US" dirty="0"/>
-                  <a:t>, which is stabilized by generators, say </a:t>
-                </a:r>
-                <a14:m>
-                  <m:oMath xmlns:m="http://schemas.openxmlformats.org/officeDocument/2006/math">
-                    <m:d>
-                      <m:dPr>
-                        <m:begChr m:val="⟨"/>
-                        <m:endChr m:val="⟩"/>
-                        <m:ctrlPr>
-                          <a:rPr lang="en-US" b="0" i="1" smtClean="0">
-                            <a:latin typeface="Cambria Math" panose="02040503050406030204" pitchFamily="18" charset="0"/>
-                          </a:rPr>
-                        </m:ctrlPr>
-                      </m:dPr>
-                      <m:e>
-                        <m:r>
-                          <a:rPr lang="en-US" b="0" i="1" smtClean="0">
-                            <a:latin typeface="Cambria Math" panose="02040503050406030204" pitchFamily="18" charset="0"/>
-                          </a:rPr>
-                          <m:t> </m:t>
-                        </m:r>
-                        <m:sSub>
-                          <m:sSubPr>
-                            <m:ctrlPr>
-                              <a:rPr lang="en-US" b="0" i="1" smtClean="0">
-                                <a:latin typeface="Cambria Math" panose="02040503050406030204" pitchFamily="18" charset="0"/>
-                              </a:rPr>
-                            </m:ctrlPr>
-                          </m:sSubPr>
-                          <m:e>
-                            <m:r>
-                              <a:rPr lang="en-US" b="0" i="1" smtClean="0">
-                                <a:latin typeface="Cambria Math" panose="02040503050406030204" pitchFamily="18" charset="0"/>
-                              </a:rPr>
-                              <m:t>𝑠</m:t>
-                            </m:r>
-                          </m:e>
-                          <m:sub>
-                            <m:r>
-                              <a:rPr lang="en-US" b="0" i="1" smtClean="0">
-                                <a:latin typeface="Cambria Math" panose="02040503050406030204" pitchFamily="18" charset="0"/>
-                              </a:rPr>
-                              <m:t>𝑖</m:t>
-                            </m:r>
-                          </m:sub>
-                        </m:sSub>
-                        <m:r>
-                          <a:rPr lang="en-US" b="0" i="1" smtClean="0">
-                            <a:latin typeface="Cambria Math" panose="02040503050406030204" pitchFamily="18" charset="0"/>
-                          </a:rPr>
-                          <m:t> </m:t>
-                        </m:r>
-                      </m:e>
-                    </m:d>
-                    <m:r>
-                      <a:rPr lang="en-US" b="0" i="0" smtClean="0">
-                        <a:latin typeface="Cambria Math" panose="02040503050406030204" pitchFamily="18" charset="0"/>
-                      </a:rPr>
-                      <m:t>, </m:t>
-                    </m:r>
-                    <m:r>
-                      <m:rPr>
-                        <m:sty m:val="p"/>
-                      </m:rPr>
-                      <a:rPr lang="en-US" b="0" i="0" smtClean="0">
-                        <a:latin typeface="Cambria Math" panose="02040503050406030204" pitchFamily="18" charset="0"/>
-                      </a:rPr>
-                      <m:t>which</m:t>
-                    </m:r>
-                  </m:oMath>
-                </a14:m>
-                <a:endParaRPr lang="en-US" b="0" dirty="0"/>
-              </a:p>
-              <a:p>
-                <a:r>
-                  <a:rPr lang="en-US" dirty="0"/>
-                  <a:t>means </a:t>
-                </a:r>
-                <a14:m>
-                  <m:oMath xmlns:m="http://schemas.openxmlformats.org/officeDocument/2006/math">
-                    <m:sSub>
-                      <m:sSubPr>
-                        <m:ctrlPr>
-                          <a:rPr lang="en-US" b="0" i="1" smtClean="0">
-                            <a:latin typeface="Cambria Math" panose="02040503050406030204" pitchFamily="18" charset="0"/>
-                          </a:rPr>
-                        </m:ctrlPr>
-                      </m:sSubPr>
-                      <m:e>
-                        <m:r>
-                          <a:rPr lang="en-US" b="0" i="1" smtClean="0">
-                            <a:latin typeface="Cambria Math" panose="02040503050406030204" pitchFamily="18" charset="0"/>
-                          </a:rPr>
-                          <m:t>𝑠</m:t>
-                        </m:r>
-                      </m:e>
-                      <m:sub>
-                        <m:r>
-                          <a:rPr lang="en-US" b="0" i="1" smtClean="0">
-                            <a:latin typeface="Cambria Math" panose="02040503050406030204" pitchFamily="18" charset="0"/>
-                          </a:rPr>
-                          <m:t>𝑖</m:t>
-                        </m:r>
-                      </m:sub>
-                    </m:sSub>
-                    <m:d>
-                      <m:dPr>
-                        <m:begChr m:val="|"/>
-                        <m:endChr m:val="⟩"/>
-                        <m:ctrlPr>
-                          <a:rPr lang="en-US" b="0" i="1" smtClean="0">
-                            <a:latin typeface="Cambria Math" panose="02040503050406030204" pitchFamily="18" charset="0"/>
-                          </a:rPr>
-                        </m:ctrlPr>
-                      </m:dPr>
-                      <m:e>
-                        <m:r>
-                          <a:rPr lang="en-US" b="0" i="1" smtClean="0">
-                            <a:latin typeface="Cambria Math" panose="02040503050406030204" pitchFamily="18" charset="0"/>
-                          </a:rPr>
-                          <m:t>𝜓</m:t>
-                        </m:r>
-                      </m:e>
-                    </m:d>
-                    <m:r>
-                      <a:rPr lang="en-US" b="0" i="1" smtClean="0">
-                        <a:latin typeface="Cambria Math" panose="02040503050406030204" pitchFamily="18" charset="0"/>
-                      </a:rPr>
-                      <m:t>=</m:t>
-                    </m:r>
-                    <m:d>
-                      <m:dPr>
-                        <m:begChr m:val="|"/>
-                        <m:endChr m:val="⟩"/>
-                        <m:ctrlPr>
-                          <a:rPr lang="en-US" i="1">
-                            <a:latin typeface="Cambria Math" panose="02040503050406030204" pitchFamily="18" charset="0"/>
-                          </a:rPr>
-                        </m:ctrlPr>
-                      </m:dPr>
-                      <m:e>
-                        <m:r>
-                          <a:rPr lang="en-US" i="1">
-                            <a:latin typeface="Cambria Math" panose="02040503050406030204" pitchFamily="18" charset="0"/>
-                          </a:rPr>
-                          <m:t>𝜓</m:t>
-                        </m:r>
-                      </m:e>
-                    </m:d>
-                  </m:oMath>
-                </a14:m>
-                <a:r>
-                  <a:rPr lang="en-US" b="0" dirty="0"/>
-                  <a:t> for all </a:t>
-                </a:r>
-                <a14:m>
-                  <m:oMath xmlns:m="http://schemas.openxmlformats.org/officeDocument/2006/math">
-                    <m:d>
-                      <m:dPr>
-                        <m:begChr m:val="|"/>
-                        <m:endChr m:val="⟩"/>
-                        <m:ctrlPr>
-                          <a:rPr lang="en-US" i="1">
-                            <a:latin typeface="Cambria Math" panose="02040503050406030204" pitchFamily="18" charset="0"/>
-                          </a:rPr>
-                        </m:ctrlPr>
-                      </m:dPr>
-                      <m:e>
-                        <m:r>
-                          <a:rPr lang="en-US" i="1">
-                            <a:latin typeface="Cambria Math" panose="02040503050406030204" pitchFamily="18" charset="0"/>
-                          </a:rPr>
-                          <m:t>𝜓</m:t>
-                        </m:r>
-                      </m:e>
-                    </m:d>
-                    <m:r>
-                      <a:rPr lang="en-US" b="0" i="1" smtClean="0">
-                        <a:latin typeface="Cambria Math" panose="02040503050406030204" pitchFamily="18" charset="0"/>
-                      </a:rPr>
-                      <m:t>∈</m:t>
-                    </m:r>
-                    <m:sSub>
-                      <m:sSubPr>
-                        <m:ctrlPr>
-                          <a:rPr lang="en-US" b="0" i="1" smtClean="0">
-                            <a:latin typeface="Cambria Math" panose="02040503050406030204" pitchFamily="18" charset="0"/>
-                          </a:rPr>
-                        </m:ctrlPr>
-                      </m:sSubPr>
-                      <m:e>
-                        <m:r>
-                          <a:rPr lang="en-US" b="0" i="1" smtClean="0">
-                            <a:latin typeface="Cambria Math" panose="02040503050406030204" pitchFamily="18" charset="0"/>
-                          </a:rPr>
-                          <m:t>𝐻</m:t>
-                        </m:r>
-                      </m:e>
-                      <m:sub>
-                        <m:r>
-                          <a:rPr lang="en-US" b="0" i="1" smtClean="0">
-                            <a:latin typeface="Cambria Math" panose="02040503050406030204" pitchFamily="18" charset="0"/>
-                          </a:rPr>
-                          <m:t>𝑐</m:t>
-                        </m:r>
-                      </m:sub>
-                    </m:sSub>
-                  </m:oMath>
-                </a14:m>
-                <a:r>
-                  <a:rPr lang="en-US" b="0" dirty="0"/>
-                  <a:t>, i.e., it is the +1 eigenspace of all stabilizers.</a:t>
-                </a:r>
-              </a:p>
-              <a:p>
-                <a:r>
-                  <a:rPr lang="en-US" b="0" dirty="0"/>
-                  <a:t>Now sa</a:t>
-                </a:r>
-                <a:r>
-                  <a:rPr lang="en-US" dirty="0"/>
-                  <a:t>y </a:t>
-                </a:r>
-                <a14:m>
-                  <m:oMath xmlns:m="http://schemas.openxmlformats.org/officeDocument/2006/math">
-                    <m:d>
-                      <m:dPr>
-                        <m:begChr m:val="{"/>
-                        <m:endChr m:val="}"/>
-                        <m:ctrlPr>
-                          <a:rPr lang="en-US" b="0" i="1" smtClean="0">
-                            <a:latin typeface="Cambria Math" panose="02040503050406030204" pitchFamily="18" charset="0"/>
-                          </a:rPr>
-                        </m:ctrlPr>
-                      </m:dPr>
-                      <m:e>
-                        <m:sSub>
-                          <m:sSubPr>
-                            <m:ctrlPr>
-                              <a:rPr lang="en-US" b="0" i="1" smtClean="0">
-                                <a:latin typeface="Cambria Math" panose="02040503050406030204" pitchFamily="18" charset="0"/>
-                              </a:rPr>
-                            </m:ctrlPr>
-                          </m:sSubPr>
-                          <m:e>
-                            <m:r>
-                              <a:rPr lang="en-US" b="0" i="1" smtClean="0">
-                                <a:latin typeface="Cambria Math" panose="02040503050406030204" pitchFamily="18" charset="0"/>
-                              </a:rPr>
-                              <m:t>𝐸</m:t>
-                            </m:r>
-                          </m:e>
-                          <m:sub>
-                            <m:r>
-                              <a:rPr lang="en-US" b="0" i="1" smtClean="0">
-                                <a:latin typeface="Cambria Math" panose="02040503050406030204" pitchFamily="18" charset="0"/>
-                              </a:rPr>
-                              <m:t>𝑗</m:t>
-                            </m:r>
-                          </m:sub>
-                        </m:sSub>
-                      </m:e>
-                    </m:d>
-                  </m:oMath>
-                </a14:m>
-                <a:r>
-                  <a:rPr lang="en-US" b="0" dirty="0"/>
-                  <a:t> are set of errors that can be corrected by the error correction code. Then we have</a:t>
-                </a:r>
-              </a:p>
-              <a:p>
-                <a14:m>
-                  <m:oMathPara xmlns:m="http://schemas.openxmlformats.org/officeDocument/2006/math">
-                    <m:oMathParaPr>
-                      <m:jc m:val="centerGroup"/>
-                    </m:oMathParaPr>
-                    <m:oMath xmlns:m="http://schemas.openxmlformats.org/officeDocument/2006/math">
-                      <m:sSub>
-                        <m:sSubPr>
-                          <m:ctrlPr>
-                            <a:rPr lang="en-US" i="1">
-                              <a:latin typeface="Cambria Math" panose="02040503050406030204" pitchFamily="18" charset="0"/>
-                            </a:rPr>
-                          </m:ctrlPr>
-                        </m:sSubPr>
-                        <m:e>
-                          <m:r>
-                            <a:rPr lang="en-US" i="1">
-                              <a:latin typeface="Cambria Math" panose="02040503050406030204" pitchFamily="18" charset="0"/>
-                            </a:rPr>
-                            <m:t>𝑠</m:t>
-                          </m:r>
-                        </m:e>
-                        <m:sub>
-                          <m:r>
-                            <a:rPr lang="en-US" i="1">
-                              <a:latin typeface="Cambria Math" panose="02040503050406030204" pitchFamily="18" charset="0"/>
-                            </a:rPr>
-                            <m:t>𝑖</m:t>
-                          </m:r>
-                        </m:sub>
-                      </m:sSub>
-                      <m:sSub>
-                        <m:sSubPr>
-                          <m:ctrlPr>
-                            <a:rPr lang="en-US" b="0" i="1" smtClean="0">
-                              <a:latin typeface="Cambria Math" panose="02040503050406030204" pitchFamily="18" charset="0"/>
-                            </a:rPr>
-                          </m:ctrlPr>
-                        </m:sSubPr>
-                        <m:e>
-                          <m:r>
-                            <a:rPr lang="en-US" b="0" i="1" smtClean="0">
-                              <a:latin typeface="Cambria Math" panose="02040503050406030204" pitchFamily="18" charset="0"/>
-                            </a:rPr>
-                            <m:t>𝐸</m:t>
-                          </m:r>
-                        </m:e>
-                        <m:sub>
-                          <m:r>
-                            <a:rPr lang="en-US" b="0" i="1" smtClean="0">
-                              <a:latin typeface="Cambria Math" panose="02040503050406030204" pitchFamily="18" charset="0"/>
-                            </a:rPr>
-                            <m:t>𝑗</m:t>
-                          </m:r>
-                        </m:sub>
-                      </m:sSub>
-                      <m:d>
-                        <m:dPr>
-                          <m:begChr m:val="|"/>
-                          <m:endChr m:val="⟩"/>
-                          <m:ctrlPr>
-                            <a:rPr lang="en-US" i="1">
-                              <a:latin typeface="Cambria Math" panose="02040503050406030204" pitchFamily="18" charset="0"/>
-                            </a:rPr>
-                          </m:ctrlPr>
-                        </m:dPr>
-                        <m:e>
-                          <m:r>
-                            <a:rPr lang="en-US" i="1">
-                              <a:latin typeface="Cambria Math" panose="02040503050406030204" pitchFamily="18" charset="0"/>
-                            </a:rPr>
-                            <m:t>𝜓</m:t>
-                          </m:r>
-                        </m:e>
-                      </m:d>
-                      <m:r>
-                        <a:rPr lang="en-US" i="1">
-                          <a:latin typeface="Cambria Math" panose="02040503050406030204" pitchFamily="18" charset="0"/>
-                        </a:rPr>
-                        <m:t>=</m:t>
-                      </m:r>
-                      <m:sSub>
-                        <m:sSubPr>
-                          <m:ctrlPr>
-                            <a:rPr lang="en-US" b="0" i="1" smtClean="0">
-                              <a:latin typeface="Cambria Math" panose="02040503050406030204" pitchFamily="18" charset="0"/>
-                            </a:rPr>
-                          </m:ctrlPr>
-                        </m:sSubPr>
-                        <m:e>
-                          <m:r>
-                            <a:rPr lang="en-US" b="0" i="1" smtClean="0">
-                              <a:latin typeface="Cambria Math" panose="02040503050406030204" pitchFamily="18" charset="0"/>
-                            </a:rPr>
-                            <m:t>𝑐</m:t>
-                          </m:r>
-                        </m:e>
-                        <m:sub>
-                          <m:r>
-                            <a:rPr lang="en-US" b="0" i="1" smtClean="0">
-                              <a:latin typeface="Cambria Math" panose="02040503050406030204" pitchFamily="18" charset="0"/>
-                            </a:rPr>
-                            <m:t>𝑖𝑗</m:t>
-                          </m:r>
-                        </m:sub>
-                      </m:sSub>
-                      <m:d>
-                        <m:dPr>
-                          <m:begChr m:val="|"/>
-                          <m:endChr m:val="⟩"/>
-                          <m:ctrlPr>
-                            <a:rPr lang="en-US" i="1">
-                              <a:latin typeface="Cambria Math" panose="02040503050406030204" pitchFamily="18" charset="0"/>
-                            </a:rPr>
-                          </m:ctrlPr>
-                        </m:dPr>
-                        <m:e>
-                          <m:r>
-                            <a:rPr lang="en-US" i="1">
-                              <a:latin typeface="Cambria Math" panose="02040503050406030204" pitchFamily="18" charset="0"/>
-                            </a:rPr>
-                            <m:t>𝜓</m:t>
-                          </m:r>
-                        </m:e>
-                      </m:d>
-                      <m:r>
-                        <a:rPr lang="en-US" b="0" i="1" smtClean="0">
-                          <a:latin typeface="Cambria Math" panose="02040503050406030204" pitchFamily="18" charset="0"/>
-                        </a:rPr>
-                        <m:t>, </m:t>
-                      </m:r>
-                      <m:sSub>
-                        <m:sSubPr>
-                          <m:ctrlPr>
-                            <a:rPr lang="en-US" b="0" i="1" smtClean="0">
-                              <a:latin typeface="Cambria Math" panose="02040503050406030204" pitchFamily="18" charset="0"/>
-                            </a:rPr>
-                          </m:ctrlPr>
-                        </m:sSubPr>
-                        <m:e>
-                          <m:r>
-                            <a:rPr lang="en-US" b="0" i="1" smtClean="0">
-                              <a:latin typeface="Cambria Math" panose="02040503050406030204" pitchFamily="18" charset="0"/>
-                            </a:rPr>
-                            <m:t>𝑐</m:t>
-                          </m:r>
-                        </m:e>
-                        <m:sub>
-                          <m:r>
-                            <a:rPr lang="en-US" b="0" i="1" smtClean="0">
-                              <a:latin typeface="Cambria Math" panose="02040503050406030204" pitchFamily="18" charset="0"/>
-                            </a:rPr>
-                            <m:t>𝑖𝑗</m:t>
-                          </m:r>
-                        </m:sub>
-                      </m:sSub>
-                      <m:r>
-                        <a:rPr lang="en-US" b="0" i="1" smtClean="0">
-                          <a:latin typeface="Cambria Math" panose="02040503050406030204" pitchFamily="18" charset="0"/>
-                        </a:rPr>
-                        <m:t>∈{+1, −1}</m:t>
-                      </m:r>
-                    </m:oMath>
-                  </m:oMathPara>
-                </a14:m>
-                <a:endParaRPr lang="en-US" b="0" dirty="0"/>
-              </a:p>
-              <a:p>
-                <a:r>
-                  <a:rPr lang="en-US" dirty="0"/>
-                  <a:t>For a specific </a:t>
-                </a:r>
-                <a14:m>
-                  <m:oMath xmlns:m="http://schemas.openxmlformats.org/officeDocument/2006/math">
-                    <m:r>
-                      <a:rPr lang="en-US" b="0" i="1" smtClean="0">
-                        <a:latin typeface="Cambria Math" panose="02040503050406030204" pitchFamily="18" charset="0"/>
-                      </a:rPr>
-                      <m:t>𝑗</m:t>
-                    </m:r>
-                  </m:oMath>
-                </a14:m>
-                <a:r>
-                  <a:rPr lang="en-US" b="0" dirty="0"/>
-                  <a:t>, we call </a:t>
-                </a:r>
-                <a14:m>
-                  <m:oMath xmlns:m="http://schemas.openxmlformats.org/officeDocument/2006/math">
-                    <m:r>
-                      <a:rPr lang="en-US" b="0" i="1" smtClean="0">
-                        <a:latin typeface="Cambria Math" panose="02040503050406030204" pitchFamily="18" charset="0"/>
-                      </a:rPr>
-                      <m:t>{</m:t>
-                    </m:r>
-                    <m:sSub>
-                      <m:sSubPr>
-                        <m:ctrlPr>
-                          <a:rPr lang="en-US" b="0" i="1" smtClean="0">
-                            <a:latin typeface="Cambria Math" panose="02040503050406030204" pitchFamily="18" charset="0"/>
-                          </a:rPr>
-                        </m:ctrlPr>
-                      </m:sSubPr>
-                      <m:e>
-                        <m:r>
-                          <a:rPr lang="en-US" b="0" i="1" smtClean="0">
-                            <a:latin typeface="Cambria Math" panose="02040503050406030204" pitchFamily="18" charset="0"/>
-                          </a:rPr>
-                          <m:t>𝑐</m:t>
-                        </m:r>
-                      </m:e>
-                      <m:sub>
-                        <m:r>
-                          <a:rPr lang="en-US" b="0" i="1" smtClean="0">
-                            <a:latin typeface="Cambria Math" panose="02040503050406030204" pitchFamily="18" charset="0"/>
-                          </a:rPr>
-                          <m:t>𝑖𝑗</m:t>
-                        </m:r>
-                      </m:sub>
-                    </m:sSub>
-                  </m:oMath>
-                </a14:m>
-                <a:r>
-                  <a:rPr lang="en-US" b="0" dirty="0"/>
-                  <a:t>} the syndromes. Different errors must have distinct syndromes.</a:t>
-                </a:r>
-              </a:p>
-            </p:txBody>
-          </p:sp>
-        </mc:Choice>
-        <mc:Fallback>
-          <p:sp>
-            <p:nvSpPr>
-              <p:cNvPr id="7" name="TextBox 6">
-                <a:extLst>
-                  <a:ext uri="{FF2B5EF4-FFF2-40B4-BE49-F238E27FC236}">
-                    <a16:creationId xmlns:a16="http://schemas.microsoft.com/office/drawing/2014/main" id="{B19C3384-07A4-CB0D-4FC9-0BF548FA54C5}"/>
-                  </a:ext>
-                </a:extLst>
-              </p:cNvPr>
-              <p:cNvSpPr txBox="1">
-                <a:spLocks noRot="1" noChangeAspect="1" noMove="1" noResize="1" noEditPoints="1" noAdjustHandles="1" noChangeArrowheads="1" noChangeShapeType="1" noTextEdit="1"/>
-              </p:cNvSpPr>
-              <p:nvPr/>
-            </p:nvSpPr>
-            <p:spPr>
-              <a:xfrm>
-                <a:off x="612321" y="1690007"/>
-                <a:ext cx="11036838" cy="1563377"/>
-              </a:xfrm>
-              <a:prstGeom prst="rect">
-                <a:avLst/>
-              </a:prstGeom>
-              <a:blipFill>
-                <a:blip r:embed="rId3"/>
-                <a:stretch>
-                  <a:fillRect l="-442" t="-1556" b="-4280"/>
-                </a:stretch>
-              </a:blipFill>
-            </p:spPr>
-            <p:txBody>
-              <a:bodyPr/>
-              <a:lstStyle/>
-              <a:p>
-                <a:r>
-                  <a:rPr lang="en-US">
-                    <a:noFill/>
-                  </a:rPr>
-                  <a:t> </a:t>
-                </a:r>
-              </a:p>
-            </p:txBody>
-          </p:sp>
-        </mc:Fallback>
-      </mc:AlternateContent>
-      <p:sp>
-        <p:nvSpPr>
-          <p:cNvPr id="8" name="TextBox 7">
-            <a:extLst>
-              <a:ext uri="{FF2B5EF4-FFF2-40B4-BE49-F238E27FC236}">
-                <a16:creationId xmlns:a16="http://schemas.microsoft.com/office/drawing/2014/main" id="{A36DE2A6-5A47-A03B-3889-A9DC07AED353}"/>
-              </a:ext>
-            </a:extLst>
-          </p:cNvPr>
-          <p:cNvSpPr txBox="1"/>
-          <p:nvPr/>
-        </p:nvSpPr>
-        <p:spPr>
-          <a:xfrm>
-            <a:off x="726621" y="3722914"/>
-            <a:ext cx="10760529" cy="800219"/>
-          </a:xfrm>
-          <a:prstGeom prst="rect">
-            <a:avLst/>
-          </a:prstGeom>
-          <a:noFill/>
-        </p:spPr>
-        <p:txBody>
-          <a:bodyPr wrap="square" rtlCol="0">
-            <a:spAutoFit/>
-          </a:bodyPr>
-          <a:lstStyle/>
-          <a:p>
-            <a:pPr marL="285750" indent="-285750">
-              <a:buFont typeface="Arial" panose="020B0604020202020204" pitchFamily="34" charset="0"/>
-              <a:buChar char="•"/>
-            </a:pPr>
+              <a:t>Phase Damping on 2</a:t>
+            </a:r>
+            <a:r>
+              <a:rPr lang="en-US" baseline="30000" dirty="0"/>
+              <a:t>nd</a:t>
+            </a:r>
             <a:r>
               <a:rPr lang="en-US" dirty="0"/>
-              <a:t>Most Quantum Error Correcting Codes can be described using Stabilizer Formalism.</a:t>
-            </a:r>
-          </a:p>
-          <a:p>
-            <a:pPr marL="285750" indent="-285750">
-              <a:buFont typeface="Arial" panose="020B0604020202020204" pitchFamily="34" charset="0"/>
-              <a:buChar char="•"/>
-            </a:pPr>
-            <a:r>
-              <a:rPr lang="en-US" sz="2800" b="1" dirty="0"/>
-              <a:t>However, the question remains, which code to use?</a:t>
-            </a:r>
-          </a:p>
-        </p:txBody>
-      </p:sp>
-    </p:spTree>
-    <p:extLst>
-      <p:ext uri="{BB962C8B-B14F-4D97-AF65-F5344CB8AC3E}">
-        <p14:creationId xmlns:p14="http://schemas.microsoft.com/office/powerpoint/2010/main" val="3714028906"/>
-      </p:ext>
-    </p:extLst>
-  </p:cSld>
-  <p:clrMapOvr>
-    <a:masterClrMapping/>
-  </p:clrMapOvr>
-</p:sld>
-</file>
-
-<file path=ppt/slides/slide7.xml><?xml version="1.0" encoding="utf-8"?>
-<p:sld xmlns:a="http://schemas.openxmlformats.org/drawingml/2006/main" xmlns:r="http://schemas.openxmlformats.org/officeDocument/2006/relationships" xmlns:p="http://schemas.openxmlformats.org/presentationml/2006/main">
-  <p:cSld>
-    <p:spTree>
-      <p:nvGrpSpPr>
-        <p:cNvPr id="1" name=""/>
-        <p:cNvGrpSpPr/>
-        <p:nvPr/>
-      </p:nvGrpSpPr>
-      <p:grpSpPr>
-        <a:xfrm>
-          <a:off x="0" y="0"/>
-          <a:ext cx="0" cy="0"/>
-          <a:chOff x="0" y="0"/>
-          <a:chExt cx="0" cy="0"/>
-        </a:xfrm>
-      </p:grpSpPr>
-      <p:sp>
-        <p:nvSpPr>
-          <p:cNvPr id="2" name="Title 1">
-            <a:extLst>
-              <a:ext uri="{FF2B5EF4-FFF2-40B4-BE49-F238E27FC236}">
-                <a16:creationId xmlns:a16="http://schemas.microsoft.com/office/drawing/2014/main" id="{E4AD8231-D865-73FF-D1A0-7A07E8CB30E5}"/>
-              </a:ext>
-            </a:extLst>
-          </p:cNvPr>
-          <p:cNvSpPr>
-            <a:spLocks noGrp="1"/>
-          </p:cNvSpPr>
-          <p:nvPr>
-            <p:ph type="title"/>
-          </p:nvPr>
-        </p:nvSpPr>
-        <p:spPr/>
-        <p:txBody>
-          <a:bodyPr/>
-          <a:lstStyle/>
-          <a:p>
-            <a:r>
-              <a:rPr lang="en-US" dirty="0"/>
-              <a:t>Quantum Discord (QD)</a:t>
+              <a:t> Qubit (p=0.1)</a:t>
             </a:r>
           </a:p>
         </p:txBody>
@@ -10471,7 +12200,7 @@
               <p:cNvPr id="3" name="Content Placeholder 2">
                 <a:extLst>
                   <a:ext uri="{FF2B5EF4-FFF2-40B4-BE49-F238E27FC236}">
-                    <a16:creationId xmlns:a16="http://schemas.microsoft.com/office/drawing/2014/main" id="{2FBDA459-C823-9821-3E36-E6C1F82C2950}"/>
+                    <a16:creationId xmlns:a16="http://schemas.microsoft.com/office/drawing/2014/main" id="{97E0E24A-B9DB-34DB-A4AC-729BF1BFAA9F}"/>
                   </a:ext>
                 </a:extLst>
               </p:cNvPr>
@@ -10482,15 +12211,25 @@
                 <p:ph idx="1"/>
               </p:nvPr>
             </p:nvSpPr>
-            <p:spPr/>
+            <p:spPr>
+              <a:xfrm>
+                <a:off x="542839" y="1120747"/>
+                <a:ext cx="11106319" cy="1428292"/>
+              </a:xfrm>
+            </p:spPr>
             <p:txBody>
-              <a:bodyPr/>
+              <a:bodyPr>
+                <a:normAutofit/>
+              </a:bodyPr>
               <a:lstStyle/>
               <a:p>
                 <a:r>
                   <a:rPr lang="en-US" dirty="0"/>
-                  <a:t>Quantum Discord is defined as the difference between quantum and classical mutual information.</a:t>
+                  <a:t>We are applying phase damping on the first qubit of EPR state:</a:t>
                 </a:r>
+              </a:p>
+              <a:p>
+                <a:endParaRPr lang="en-US" sz="100" dirty="0"/>
               </a:p>
               <a:p>
                 <a:pPr marL="0" indent="0">
@@ -10502,12 +12241,91 @@
                       <m:jc m:val="centerGroup"/>
                     </m:oMathParaPr>
                     <m:oMath xmlns:m="http://schemas.openxmlformats.org/officeDocument/2006/math">
+                      <m:d>
+                        <m:dPr>
+                          <m:begChr m:val="|"/>
+                          <m:endChr m:val="⟩"/>
+                          <m:ctrlPr>
+                            <a:rPr lang="en-US" b="0" i="1" smtClean="0">
+                              <a:latin typeface="Cambria Math" panose="02040503050406030204" pitchFamily="18" charset="0"/>
+                            </a:rPr>
+                          </m:ctrlPr>
+                        </m:dPr>
+                        <m:e>
+                          <m:sSup>
+                            <m:sSupPr>
+                              <m:ctrlPr>
+                                <a:rPr lang="en-US" b="0" i="1" smtClean="0">
+                                  <a:latin typeface="Cambria Math" panose="02040503050406030204" pitchFamily="18" charset="0"/>
+                                </a:rPr>
+                              </m:ctrlPr>
+                            </m:sSupPr>
+                            <m:e>
+                              <m:r>
+                                <m:rPr>
+                                  <m:sty m:val="p"/>
+                                </m:rPr>
+                                <a:rPr lang="en-US" b="0" i="0" smtClean="0">
+                                  <a:latin typeface="Cambria Math" panose="02040503050406030204" pitchFamily="18" charset="0"/>
+                                </a:rPr>
+                                <m:t>Φ</m:t>
+                              </m:r>
+                            </m:e>
+                            <m:sup>
+                              <m:r>
+                                <a:rPr lang="en-US" b="0" i="1" smtClean="0">
+                                  <a:latin typeface="Cambria Math" panose="02040503050406030204" pitchFamily="18" charset="0"/>
+                                </a:rPr>
+                                <m:t>+</m:t>
+                              </m:r>
+                            </m:sup>
+                          </m:sSup>
+                        </m:e>
+                      </m:d>
                       <m:r>
                         <a:rPr lang="en-US" b="0" i="1" smtClean="0">
                           <a:latin typeface="Cambria Math" panose="02040503050406030204" pitchFamily="18" charset="0"/>
                         </a:rPr>
-                        <m:t>𝛿</m:t>
+                        <m:t>=</m:t>
                       </m:r>
+                      <m:f>
+                        <m:fPr>
+                          <m:ctrlPr>
+                            <a:rPr lang="en-US" b="0" i="1" smtClean="0">
+                              <a:latin typeface="Cambria Math" panose="02040503050406030204" pitchFamily="18" charset="0"/>
+                            </a:rPr>
+                          </m:ctrlPr>
+                        </m:fPr>
+                        <m:num>
+                          <m:r>
+                            <a:rPr lang="en-US" b="0" i="1" smtClean="0">
+                              <a:latin typeface="Cambria Math" panose="02040503050406030204" pitchFamily="18" charset="0"/>
+                            </a:rPr>
+                            <m:t>1</m:t>
+                          </m:r>
+                        </m:num>
+                        <m:den>
+                          <m:rad>
+                            <m:radPr>
+                              <m:degHide m:val="on"/>
+                              <m:ctrlPr>
+                                <a:rPr lang="en-US" b="0" i="1" smtClean="0">
+                                  <a:latin typeface="Cambria Math" panose="02040503050406030204" pitchFamily="18" charset="0"/>
+                                </a:rPr>
+                              </m:ctrlPr>
+                            </m:radPr>
+                            <m:deg/>
+                            <m:e>
+                              <m:r>
+                                <a:rPr lang="en-US" b="0" i="1" smtClean="0">
+                                  <a:latin typeface="Cambria Math" panose="02040503050406030204" pitchFamily="18" charset="0"/>
+                                </a:rPr>
+                                <m:t>2</m:t>
+                              </m:r>
+                            </m:e>
+                          </m:rad>
+                        </m:den>
+                      </m:f>
                       <m:d>
                         <m:dPr>
                           <m:ctrlPr>
@@ -10517,131 +12335,61 @@
                           </m:ctrlPr>
                         </m:dPr>
                         <m:e>
+                          <m:d>
+                            <m:dPr>
+                              <m:begChr m:val="|"/>
+                              <m:endChr m:val="⟩"/>
+                              <m:ctrlPr>
+                                <a:rPr lang="en-US" i="1">
+                                  <a:latin typeface="Cambria Math" panose="02040503050406030204" pitchFamily="18" charset="0"/>
+                                </a:rPr>
+                              </m:ctrlPr>
+                            </m:dPr>
+                            <m:e>
+                              <m:r>
+                                <a:rPr lang="en-US" b="0" i="1" smtClean="0">
+                                  <a:latin typeface="Cambria Math" panose="02040503050406030204" pitchFamily="18" charset="0"/>
+                                </a:rPr>
+                                <m:t>00</m:t>
+                              </m:r>
+                            </m:e>
+                          </m:d>
                           <m:r>
                             <a:rPr lang="en-US" b="0" i="1" smtClean="0">
                               <a:latin typeface="Cambria Math" panose="02040503050406030204" pitchFamily="18" charset="0"/>
                             </a:rPr>
-                            <m:t>𝐴</m:t>
+                            <m:t>+</m:t>
+                          </m:r>
+                          <m:r>
+                            <a:rPr lang="en-US" i="1">
+                              <a:latin typeface="Cambria Math" panose="02040503050406030204" pitchFamily="18" charset="0"/>
+                            </a:rPr>
+                            <m:t>|</m:t>
                           </m:r>
                           <m:r>
                             <a:rPr lang="en-US" b="0" i="1" smtClean="0">
                               <a:latin typeface="Cambria Math" panose="02040503050406030204" pitchFamily="18" charset="0"/>
                             </a:rPr>
-                            <m:t>:</m:t>
+                            <m:t>11</m:t>
                           </m:r>
                           <m:r>
-                            <a:rPr lang="en-US" b="0" i="1" smtClean="0">
+                            <a:rPr lang="en-US" i="1">
                               <a:latin typeface="Cambria Math" panose="02040503050406030204" pitchFamily="18" charset="0"/>
                             </a:rPr>
-                            <m:t>𝐵</m:t>
+                            <m:t>⟩</m:t>
                           </m:r>
                         </m:e>
                       </m:d>
-                      <m:r>
-                        <a:rPr lang="en-US" b="0" i="1" smtClean="0">
-                          <a:latin typeface="Cambria Math" panose="02040503050406030204" pitchFamily="18" charset="0"/>
-                        </a:rPr>
-                        <m:t>=</m:t>
-                      </m:r>
-                      <m:r>
-                        <a:rPr lang="en-US" b="0" i="1" smtClean="0">
-                          <a:latin typeface="Cambria Math" panose="02040503050406030204" pitchFamily="18" charset="0"/>
-                        </a:rPr>
-                        <m:t>𝐼</m:t>
-                      </m:r>
-                      <m:d>
-                        <m:dPr>
-                          <m:ctrlPr>
-                            <a:rPr lang="en-US" b="0" i="1" smtClean="0">
-                              <a:latin typeface="Cambria Math" panose="02040503050406030204" pitchFamily="18" charset="0"/>
-                            </a:rPr>
-                          </m:ctrlPr>
-                        </m:dPr>
-                        <m:e>
-                          <m:r>
-                            <a:rPr lang="en-US" b="0" i="1" smtClean="0">
-                              <a:latin typeface="Cambria Math" panose="02040503050406030204" pitchFamily="18" charset="0"/>
-                            </a:rPr>
-                            <m:t>𝐴</m:t>
-                          </m:r>
-                          <m:r>
-                            <a:rPr lang="en-US" b="0" i="1" smtClean="0">
-                              <a:latin typeface="Cambria Math" panose="02040503050406030204" pitchFamily="18" charset="0"/>
-                            </a:rPr>
-                            <m:t>:</m:t>
-                          </m:r>
-                          <m:r>
-                            <a:rPr lang="en-US" b="0" i="1" smtClean="0">
-                              <a:latin typeface="Cambria Math" panose="02040503050406030204" pitchFamily="18" charset="0"/>
-                            </a:rPr>
-                            <m:t>𝐵</m:t>
-                          </m:r>
-                        </m:e>
-                      </m:d>
-                      <m:r>
-                        <a:rPr lang="en-US" b="0" i="1" smtClean="0">
-                          <a:latin typeface="Cambria Math" panose="02040503050406030204" pitchFamily="18" charset="0"/>
-                        </a:rPr>
-                        <m:t>−</m:t>
-                      </m:r>
-                      <m:r>
-                        <a:rPr lang="en-US" b="0" i="1" smtClean="0">
-                          <a:latin typeface="Cambria Math" panose="02040503050406030204" pitchFamily="18" charset="0"/>
-                        </a:rPr>
-                        <m:t>𝐽</m:t>
-                      </m:r>
-                      <m:r>
-                        <a:rPr lang="en-US" b="0" i="1" smtClean="0">
-                          <a:latin typeface="Cambria Math" panose="02040503050406030204" pitchFamily="18" charset="0"/>
-                        </a:rPr>
-                        <m:t>(</m:t>
-                      </m:r>
-                      <m:r>
-                        <a:rPr lang="en-US" b="0" i="1" smtClean="0">
-                          <a:latin typeface="Cambria Math" panose="02040503050406030204" pitchFamily="18" charset="0"/>
-                        </a:rPr>
-                        <m:t>𝐴</m:t>
-                      </m:r>
-                      <m:r>
-                        <a:rPr lang="en-US" b="0" i="1" smtClean="0">
-                          <a:latin typeface="Cambria Math" panose="02040503050406030204" pitchFamily="18" charset="0"/>
-                        </a:rPr>
-                        <m:t>:</m:t>
-                      </m:r>
-                      <m:r>
-                        <a:rPr lang="en-US" b="0" i="1" smtClean="0">
-                          <a:latin typeface="Cambria Math" panose="02040503050406030204" pitchFamily="18" charset="0"/>
-                        </a:rPr>
-                        <m:t>𝐵</m:t>
-                      </m:r>
-                      <m:r>
-                        <a:rPr lang="en-US" b="0" i="1" smtClean="0">
-                          <a:latin typeface="Cambria Math" panose="02040503050406030204" pitchFamily="18" charset="0"/>
-                        </a:rPr>
-                        <m:t>)</m:t>
-                      </m:r>
                     </m:oMath>
                   </m:oMathPara>
                 </a14:m>
                 <a:endParaRPr lang="en-US" dirty="0"/>
               </a:p>
               <a:p>
-                <a:r>
-                  <a:rPr lang="en-US" dirty="0"/>
-                  <a:t>Quantum discord measures the amount of non-classical correlations in a quantum system. It captures quantum correlations arising from the disturbance caused by local measurements on one part of the system.</a:t>
-                </a:r>
-              </a:p>
-              <a:p>
-                <a:r>
-                  <a:rPr lang="en-US" dirty="0"/>
-                  <a:t>Unlike entanglement, quantum discord can be non-zero even in separable (non-entangled) states. Zero discord implies the system is classically correlated.</a:t>
-                </a:r>
-              </a:p>
-              <a:p>
-                <a:r>
-                  <a:rPr lang="en-US" dirty="0"/>
-                  <a:t>Discord is asymmetric.</a:t>
-                </a:r>
+                <a:pPr marL="0" indent="0">
+                  <a:buNone/>
+                </a:pPr>
+                <a:endParaRPr lang="en-US" dirty="0"/>
               </a:p>
             </p:txBody>
           </p:sp>
@@ -10652,7 +12400,7 @@
               <p:cNvPr id="3" name="Content Placeholder 2">
                 <a:extLst>
                   <a:ext uri="{FF2B5EF4-FFF2-40B4-BE49-F238E27FC236}">
-                    <a16:creationId xmlns:a16="http://schemas.microsoft.com/office/drawing/2014/main" id="{2FBDA459-C823-9821-3E36-E6C1F82C2950}"/>
+                    <a16:creationId xmlns:a16="http://schemas.microsoft.com/office/drawing/2014/main" id="{97E0E24A-B9DB-34DB-A4AC-729BF1BFAA9F}"/>
                   </a:ext>
                 </a:extLst>
               </p:cNvPr>
@@ -10664,10 +12412,14 @@
               </p:nvPr>
             </p:nvSpPr>
             <p:spPr>
+              <a:xfrm>
+                <a:off x="542839" y="1120747"/>
+                <a:ext cx="11106319" cy="1428292"/>
+              </a:xfrm>
               <a:blipFill>
                 <a:blip r:embed="rId2"/>
                 <a:stretch>
-                  <a:fillRect l="-714" t="-1568" r="-878"/>
+                  <a:fillRect l="-714" t="-5556"/>
                 </a:stretch>
               </a:blipFill>
             </p:spPr>
@@ -10691,7 +12443,7 @@
           <p:cNvPr id="4" name="Footer Placeholder 3">
             <a:extLst>
               <a:ext uri="{FF2B5EF4-FFF2-40B4-BE49-F238E27FC236}">
-                <a16:creationId xmlns:a16="http://schemas.microsoft.com/office/drawing/2014/main" id="{EFED1BA6-716F-0F62-7C44-E8C21DDB1D03}"/>
+                <a16:creationId xmlns:a16="http://schemas.microsoft.com/office/drawing/2014/main" id="{23CDC6ED-A8C8-DC04-B143-A45C5BD3EB1C}"/>
               </a:ext>
             </a:extLst>
           </p:cNvPr>
@@ -10715,10 +12467,300 @@
           </a:p>
         </p:txBody>
       </p:sp>
+      <p:pic>
+        <p:nvPicPr>
+          <p:cNvPr id="3078" name="Picture 6">
+            <a:extLst>
+              <a:ext uri="{FF2B5EF4-FFF2-40B4-BE49-F238E27FC236}">
+                <a16:creationId xmlns:a16="http://schemas.microsoft.com/office/drawing/2014/main" id="{3850A522-D2FB-C933-8C5A-2FF5353CCC39}"/>
+              </a:ext>
+            </a:extLst>
+          </p:cNvPr>
+          <p:cNvPicPr>
+            <a:picLocks noChangeAspect="1" noChangeArrowheads="1"/>
+          </p:cNvPicPr>
+          <p:nvPr/>
+        </p:nvPicPr>
+        <p:blipFill>
+          <a:blip r:embed="rId3">
+            <a:extLst>
+              <a:ext uri="{28A0092B-C50C-407E-A947-70E740481C1C}">
+                <a14:useLocalDpi xmlns:a14="http://schemas.microsoft.com/office/drawing/2010/main" val="0"/>
+              </a:ext>
+            </a:extLst>
+          </a:blip>
+          <a:srcRect/>
+          <a:stretch>
+            <a:fillRect/>
+          </a:stretch>
+        </p:blipFill>
+        <p:spPr bwMode="auto">
+          <a:xfrm>
+            <a:off x="1630133" y="2549039"/>
+            <a:ext cx="3135188" cy="3210735"/>
+          </a:xfrm>
+          <a:prstGeom prst="rect">
+            <a:avLst/>
+          </a:prstGeom>
+          <a:noFill/>
+          <a:extLst>
+            <a:ext uri="{909E8E84-426E-40DD-AFC4-6F175D3DCCD1}">
+              <a14:hiddenFill xmlns:a14="http://schemas.microsoft.com/office/drawing/2010/main">
+                <a:solidFill>
+                  <a:srgbClr val="FFFFFF"/>
+                </a:solidFill>
+              </a14:hiddenFill>
+            </a:ext>
+          </a:extLst>
+        </p:spPr>
+      </p:pic>
+      <p:pic>
+        <p:nvPicPr>
+          <p:cNvPr id="1026" name="Picture 2">
+            <a:extLst>
+              <a:ext uri="{FF2B5EF4-FFF2-40B4-BE49-F238E27FC236}">
+                <a16:creationId xmlns:a16="http://schemas.microsoft.com/office/drawing/2014/main" id="{A4468D7B-C7CD-FCCE-FB0F-3FFBE3FF8ECB}"/>
+              </a:ext>
+            </a:extLst>
+          </p:cNvPr>
+          <p:cNvPicPr>
+            <a:picLocks noChangeAspect="1" noChangeArrowheads="1"/>
+          </p:cNvPicPr>
+          <p:nvPr/>
+        </p:nvPicPr>
+        <p:blipFill>
+          <a:blip r:embed="rId4">
+            <a:extLst>
+              <a:ext uri="{28A0092B-C50C-407E-A947-70E740481C1C}">
+                <a14:useLocalDpi xmlns:a14="http://schemas.microsoft.com/office/drawing/2010/main" val="0"/>
+              </a:ext>
+            </a:extLst>
+          </a:blip>
+          <a:srcRect/>
+          <a:stretch>
+            <a:fillRect/>
+          </a:stretch>
+        </p:blipFill>
+        <p:spPr bwMode="auto">
+          <a:xfrm>
+            <a:off x="6764866" y="2469476"/>
+            <a:ext cx="3287183" cy="3352927"/>
+          </a:xfrm>
+          <a:prstGeom prst="rect">
+            <a:avLst/>
+          </a:prstGeom>
+          <a:noFill/>
+          <a:extLst>
+            <a:ext uri="{909E8E84-426E-40DD-AFC4-6F175D3DCCD1}">
+              <a14:hiddenFill xmlns:a14="http://schemas.microsoft.com/office/drawing/2010/main">
+                <a:solidFill>
+                  <a:srgbClr val="FFFFFF"/>
+                </a:solidFill>
+              </a14:hiddenFill>
+            </a:ext>
+          </a:extLst>
+        </p:spPr>
+      </p:pic>
     </p:spTree>
     <p:extLst>
       <p:ext uri="{BB962C8B-B14F-4D97-AF65-F5344CB8AC3E}">
-        <p14:creationId xmlns:p14="http://schemas.microsoft.com/office/powerpoint/2010/main" val="3707972811"/>
+        <p14:creationId xmlns:p14="http://schemas.microsoft.com/office/powerpoint/2010/main" val="668458671"/>
+      </p:ext>
+    </p:extLst>
+  </p:cSld>
+  <p:clrMapOvr>
+    <a:masterClrMapping/>
+  </p:clrMapOvr>
+</p:sld>
+</file>
+
+<file path=ppt/slides/slide7.xml><?xml version="1.0" encoding="utf-8"?>
+<p:sld xmlns:a="http://schemas.openxmlformats.org/drawingml/2006/main" xmlns:r="http://schemas.openxmlformats.org/officeDocument/2006/relationships" xmlns:p="http://schemas.openxmlformats.org/presentationml/2006/main">
+  <p:cSld>
+    <p:spTree>
+      <p:nvGrpSpPr>
+        <p:cNvPr id="1" name="">
+          <a:extLst>
+            <a:ext uri="{FF2B5EF4-FFF2-40B4-BE49-F238E27FC236}">
+              <a16:creationId xmlns:a16="http://schemas.microsoft.com/office/drawing/2014/main" id="{349341F6-6DAF-FDEF-5AB4-376FEF04250E}"/>
+            </a:ext>
+          </a:extLst>
+        </p:cNvPr>
+        <p:cNvGrpSpPr/>
+        <p:nvPr/>
+      </p:nvGrpSpPr>
+      <p:grpSpPr>
+        <a:xfrm>
+          <a:off x="0" y="0"/>
+          <a:ext cx="0" cy="0"/>
+          <a:chOff x="0" y="0"/>
+          <a:chExt cx="0" cy="0"/>
+        </a:xfrm>
+      </p:grpSpPr>
+      <p:sp>
+        <p:nvSpPr>
+          <p:cNvPr id="2" name="Title 1">
+            <a:extLst>
+              <a:ext uri="{FF2B5EF4-FFF2-40B4-BE49-F238E27FC236}">
+                <a16:creationId xmlns:a16="http://schemas.microsoft.com/office/drawing/2014/main" id="{ABFF2BB0-B188-1E64-9177-B2A311000A9D}"/>
+              </a:ext>
+            </a:extLst>
+          </p:cNvPr>
+          <p:cNvSpPr>
+            <a:spLocks noGrp="1"/>
+          </p:cNvSpPr>
+          <p:nvPr>
+            <p:ph type="title"/>
+          </p:nvPr>
+        </p:nvSpPr>
+        <p:spPr/>
+        <p:txBody>
+          <a:bodyPr>
+            <a:noAutofit/>
+          </a:bodyPr>
+          <a:lstStyle/>
+          <a:p>
+            <a:r>
+              <a:rPr lang="en-US" sz="2800" dirty="0"/>
+              <a:t>Amplitude Damping on 1</a:t>
+            </a:r>
+            <a:r>
+              <a:rPr lang="en-US" sz="2800" baseline="30000" dirty="0"/>
+              <a:t>st</a:t>
+            </a:r>
+            <a:r>
+              <a:rPr lang="en-US" sz="2800" dirty="0"/>
+              <a:t> qubit, Phase Damping on 2</a:t>
+            </a:r>
+            <a:r>
+              <a:rPr lang="en-US" sz="2800" baseline="30000" dirty="0"/>
+              <a:t>nd</a:t>
+            </a:r>
+            <a:r>
+              <a:rPr lang="en-US" sz="2800" dirty="0"/>
+              <a:t> Qubit</a:t>
+            </a:r>
+          </a:p>
+        </p:txBody>
+      </p:sp>
+      <p:sp>
+        <p:nvSpPr>
+          <p:cNvPr id="3" name="Content Placeholder 2">
+            <a:extLst>
+              <a:ext uri="{FF2B5EF4-FFF2-40B4-BE49-F238E27FC236}">
+                <a16:creationId xmlns:a16="http://schemas.microsoft.com/office/drawing/2014/main" id="{41B0F80D-C82E-817D-FDEE-FE17AC155EC4}"/>
+              </a:ext>
+            </a:extLst>
+          </p:cNvPr>
+          <p:cNvSpPr>
+            <a:spLocks noGrp="1"/>
+          </p:cNvSpPr>
+          <p:nvPr>
+            <p:ph idx="1"/>
+          </p:nvPr>
+        </p:nvSpPr>
+        <p:spPr>
+          <a:xfrm>
+            <a:off x="542839" y="1120747"/>
+            <a:ext cx="11106319" cy="56120"/>
+          </a:xfrm>
+        </p:spPr>
+        <p:txBody>
+          <a:bodyPr>
+            <a:normAutofit fontScale="25000" lnSpcReduction="20000"/>
+          </a:bodyPr>
+          <a:lstStyle/>
+          <a:p>
+            <a:pPr marL="0" indent="0">
+              <a:buNone/>
+            </a:pPr>
+            <a:r>
+              <a:rPr lang="en-US" dirty="0"/>
+              <a:t> </a:t>
+            </a:r>
+          </a:p>
+        </p:txBody>
+      </p:sp>
+      <p:sp>
+        <p:nvSpPr>
+          <p:cNvPr id="4" name="Footer Placeholder 3">
+            <a:extLst>
+              <a:ext uri="{FF2B5EF4-FFF2-40B4-BE49-F238E27FC236}">
+                <a16:creationId xmlns:a16="http://schemas.microsoft.com/office/drawing/2014/main" id="{D081F78B-03FD-C7E2-974E-AEA4C14BA891}"/>
+              </a:ext>
+            </a:extLst>
+          </p:cNvPr>
+          <p:cNvSpPr>
+            <a:spLocks noGrp="1"/>
+          </p:cNvSpPr>
+          <p:nvPr>
+            <p:ph type="ftr" sz="quarter" idx="11"/>
+          </p:nvPr>
+        </p:nvSpPr>
+        <p:spPr/>
+        <p:txBody>
+          <a:bodyPr/>
+          <a:lstStyle/>
+          <a:p>
+            <a:r>
+              <a:rPr lang="en-US"/>
+              <a:t>All Rights Reserved</a:t>
+            </a:r>
+            <a:endParaRPr lang="en-US" dirty="0"/>
+          </a:p>
+        </p:txBody>
+      </p:sp>
+      <p:pic>
+        <p:nvPicPr>
+          <p:cNvPr id="1028" name="Picture 4">
+            <a:extLst>
+              <a:ext uri="{FF2B5EF4-FFF2-40B4-BE49-F238E27FC236}">
+                <a16:creationId xmlns:a16="http://schemas.microsoft.com/office/drawing/2014/main" id="{BABDBB57-411E-7F37-3DC6-22EEA8277A21}"/>
+              </a:ext>
+            </a:extLst>
+          </p:cNvPr>
+          <p:cNvPicPr>
+            <a:picLocks noChangeAspect="1" noChangeArrowheads="1"/>
+          </p:cNvPicPr>
+          <p:nvPr/>
+        </p:nvPicPr>
+        <p:blipFill>
+          <a:blip r:embed="rId2">
+            <a:extLst>
+              <a:ext uri="{28A0092B-C50C-407E-A947-70E740481C1C}">
+                <a14:useLocalDpi xmlns:a14="http://schemas.microsoft.com/office/drawing/2010/main" val="0"/>
+              </a:ext>
+            </a:extLst>
+          </a:blip>
+          <a:srcRect/>
+          <a:stretch>
+            <a:fillRect/>
+          </a:stretch>
+        </p:blipFill>
+        <p:spPr bwMode="auto">
+          <a:xfrm>
+            <a:off x="3448050" y="1000125"/>
+            <a:ext cx="5295900" cy="4857750"/>
+          </a:xfrm>
+          <a:prstGeom prst="rect">
+            <a:avLst/>
+          </a:prstGeom>
+          <a:noFill/>
+          <a:extLst>
+            <a:ext uri="{909E8E84-426E-40DD-AFC4-6F175D3DCCD1}">
+              <a14:hiddenFill xmlns:a14="http://schemas.microsoft.com/office/drawing/2010/main">
+                <a:solidFill>
+                  <a:srgbClr val="FFFFFF"/>
+                </a:solidFill>
+              </a14:hiddenFill>
+            </a:ext>
+          </a:extLst>
+        </p:spPr>
+      </p:pic>
+    </p:spTree>
+    <p:extLst>
+      <p:ext uri="{BB962C8B-B14F-4D97-AF65-F5344CB8AC3E}">
+        <p14:creationId xmlns:p14="http://schemas.microsoft.com/office/powerpoint/2010/main" val="1860541831"/>
       </p:ext>
     </p:extLst>
   </p:cSld>
@@ -10733,7 +12775,13 @@
   <p:cSld>
     <p:spTree>
       <p:nvGrpSpPr>
-        <p:cNvPr id="1" name=""/>
+        <p:cNvPr id="1" name="">
+          <a:extLst>
+            <a:ext uri="{FF2B5EF4-FFF2-40B4-BE49-F238E27FC236}">
+              <a16:creationId xmlns:a16="http://schemas.microsoft.com/office/drawing/2014/main" id="{55FEEBFD-10F3-05F3-FD8A-F2F6F46C95AD}"/>
+            </a:ext>
+          </a:extLst>
+        </p:cNvPr>
         <p:cNvGrpSpPr/>
         <p:nvPr/>
       </p:nvGrpSpPr>
@@ -10750,7 +12798,7 @@
           <p:cNvPr id="2" name="Title 1">
             <a:extLst>
               <a:ext uri="{FF2B5EF4-FFF2-40B4-BE49-F238E27FC236}">
-                <a16:creationId xmlns:a16="http://schemas.microsoft.com/office/drawing/2014/main" id="{6FBD0F23-8483-E7C1-B222-83AA9A8FA5BC}"/>
+                <a16:creationId xmlns:a16="http://schemas.microsoft.com/office/drawing/2014/main" id="{65048576-7EE2-E45B-74DC-26390E461D85}"/>
               </a:ext>
             </a:extLst>
           </p:cNvPr>
@@ -10763,583 +12811,78 @@
         </p:nvSpPr>
         <p:spPr/>
         <p:txBody>
-          <a:bodyPr/>
+          <a:bodyPr>
+            <a:noAutofit/>
+          </a:bodyPr>
           <a:lstStyle/>
           <a:p>
             <a:r>
-              <a:rPr lang="en-US" dirty="0"/>
-              <a:t>Entanglement of Formation (</a:t>
-            </a:r>
-            <a:r>
-              <a:rPr lang="en-US" dirty="0" err="1"/>
-              <a:t>EoF</a:t>
-            </a:r>
-            <a:r>
-              <a:rPr lang="en-US" dirty="0"/>
-              <a:t>)</a:t>
+              <a:rPr lang="en-US" sz="2800" dirty="0"/>
+              <a:t>Amplitude Damping on 1</a:t>
+            </a:r>
+            <a:r>
+              <a:rPr lang="en-US" sz="2800" baseline="30000" dirty="0"/>
+              <a:t>st</a:t>
+            </a:r>
+            <a:r>
+              <a:rPr lang="en-US" sz="2800" dirty="0"/>
+              <a:t> qubit, Phase Damping on 2</a:t>
+            </a:r>
+            <a:r>
+              <a:rPr lang="en-US" sz="2800" baseline="30000" dirty="0"/>
+              <a:t>nd</a:t>
+            </a:r>
+            <a:r>
+              <a:rPr lang="en-US" sz="2800" dirty="0"/>
+              <a:t> Qubit</a:t>
             </a:r>
           </a:p>
         </p:txBody>
       </p:sp>
-      <mc:AlternateContent xmlns:mc="http://schemas.openxmlformats.org/markup-compatibility/2006">
-        <mc:Choice xmlns:a14="http://schemas.microsoft.com/office/drawing/2010/main" Requires="a14">
-          <p:sp>
-            <p:nvSpPr>
-              <p:cNvPr id="3" name="Content Placeholder 2">
-                <a:extLst>
-                  <a:ext uri="{FF2B5EF4-FFF2-40B4-BE49-F238E27FC236}">
-                    <a16:creationId xmlns:a16="http://schemas.microsoft.com/office/drawing/2014/main" id="{8BFFEDBE-BA1B-57FD-11E4-6536AC98343D}"/>
-                  </a:ext>
-                </a:extLst>
-              </p:cNvPr>
-              <p:cNvSpPr>
-                <a:spLocks noGrp="1"/>
-              </p:cNvSpPr>
-              <p:nvPr>
-                <p:ph idx="1"/>
-              </p:nvPr>
-            </p:nvSpPr>
-            <p:spPr/>
-            <p:txBody>
-              <a:bodyPr/>
-              <a:lstStyle/>
-              <a:p>
-                <a:r>
-                  <a:rPr lang="en-US" dirty="0"/>
-                  <a:t>Entanglement of Formation quantifies the amount of entanglement needed to create a given quantum state using pure entangled states.</a:t>
-                </a:r>
-              </a:p>
-              <a:p>
-                <a:r>
-                  <a:rPr lang="en-US" dirty="0"/>
-                  <a:t>Given a density matrix </a:t>
-                </a:r>
-                <a14:m>
-                  <m:oMath xmlns:m="http://schemas.openxmlformats.org/officeDocument/2006/math">
-                    <m:r>
-                      <a:rPr lang="en-US" b="0" i="1" smtClean="0">
-                        <a:latin typeface="Cambria Math" panose="02040503050406030204" pitchFamily="18" charset="0"/>
-                      </a:rPr>
-                      <m:t>𝜌</m:t>
-                    </m:r>
-                    <m:r>
-                      <a:rPr lang="en-US" b="0" i="1" smtClean="0">
-                        <a:latin typeface="Cambria Math" panose="02040503050406030204" pitchFamily="18" charset="0"/>
-                      </a:rPr>
-                      <m:t>=</m:t>
-                    </m:r>
-                    <m:nary>
-                      <m:naryPr>
-                        <m:chr m:val="∑"/>
-                        <m:supHide m:val="on"/>
-                        <m:ctrlPr>
-                          <a:rPr lang="en-US" b="0" i="1" smtClean="0">
-                            <a:latin typeface="Cambria Math" panose="02040503050406030204" pitchFamily="18" charset="0"/>
-                          </a:rPr>
-                        </m:ctrlPr>
-                      </m:naryPr>
-                      <m:sub>
-                        <m:r>
-                          <a:rPr lang="en-US" b="0" i="1" smtClean="0">
-                            <a:latin typeface="Cambria Math" panose="02040503050406030204" pitchFamily="18" charset="0"/>
-                          </a:rPr>
-                          <m:t>𝑖</m:t>
-                        </m:r>
-                      </m:sub>
-                      <m:sup/>
-                      <m:e>
-                        <m:sSub>
-                          <m:sSubPr>
-                            <m:ctrlPr>
-                              <a:rPr lang="en-US" b="0" i="1" smtClean="0">
-                                <a:latin typeface="Cambria Math" panose="02040503050406030204" pitchFamily="18" charset="0"/>
-                              </a:rPr>
-                            </m:ctrlPr>
-                          </m:sSubPr>
-                          <m:e>
-                            <m:r>
-                              <a:rPr lang="en-US" b="0" i="1" smtClean="0">
-                                <a:latin typeface="Cambria Math" panose="02040503050406030204" pitchFamily="18" charset="0"/>
-                              </a:rPr>
-                              <m:t>𝑝</m:t>
-                            </m:r>
-                          </m:e>
-                          <m:sub>
-                            <m:r>
-                              <a:rPr lang="en-US" b="0" i="1" smtClean="0">
-                                <a:latin typeface="Cambria Math" panose="02040503050406030204" pitchFamily="18" charset="0"/>
-                              </a:rPr>
-                              <m:t>𝑖</m:t>
-                            </m:r>
-                          </m:sub>
-                        </m:sSub>
-                        <m:r>
-                          <a:rPr lang="en-US" b="0" i="1" smtClean="0">
-                            <a:latin typeface="Cambria Math" panose="02040503050406030204" pitchFamily="18" charset="0"/>
-                          </a:rPr>
-                          <m:t>|</m:t>
-                        </m:r>
-                        <m:sSub>
-                          <m:sSubPr>
-                            <m:ctrlPr>
-                              <a:rPr lang="en-US" b="0" i="1" smtClean="0">
-                                <a:latin typeface="Cambria Math" panose="02040503050406030204" pitchFamily="18" charset="0"/>
-                              </a:rPr>
-                            </m:ctrlPr>
-                          </m:sSubPr>
-                          <m:e>
-                            <m:r>
-                              <a:rPr lang="en-US" b="0" i="1" smtClean="0">
-                                <a:latin typeface="Cambria Math" panose="02040503050406030204" pitchFamily="18" charset="0"/>
-                              </a:rPr>
-                              <m:t>𝜓</m:t>
-                            </m:r>
-                          </m:e>
-                          <m:sub>
-                            <m:r>
-                              <a:rPr lang="en-US" b="0" i="1" smtClean="0">
-                                <a:latin typeface="Cambria Math" panose="02040503050406030204" pitchFamily="18" charset="0"/>
-                              </a:rPr>
-                              <m:t>𝑖</m:t>
-                            </m:r>
-                          </m:sub>
-                        </m:sSub>
-                        <m:r>
-                          <a:rPr lang="en-US" b="0" i="1" smtClean="0">
-                            <a:latin typeface="Cambria Math" panose="02040503050406030204" pitchFamily="18" charset="0"/>
-                          </a:rPr>
-                          <m:t>⟩⟨</m:t>
-                        </m:r>
-                        <m:sSub>
-                          <m:sSubPr>
-                            <m:ctrlPr>
-                              <a:rPr lang="en-US" b="0" i="1" smtClean="0">
-                                <a:latin typeface="Cambria Math" panose="02040503050406030204" pitchFamily="18" charset="0"/>
-                              </a:rPr>
-                            </m:ctrlPr>
-                          </m:sSubPr>
-                          <m:e>
-                            <m:r>
-                              <a:rPr lang="en-US" b="0" i="1" smtClean="0">
-                                <a:latin typeface="Cambria Math" panose="02040503050406030204" pitchFamily="18" charset="0"/>
-                              </a:rPr>
-                              <m:t>𝜓</m:t>
-                            </m:r>
-                          </m:e>
-                          <m:sub>
-                            <m:r>
-                              <a:rPr lang="en-US" b="0" i="1" smtClean="0">
-                                <a:latin typeface="Cambria Math" panose="02040503050406030204" pitchFamily="18" charset="0"/>
-                              </a:rPr>
-                              <m:t>𝑖</m:t>
-                            </m:r>
-                          </m:sub>
-                        </m:sSub>
-                        <m:r>
-                          <a:rPr lang="en-US" b="0" i="1" smtClean="0">
-                            <a:latin typeface="Cambria Math" panose="02040503050406030204" pitchFamily="18" charset="0"/>
-                          </a:rPr>
-                          <m:t>|</m:t>
-                        </m:r>
-                      </m:e>
-                    </m:nary>
-                  </m:oMath>
-                </a14:m>
-                <a:r>
-                  <a:rPr lang="en-US" dirty="0"/>
-                  <a:t>, we can define </a:t>
-                </a:r>
-                <a:r>
-                  <a:rPr lang="en-US" dirty="0" err="1"/>
-                  <a:t>EoF</a:t>
-                </a:r>
-                <a:r>
-                  <a:rPr lang="en-US" dirty="0"/>
-                  <a:t> as,</a:t>
-                </a:r>
-              </a:p>
-              <a:p>
-                <a:pPr marL="0" indent="0">
-                  <a:buNone/>
-                </a:pPr>
-                <a14:m>
-                  <m:oMathPara xmlns:m="http://schemas.openxmlformats.org/officeDocument/2006/math">
-                    <m:oMathParaPr>
-                      <m:jc m:val="centerGroup"/>
-                    </m:oMathParaPr>
-                    <m:oMath xmlns:m="http://schemas.openxmlformats.org/officeDocument/2006/math">
-                      <m:sSub>
-                        <m:sSubPr>
-                          <m:ctrlPr>
-                            <a:rPr lang="en-US" b="0" i="1" smtClean="0">
-                              <a:latin typeface="Cambria Math" panose="02040503050406030204" pitchFamily="18" charset="0"/>
-                            </a:rPr>
-                          </m:ctrlPr>
-                        </m:sSubPr>
-                        <m:e>
-                          <m:r>
-                            <a:rPr lang="en-US" b="0" i="1" smtClean="0">
-                              <a:latin typeface="Cambria Math" panose="02040503050406030204" pitchFamily="18" charset="0"/>
-                            </a:rPr>
-                            <m:t>𝐸</m:t>
-                          </m:r>
-                        </m:e>
-                        <m:sub>
-                          <m:r>
-                            <a:rPr lang="en-US" b="0" i="1" smtClean="0">
-                              <a:latin typeface="Cambria Math" panose="02040503050406030204" pitchFamily="18" charset="0"/>
-                            </a:rPr>
-                            <m:t>𝑓</m:t>
-                          </m:r>
-                        </m:sub>
-                      </m:sSub>
-                      <m:r>
-                        <a:rPr lang="en-US" b="0" i="1" smtClean="0">
-                          <a:latin typeface="Cambria Math" panose="02040503050406030204" pitchFamily="18" charset="0"/>
-                        </a:rPr>
-                        <m:t>=</m:t>
-                      </m:r>
-                      <m:func>
-                        <m:funcPr>
-                          <m:ctrlPr>
-                            <a:rPr lang="en-US" b="0" i="1" smtClean="0">
-                              <a:latin typeface="Cambria Math" panose="02040503050406030204" pitchFamily="18" charset="0"/>
-                            </a:rPr>
-                          </m:ctrlPr>
-                        </m:funcPr>
-                        <m:fName>
-                          <m:r>
-                            <m:rPr>
-                              <m:sty m:val="p"/>
-                            </m:rPr>
-                            <a:rPr lang="en-US" b="0" i="0" smtClean="0">
-                              <a:latin typeface="Cambria Math" panose="02040503050406030204" pitchFamily="18" charset="0"/>
-                            </a:rPr>
-                            <m:t>min</m:t>
-                          </m:r>
-                        </m:fName>
-                        <m:e>
-                          <m:nary>
-                            <m:naryPr>
-                              <m:chr m:val="∑"/>
-                              <m:supHide m:val="on"/>
-                              <m:ctrlPr>
-                                <a:rPr lang="en-US" b="0" i="1" smtClean="0">
-                                  <a:latin typeface="Cambria Math" panose="02040503050406030204" pitchFamily="18" charset="0"/>
-                                </a:rPr>
-                              </m:ctrlPr>
-                            </m:naryPr>
-                            <m:sub>
-                              <m:r>
-                                <a:rPr lang="en-US" b="0" i="1" smtClean="0">
-                                  <a:latin typeface="Cambria Math" panose="02040503050406030204" pitchFamily="18" charset="0"/>
-                                </a:rPr>
-                                <m:t>𝑖</m:t>
-                              </m:r>
-                            </m:sub>
-                            <m:sup/>
-                            <m:e>
-                              <m:sSub>
-                                <m:sSubPr>
-                                  <m:ctrlPr>
-                                    <a:rPr lang="en-US" b="0" i="1" smtClean="0">
-                                      <a:latin typeface="Cambria Math" panose="02040503050406030204" pitchFamily="18" charset="0"/>
-                                    </a:rPr>
-                                  </m:ctrlPr>
-                                </m:sSubPr>
-                                <m:e>
-                                  <m:r>
-                                    <a:rPr lang="en-US" b="0" i="1" smtClean="0">
-                                      <a:latin typeface="Cambria Math" panose="02040503050406030204" pitchFamily="18" charset="0"/>
-                                    </a:rPr>
-                                    <m:t>𝑝</m:t>
-                                  </m:r>
-                                </m:e>
-                                <m:sub>
-                                  <m:r>
-                                    <a:rPr lang="en-US" b="0" i="1" smtClean="0">
-                                      <a:latin typeface="Cambria Math" panose="02040503050406030204" pitchFamily="18" charset="0"/>
-                                    </a:rPr>
-                                    <m:t>𝑖</m:t>
-                                  </m:r>
-                                </m:sub>
-                              </m:sSub>
-                              <m:r>
-                                <a:rPr lang="en-US" b="0" i="1" smtClean="0">
-                                  <a:latin typeface="Cambria Math" panose="02040503050406030204" pitchFamily="18" charset="0"/>
-                                </a:rPr>
-                                <m:t>𝑆</m:t>
-                              </m:r>
-                              <m:r>
-                                <a:rPr lang="en-US" b="0" i="1" smtClean="0">
-                                  <a:latin typeface="Cambria Math" panose="02040503050406030204" pitchFamily="18" charset="0"/>
-                                </a:rPr>
-                                <m:t>(</m:t>
-                              </m:r>
-                              <m:r>
-                                <a:rPr lang="en-US" b="0" i="1" smtClean="0">
-                                  <a:latin typeface="Cambria Math" panose="02040503050406030204" pitchFamily="18" charset="0"/>
-                                </a:rPr>
-                                <m:t>𝑇</m:t>
-                              </m:r>
-                              <m:sSub>
-                                <m:sSubPr>
-                                  <m:ctrlPr>
-                                    <a:rPr lang="en-US" b="0" i="1" smtClean="0">
-                                      <a:latin typeface="Cambria Math" panose="02040503050406030204" pitchFamily="18" charset="0"/>
-                                    </a:rPr>
-                                  </m:ctrlPr>
-                                </m:sSubPr>
-                                <m:e>
-                                  <m:r>
-                                    <a:rPr lang="en-US" b="0" i="1" smtClean="0">
-                                      <a:latin typeface="Cambria Math" panose="02040503050406030204" pitchFamily="18" charset="0"/>
-                                    </a:rPr>
-                                    <m:t>𝑟</m:t>
-                                  </m:r>
-                                </m:e>
-                                <m:sub>
-                                  <m:r>
-                                    <a:rPr lang="en-US" b="0" i="1" smtClean="0">
-                                      <a:latin typeface="Cambria Math" panose="02040503050406030204" pitchFamily="18" charset="0"/>
-                                    </a:rPr>
-                                    <m:t>𝐵</m:t>
-                                  </m:r>
-                                </m:sub>
-                              </m:sSub>
-                            </m:e>
-                          </m:nary>
-                          <m:r>
-                            <a:rPr lang="en-US" i="1">
-                              <a:latin typeface="Cambria Math" panose="02040503050406030204" pitchFamily="18" charset="0"/>
-                            </a:rPr>
-                            <m:t>|</m:t>
-                          </m:r>
-                          <m:sSub>
-                            <m:sSubPr>
-                              <m:ctrlPr>
-                                <a:rPr lang="en-US" i="1">
-                                  <a:latin typeface="Cambria Math" panose="02040503050406030204" pitchFamily="18" charset="0"/>
-                                </a:rPr>
-                              </m:ctrlPr>
-                            </m:sSubPr>
-                            <m:e>
-                              <m:r>
-                                <a:rPr lang="en-US" i="1">
-                                  <a:latin typeface="Cambria Math" panose="02040503050406030204" pitchFamily="18" charset="0"/>
-                                </a:rPr>
-                                <m:t>𝜓</m:t>
-                              </m:r>
-                            </m:e>
-                            <m:sub>
-                              <m:r>
-                                <a:rPr lang="en-US" i="1">
-                                  <a:latin typeface="Cambria Math" panose="02040503050406030204" pitchFamily="18" charset="0"/>
-                                </a:rPr>
-                                <m:t>𝑖</m:t>
-                              </m:r>
-                            </m:sub>
-                          </m:sSub>
-                          <m:r>
-                            <a:rPr lang="en-US" i="1">
-                              <a:latin typeface="Cambria Math" panose="02040503050406030204" pitchFamily="18" charset="0"/>
-                            </a:rPr>
-                            <m:t>⟩⟨</m:t>
-                          </m:r>
-                          <m:sSub>
-                            <m:sSubPr>
-                              <m:ctrlPr>
-                                <a:rPr lang="en-US" i="1">
-                                  <a:latin typeface="Cambria Math" panose="02040503050406030204" pitchFamily="18" charset="0"/>
-                                </a:rPr>
-                              </m:ctrlPr>
-                            </m:sSubPr>
-                            <m:e>
-                              <m:r>
-                                <a:rPr lang="en-US" i="1">
-                                  <a:latin typeface="Cambria Math" panose="02040503050406030204" pitchFamily="18" charset="0"/>
-                                </a:rPr>
-                                <m:t>𝜓</m:t>
-                              </m:r>
-                            </m:e>
-                            <m:sub>
-                              <m:r>
-                                <a:rPr lang="en-US" i="1">
-                                  <a:latin typeface="Cambria Math" panose="02040503050406030204" pitchFamily="18" charset="0"/>
-                                </a:rPr>
-                                <m:t>𝑖</m:t>
-                              </m:r>
-                            </m:sub>
-                          </m:sSub>
-                          <m:r>
-                            <a:rPr lang="en-US" i="1">
-                              <a:latin typeface="Cambria Math" panose="02040503050406030204" pitchFamily="18" charset="0"/>
-                            </a:rPr>
-                            <m:t>|</m:t>
-                          </m:r>
-                          <m:r>
-                            <a:rPr lang="en-US" b="0" i="1" smtClean="0">
-                              <a:latin typeface="Cambria Math" panose="02040503050406030204" pitchFamily="18" charset="0"/>
-                            </a:rPr>
-                            <m:t>)</m:t>
-                          </m:r>
-                        </m:e>
-                      </m:func>
-                    </m:oMath>
-                  </m:oMathPara>
-                </a14:m>
-                <a:endParaRPr lang="en-US" dirty="0"/>
-              </a:p>
-              <a:p>
-                <a:pPr marL="0" indent="0">
-                  <a:buNone/>
-                </a:pPr>
-                <a:r>
-                  <a:rPr lang="en-US" dirty="0"/>
-                  <a:t>Where </a:t>
-                </a:r>
-                <a14:m>
-                  <m:oMath xmlns:m="http://schemas.openxmlformats.org/officeDocument/2006/math">
-                    <m:r>
-                      <a:rPr lang="en-US" b="0" i="1" smtClean="0">
-                        <a:latin typeface="Cambria Math" panose="02040503050406030204" pitchFamily="18" charset="0"/>
-                      </a:rPr>
-                      <m:t>𝑆</m:t>
-                    </m:r>
-                    <m:r>
-                      <a:rPr lang="en-US" b="0" i="1" smtClean="0">
-                        <a:latin typeface="Cambria Math" panose="02040503050406030204" pitchFamily="18" charset="0"/>
-                      </a:rPr>
-                      <m:t>(</m:t>
-                    </m:r>
-                    <m:r>
-                      <a:rPr lang="en-US" b="0" i="1" smtClean="0">
-                        <a:latin typeface="Cambria Math" panose="02040503050406030204" pitchFamily="18" charset="0"/>
-                      </a:rPr>
-                      <m:t>𝜌</m:t>
-                    </m:r>
-                    <m:r>
-                      <a:rPr lang="en-US" b="0" i="1" smtClean="0">
-                        <a:latin typeface="Cambria Math" panose="02040503050406030204" pitchFamily="18" charset="0"/>
-                      </a:rPr>
-                      <m:t>)</m:t>
-                    </m:r>
-                  </m:oMath>
-                </a14:m>
-                <a:r>
-                  <a:rPr lang="en-US" dirty="0"/>
-                  <a:t> is the Von Neumann Entropy.</a:t>
-                </a:r>
-              </a:p>
-              <a:p>
-                <a:r>
-                  <a:rPr lang="en-US" dirty="0"/>
-                  <a:t>For separable state, </a:t>
-                </a:r>
-                <a14:m>
-                  <m:oMath xmlns:m="http://schemas.openxmlformats.org/officeDocument/2006/math">
-                    <m:sSub>
-                      <m:sSubPr>
-                        <m:ctrlPr>
-                          <a:rPr lang="en-US" b="0" i="1" smtClean="0">
-                            <a:latin typeface="Cambria Math" panose="02040503050406030204" pitchFamily="18" charset="0"/>
-                          </a:rPr>
-                        </m:ctrlPr>
-                      </m:sSubPr>
-                      <m:e>
-                        <m:r>
-                          <a:rPr lang="en-US" b="0" i="1" smtClean="0">
-                            <a:latin typeface="Cambria Math" panose="02040503050406030204" pitchFamily="18" charset="0"/>
-                          </a:rPr>
-                          <m:t>𝐸</m:t>
-                        </m:r>
-                      </m:e>
-                      <m:sub>
-                        <m:r>
-                          <a:rPr lang="en-US" b="0" i="1" smtClean="0">
-                            <a:latin typeface="Cambria Math" panose="02040503050406030204" pitchFamily="18" charset="0"/>
-                          </a:rPr>
-                          <m:t>𝑓</m:t>
-                        </m:r>
-                      </m:sub>
-                    </m:sSub>
-                    <m:r>
-                      <a:rPr lang="en-US" b="0" i="1" smtClean="0">
-                        <a:latin typeface="Cambria Math" panose="02040503050406030204" pitchFamily="18" charset="0"/>
-                      </a:rPr>
-                      <m:t>=0</m:t>
-                    </m:r>
-                    <m:r>
-                      <a:rPr lang="en-US" b="0" i="0" smtClean="0">
-                        <a:latin typeface="Cambria Math" panose="02040503050406030204" pitchFamily="18" charset="0"/>
-                      </a:rPr>
-                      <m:t>.</m:t>
-                    </m:r>
-                  </m:oMath>
-                </a14:m>
-                <a:endParaRPr lang="en-US" b="0" dirty="0"/>
-              </a:p>
-              <a:p>
-                <a:r>
-                  <a:rPr lang="en-US" dirty="0"/>
-                  <a:t>For pure states, It equals to Entanglement Entropy.</a:t>
-                </a:r>
-              </a:p>
-              <a:p>
-                <a:r>
-                  <a:rPr lang="en-US" b="1" dirty="0"/>
-                  <a:t>I am trying to complete the calculation part in my code.</a:t>
-                </a:r>
-              </a:p>
-            </p:txBody>
-          </p:sp>
-        </mc:Choice>
-        <mc:Fallback>
-          <p:sp>
-            <p:nvSpPr>
-              <p:cNvPr id="3" name="Content Placeholder 2">
-                <a:extLst>
-                  <a:ext uri="{FF2B5EF4-FFF2-40B4-BE49-F238E27FC236}">
-                    <a16:creationId xmlns:a16="http://schemas.microsoft.com/office/drawing/2014/main" id="{8BFFEDBE-BA1B-57FD-11E4-6536AC98343D}"/>
-                  </a:ext>
-                </a:extLst>
-              </p:cNvPr>
-              <p:cNvSpPr>
-                <a:spLocks noGrp="1" noRot="1" noChangeAspect="1" noMove="1" noResize="1" noEditPoints="1" noAdjustHandles="1" noChangeArrowheads="1" noChangeShapeType="1" noTextEdit="1"/>
-              </p:cNvSpPr>
-              <p:nvPr>
-                <p:ph idx="1"/>
-              </p:nvPr>
-            </p:nvSpPr>
-            <p:spPr>
-              <a:blipFill>
-                <a:blip r:embed="rId2"/>
-                <a:stretch>
-                  <a:fillRect l="-823" t="-1568"/>
-                </a:stretch>
-              </a:blipFill>
-            </p:spPr>
-            <p:txBody>
-              <a:bodyPr/>
-              <a:lstStyle/>
-              <a:p>
-                <a:r>
-                  <a:rPr lang="en-US">
-                    <a:noFill/>
-                  </a:rPr>
-                  <a:t> </a:t>
-                </a:r>
-              </a:p>
-            </p:txBody>
-          </p:sp>
-        </mc:Fallback>
-      </mc:AlternateContent>
+      <p:sp>
+        <p:nvSpPr>
+          <p:cNvPr id="3" name="Content Placeholder 2">
+            <a:extLst>
+              <a:ext uri="{FF2B5EF4-FFF2-40B4-BE49-F238E27FC236}">
+                <a16:creationId xmlns:a16="http://schemas.microsoft.com/office/drawing/2014/main" id="{A80C7331-E598-CA08-5F86-035B6A2EB045}"/>
+              </a:ext>
+            </a:extLst>
+          </p:cNvPr>
+          <p:cNvSpPr>
+            <a:spLocks noGrp="1"/>
+          </p:cNvSpPr>
+          <p:nvPr>
+            <p:ph idx="1"/>
+          </p:nvPr>
+        </p:nvSpPr>
+        <p:spPr>
+          <a:xfrm>
+            <a:off x="542839" y="1120747"/>
+            <a:ext cx="11106319" cy="56120"/>
+          </a:xfrm>
+        </p:spPr>
+        <p:txBody>
+          <a:bodyPr>
+            <a:normAutofit fontScale="25000" lnSpcReduction="20000"/>
+          </a:bodyPr>
+          <a:lstStyle/>
+          <a:p>
+            <a:pPr marL="0" indent="0">
+              <a:buNone/>
+            </a:pPr>
+            <a:r>
+              <a:rPr lang="en-US" dirty="0"/>
+              <a:t> </a:t>
+            </a:r>
+          </a:p>
+        </p:txBody>
+      </p:sp>
       <p:sp>
         <p:nvSpPr>
           <p:cNvPr id="4" name="Footer Placeholder 3">
             <a:extLst>
               <a:ext uri="{FF2B5EF4-FFF2-40B4-BE49-F238E27FC236}">
-                <a16:creationId xmlns:a16="http://schemas.microsoft.com/office/drawing/2014/main" id="{1C08E5A1-2A0E-E483-022C-9C8DF8E45558}"/>
+                <a16:creationId xmlns:a16="http://schemas.microsoft.com/office/drawing/2014/main" id="{C4A8E09B-B2B6-2A9F-D34A-EEB59F61C588}"/>
               </a:ext>
             </a:extLst>
           </p:cNvPr>
@@ -11363,10 +12906,57 @@
           </a:p>
         </p:txBody>
       </p:sp>
+      <p:pic>
+        <p:nvPicPr>
+          <p:cNvPr id="1028" name="Picture 4">
+            <a:extLst>
+              <a:ext uri="{FF2B5EF4-FFF2-40B4-BE49-F238E27FC236}">
+                <a16:creationId xmlns:a16="http://schemas.microsoft.com/office/drawing/2014/main" id="{8120258A-14C2-0A95-63BB-05737A63FCBD}"/>
+              </a:ext>
+            </a:extLst>
+          </p:cNvPr>
+          <p:cNvPicPr>
+            <a:picLocks noChangeAspect="1" noChangeArrowheads="1"/>
+          </p:cNvPicPr>
+          <p:nvPr/>
+        </p:nvPicPr>
+        <p:blipFill>
+          <a:blip r:embed="rId2">
+            <a:extLst>
+              <a:ext uri="{28A0092B-C50C-407E-A947-70E740481C1C}">
+                <a14:useLocalDpi xmlns:a14="http://schemas.microsoft.com/office/drawing/2010/main" val="0"/>
+              </a:ext>
+            </a:extLst>
+          </a:blip>
+          <a:srcRect/>
+          <a:stretch>
+            <a:fillRect/>
+          </a:stretch>
+        </p:blipFill>
+        <p:spPr bwMode="auto">
+          <a:xfrm>
+            <a:off x="3448050" y="1000125"/>
+            <a:ext cx="5295900" cy="4857750"/>
+          </a:xfrm>
+          <a:prstGeom prst="rect">
+            <a:avLst/>
+          </a:prstGeom>
+          <a:noFill/>
+          <a:extLst>
+            <a:ext uri="{909E8E84-426E-40DD-AFC4-6F175D3DCCD1}">
+              <a14:hiddenFill xmlns:a14="http://schemas.microsoft.com/office/drawing/2010/main">
+                <a:solidFill>
+                  <a:srgbClr val="FFFFFF"/>
+                </a:solidFill>
+              </a14:hiddenFill>
+            </a:ext>
+          </a:extLst>
+        </p:spPr>
+      </p:pic>
     </p:spTree>
     <p:extLst>
       <p:ext uri="{BB962C8B-B14F-4D97-AF65-F5344CB8AC3E}">
-        <p14:creationId xmlns:p14="http://schemas.microsoft.com/office/powerpoint/2010/main" val="2596672740"/>
+        <p14:creationId xmlns:p14="http://schemas.microsoft.com/office/powerpoint/2010/main" val="1411902805"/>
       </p:ext>
     </p:extLst>
   </p:cSld>
@@ -11381,7 +12971,13 @@
   <p:cSld>
     <p:spTree>
       <p:nvGrpSpPr>
-        <p:cNvPr id="1" name=""/>
+        <p:cNvPr id="1" name="">
+          <a:extLst>
+            <a:ext uri="{FF2B5EF4-FFF2-40B4-BE49-F238E27FC236}">
+              <a16:creationId xmlns:a16="http://schemas.microsoft.com/office/drawing/2014/main" id="{E11BF6D3-CA34-D462-9B79-1A168B4A2330}"/>
+            </a:ext>
+          </a:extLst>
+        </p:cNvPr>
         <p:cNvGrpSpPr/>
         <p:nvPr/>
       </p:nvGrpSpPr>
@@ -11398,7 +12994,7 @@
           <p:cNvPr id="2" name="Title 1">
             <a:extLst>
               <a:ext uri="{FF2B5EF4-FFF2-40B4-BE49-F238E27FC236}">
-                <a16:creationId xmlns:a16="http://schemas.microsoft.com/office/drawing/2014/main" id="{9A7C38B1-62CB-4961-96F5-378EABEEDC27}"/>
+                <a16:creationId xmlns:a16="http://schemas.microsoft.com/office/drawing/2014/main" id="{E7FC5CFB-C49A-C25B-AFE9-4A0CBAB4B079}"/>
               </a:ext>
             </a:extLst>
           </p:cNvPr>
@@ -11411,12 +13007,14 @@
         </p:nvSpPr>
         <p:spPr/>
         <p:txBody>
-          <a:bodyPr/>
+          <a:bodyPr>
+            <a:noAutofit/>
+          </a:bodyPr>
           <a:lstStyle/>
           <a:p>
             <a:r>
-              <a:rPr lang="en-US" dirty="0"/>
-              <a:t>Hypothesis for the Project</a:t>
+              <a:rPr lang="en-US" sz="2800" dirty="0"/>
+              <a:t>Both Amplitude Damping &amp; Phase Damping</a:t>
             </a:r>
           </a:p>
         </p:txBody>
@@ -11426,7 +13024,7 @@
           <p:cNvPr id="3" name="Content Placeholder 2">
             <a:extLst>
               <a:ext uri="{FF2B5EF4-FFF2-40B4-BE49-F238E27FC236}">
-                <a16:creationId xmlns:a16="http://schemas.microsoft.com/office/drawing/2014/main" id="{3F5C4E39-BA5B-6B94-B59F-80B0450D2F7F}"/>
+                <a16:creationId xmlns:a16="http://schemas.microsoft.com/office/drawing/2014/main" id="{F0C55EF9-EDAC-80A4-F297-A7B913B2A6D2}"/>
               </a:ext>
             </a:extLst>
           </p:cNvPr>
@@ -11437,30 +13035,17 @@
             <p:ph idx="1"/>
           </p:nvPr>
         </p:nvSpPr>
-        <p:spPr/>
+        <p:spPr>
+          <a:xfrm>
+            <a:off x="542839" y="1120747"/>
+            <a:ext cx="11106319" cy="56120"/>
+          </a:xfrm>
+        </p:spPr>
         <p:txBody>
-          <a:bodyPr/>
+          <a:bodyPr>
+            <a:normAutofit fontScale="25000" lnSpcReduction="20000"/>
+          </a:bodyPr>
           <a:lstStyle/>
-          <a:p>
-            <a:r>
-              <a:rPr lang="en-US" dirty="0"/>
-              <a:t>We will determine which type of Error Correction is required based on QD and </a:t>
-            </a:r>
-            <a:r>
-              <a:rPr lang="en-US" dirty="0" err="1"/>
-              <a:t>EoF</a:t>
-            </a:r>
-            <a:r>
-              <a:rPr lang="en-US" dirty="0"/>
-              <a:t>. Our hypothesis is as follows:</a:t>
-            </a:r>
-          </a:p>
-          <a:p>
-            <a:endParaRPr lang="en-US" dirty="0"/>
-          </a:p>
-          <a:p>
-            <a:endParaRPr lang="en-US" dirty="0"/>
-          </a:p>
           <a:p>
             <a:pPr marL="0" indent="0">
               <a:buNone/>
@@ -11477,7 +13062,7 @@
           <p:cNvPr id="4" name="Footer Placeholder 3">
             <a:extLst>
               <a:ext uri="{FF2B5EF4-FFF2-40B4-BE49-F238E27FC236}">
-                <a16:creationId xmlns:a16="http://schemas.microsoft.com/office/drawing/2014/main" id="{BDC2C129-E56D-9134-B2DD-0138062A09C6}"/>
+                <a16:creationId xmlns:a16="http://schemas.microsoft.com/office/drawing/2014/main" id="{5840DE61-125C-9C0B-4149-F18B8F851B95}"/>
               </a:ext>
             </a:extLst>
           </p:cNvPr>
@@ -11501,333 +13086,55 @@
           </a:p>
         </p:txBody>
       </p:sp>
-      <p:graphicFrame>
-        <p:nvGraphicFramePr>
-          <p:cNvPr id="5" name="Table 4">
-            <a:extLst>
-              <a:ext uri="{FF2B5EF4-FFF2-40B4-BE49-F238E27FC236}">
-                <a16:creationId xmlns:a16="http://schemas.microsoft.com/office/drawing/2014/main" id="{13DB2E31-BBA1-50BD-57FF-B21584D5896F}"/>
-              </a:ext>
-            </a:extLst>
-          </p:cNvPr>
-          <p:cNvGraphicFramePr>
-            <a:graphicFrameLocks noGrp="1"/>
-          </p:cNvGraphicFramePr>
-          <p:nvPr>
-            <p:extLst>
-              <p:ext uri="{D42A27DB-BD31-4B8C-83A1-F6EECF244321}">
-                <p14:modId xmlns:p14="http://schemas.microsoft.com/office/powerpoint/2010/main" val="32020694"/>
-              </p:ext>
-            </p:extLst>
-          </p:nvPr>
-        </p:nvGraphicFramePr>
-        <p:xfrm>
-          <a:off x="1773084" y="2032759"/>
-          <a:ext cx="8645832" cy="3932334"/>
-        </p:xfrm>
-        <a:graphic>
-          <a:graphicData uri="http://schemas.openxmlformats.org/drawingml/2006/table">
-            <a:tbl>
-              <a:tblPr firstRow="1" bandRow="1">
-                <a:tableStyleId>{5C22544A-7EE6-4342-B048-85BDC9FD1C3A}</a:tableStyleId>
-              </a:tblPr>
-              <a:tblGrid>
-                <a:gridCol w="2009060">
-                  <a:extLst>
-                    <a:ext uri="{9D8B030D-6E8A-4147-A177-3AD203B41FA5}">
-                      <a16:colId xmlns:a16="http://schemas.microsoft.com/office/drawing/2014/main" val="4034360735"/>
-                    </a:ext>
-                  </a:extLst>
-                </a:gridCol>
-                <a:gridCol w="4793226">
-                  <a:extLst>
-                    <a:ext uri="{9D8B030D-6E8A-4147-A177-3AD203B41FA5}">
-                      <a16:colId xmlns:a16="http://schemas.microsoft.com/office/drawing/2014/main" val="659102391"/>
-                    </a:ext>
-                  </a:extLst>
-                </a:gridCol>
-                <a:gridCol w="1843546">
-                  <a:extLst>
-                    <a:ext uri="{9D8B030D-6E8A-4147-A177-3AD203B41FA5}">
-                      <a16:colId xmlns:a16="http://schemas.microsoft.com/office/drawing/2014/main" val="863664501"/>
-                    </a:ext>
-                  </a:extLst>
-                </a:gridCol>
-              </a:tblGrid>
-              <a:tr h="701178">
-                <a:tc>
-                  <a:txBody>
-                    <a:bodyPr/>
-                    <a:lstStyle/>
-                    <a:p>
-                      <a:pPr algn="ctr"/>
-                      <a:endParaRPr lang="en-US" dirty="0"/>
-                    </a:p>
-                  </a:txBody>
-                  <a:tcPr/>
-                </a:tc>
-                <a:tc>
-                  <a:txBody>
-                    <a:bodyPr/>
-                    <a:lstStyle/>
-                    <a:p>
-                      <a:pPr algn="ctr"/>
-                      <a:r>
-                        <a:rPr lang="en-US" dirty="0"/>
-                        <a:t>Meaning</a:t>
-                      </a:r>
-                    </a:p>
-                  </a:txBody>
-                  <a:tcPr/>
-                </a:tc>
-                <a:tc>
-                  <a:txBody>
-                    <a:bodyPr/>
-                    <a:lstStyle/>
-                    <a:p>
-                      <a:pPr algn="ctr"/>
-                      <a:r>
-                        <a:rPr lang="en-US" dirty="0"/>
-                        <a:t>QEC Code</a:t>
-                      </a:r>
-                    </a:p>
-                  </a:txBody>
-                  <a:tcPr/>
-                </a:tc>
-                <a:extLst>
-                  <a:ext uri="{0D108BD9-81ED-4DB2-BD59-A6C34878D82A}">
-                    <a16:rowId xmlns:a16="http://schemas.microsoft.com/office/drawing/2014/main" val="42961559"/>
-                  </a:ext>
-                </a:extLst>
-              </a:tr>
-              <a:tr h="701178">
-                <a:tc>
-                  <a:txBody>
-                    <a:bodyPr/>
-                    <a:lstStyle/>
-                    <a:p>
-                      <a:r>
-                        <a:rPr lang="en-US" dirty="0"/>
-                        <a:t>Low </a:t>
-                      </a:r>
-                      <a:r>
-                        <a:rPr lang="en-US" dirty="0" err="1"/>
-                        <a:t>EoF</a:t>
-                      </a:r>
-                      <a:r>
-                        <a:rPr lang="en-US" dirty="0"/>
-                        <a:t>, High QD</a:t>
-                      </a:r>
-                    </a:p>
-                  </a:txBody>
-                  <a:tcPr/>
-                </a:tc>
-                <a:tc>
-                  <a:txBody>
-                    <a:bodyPr/>
-                    <a:lstStyle/>
-                    <a:p>
-                      <a:r>
-                        <a:rPr lang="en-US" dirty="0"/>
-                        <a:t>Weak entanglement but strong quantum correlation. So we should focus on preserving residual quantum properties efficiently.</a:t>
-                      </a:r>
-                    </a:p>
-                  </a:txBody>
-                  <a:tcPr/>
-                </a:tc>
-                <a:tc>
-                  <a:txBody>
-                    <a:bodyPr/>
-                    <a:lstStyle/>
-                    <a:p>
-                      <a:pPr algn="ctr"/>
-                      <a:r>
-                        <a:rPr lang="en-US" dirty="0"/>
-                        <a:t>5 Qubit Code</a:t>
-                      </a:r>
-                    </a:p>
-                  </a:txBody>
-                  <a:tcPr/>
-                </a:tc>
-                <a:extLst>
-                  <a:ext uri="{0D108BD9-81ED-4DB2-BD59-A6C34878D82A}">
-                    <a16:rowId xmlns:a16="http://schemas.microsoft.com/office/drawing/2014/main" val="564492062"/>
-                  </a:ext>
-                </a:extLst>
-              </a:tr>
-              <a:tr h="701178">
-                <a:tc>
-                  <a:txBody>
-                    <a:bodyPr/>
-                    <a:lstStyle/>
-                    <a:p>
-                      <a:r>
-                        <a:rPr lang="en-US" dirty="0"/>
-                        <a:t>High </a:t>
-                      </a:r>
-                      <a:r>
-                        <a:rPr lang="en-US" dirty="0" err="1"/>
-                        <a:t>Eof</a:t>
-                      </a:r>
-                      <a:r>
-                        <a:rPr lang="en-US" dirty="0"/>
-                        <a:t>, Low QD</a:t>
-                      </a:r>
-                    </a:p>
-                  </a:txBody>
-                  <a:tcPr/>
-                </a:tc>
-                <a:tc>
-                  <a:txBody>
-                    <a:bodyPr/>
-                    <a:lstStyle/>
-                    <a:p>
-                      <a:r>
-                        <a:rPr lang="en-US" dirty="0"/>
-                        <a:t>Strong entanglement, but weak correlations. We should protect entanglement for high-fidelity teleportation.</a:t>
-                      </a:r>
-                    </a:p>
-                  </a:txBody>
-                  <a:tcPr/>
-                </a:tc>
-                <a:tc>
-                  <a:txBody>
-                    <a:bodyPr/>
-                    <a:lstStyle/>
-                    <a:p>
-                      <a:pPr algn="ctr"/>
-                      <a:r>
-                        <a:rPr lang="en-US" dirty="0"/>
-                        <a:t>High level codes</a:t>
-                      </a:r>
-                    </a:p>
-                  </a:txBody>
-                  <a:tcPr/>
-                </a:tc>
-                <a:extLst>
-                  <a:ext uri="{0D108BD9-81ED-4DB2-BD59-A6C34878D82A}">
-                    <a16:rowId xmlns:a16="http://schemas.microsoft.com/office/drawing/2014/main" val="2841409788"/>
-                  </a:ext>
-                </a:extLst>
-              </a:tr>
-              <a:tr h="701178">
-                <a:tc>
-                  <a:txBody>
-                    <a:bodyPr/>
-                    <a:lstStyle/>
-                    <a:p>
-                      <a:r>
-                        <a:rPr lang="en-US" dirty="0"/>
-                        <a:t>Low </a:t>
-                      </a:r>
-                      <a:r>
-                        <a:rPr lang="en-US" dirty="0" err="1"/>
-                        <a:t>Eof</a:t>
-                      </a:r>
-                      <a:r>
-                        <a:rPr lang="en-US" dirty="0"/>
-                        <a:t>, low QD</a:t>
-                      </a:r>
-                    </a:p>
-                  </a:txBody>
-                  <a:tcPr/>
-                </a:tc>
-                <a:tc>
-                  <a:txBody>
-                    <a:bodyPr/>
-                    <a:lstStyle/>
-                    <a:p>
-                      <a:r>
-                        <a:rPr lang="en-US" dirty="0"/>
-                        <a:t>Weak entanglement and correlations. Most likely not usable.</a:t>
-                      </a:r>
-                    </a:p>
-                  </a:txBody>
-                  <a:tcPr/>
-                </a:tc>
-                <a:tc>
-                  <a:txBody>
-                    <a:bodyPr/>
-                    <a:lstStyle/>
-                    <a:p>
-                      <a:pPr algn="ctr"/>
-                      <a:r>
-                        <a:rPr lang="en-US" dirty="0"/>
-                        <a:t>Out of our hand</a:t>
-                      </a:r>
-                    </a:p>
-                  </a:txBody>
-                  <a:tcPr/>
-                </a:tc>
-                <a:extLst>
-                  <a:ext uri="{0D108BD9-81ED-4DB2-BD59-A6C34878D82A}">
-                    <a16:rowId xmlns:a16="http://schemas.microsoft.com/office/drawing/2014/main" val="2030288452"/>
-                  </a:ext>
-                </a:extLst>
-              </a:tr>
-              <a:tr h="701178">
-                <a:tc>
-                  <a:txBody>
-                    <a:bodyPr/>
-                    <a:lstStyle/>
-                    <a:p>
-                      <a:r>
-                        <a:rPr lang="en-US" dirty="0"/>
-                        <a:t>High </a:t>
-                      </a:r>
-                      <a:r>
-                        <a:rPr lang="en-US" dirty="0" err="1"/>
-                        <a:t>Eof</a:t>
-                      </a:r>
-                      <a:r>
-                        <a:rPr lang="en-US" dirty="0"/>
-                        <a:t>, High QD</a:t>
-                      </a:r>
-                    </a:p>
-                  </a:txBody>
-                  <a:tcPr/>
-                </a:tc>
-                <a:tc>
-                  <a:txBody>
-                    <a:bodyPr/>
-                    <a:lstStyle/>
-                    <a:p>
-                      <a:r>
-                        <a:rPr lang="en-US" dirty="0"/>
-                        <a:t>Strong entanglement and correlations.</a:t>
-                      </a:r>
-                    </a:p>
-                  </a:txBody>
-                  <a:tcPr/>
-                </a:tc>
-                <a:tc>
-                  <a:txBody>
-                    <a:bodyPr/>
-                    <a:lstStyle/>
-                    <a:p>
-                      <a:pPr algn="ctr"/>
-                      <a:r>
-                        <a:rPr lang="en-US" dirty="0"/>
-                        <a:t>Not required</a:t>
-                      </a:r>
-                    </a:p>
-                  </a:txBody>
-                  <a:tcPr/>
-                </a:tc>
-                <a:extLst>
-                  <a:ext uri="{0D108BD9-81ED-4DB2-BD59-A6C34878D82A}">
-                    <a16:rowId xmlns:a16="http://schemas.microsoft.com/office/drawing/2014/main" val="2180592406"/>
-                  </a:ext>
-                </a:extLst>
-              </a:tr>
-            </a:tbl>
-          </a:graphicData>
-        </a:graphic>
-      </p:graphicFrame>
+      <p:pic>
+        <p:nvPicPr>
+          <p:cNvPr id="1028" name="Picture 4">
+            <a:extLst>
+              <a:ext uri="{FF2B5EF4-FFF2-40B4-BE49-F238E27FC236}">
+                <a16:creationId xmlns:a16="http://schemas.microsoft.com/office/drawing/2014/main" id="{EAE134BE-0829-E64D-84C6-32D7EFAC01B5}"/>
+              </a:ext>
+            </a:extLst>
+          </p:cNvPr>
+          <p:cNvPicPr>
+            <a:picLocks noChangeAspect="1" noChangeArrowheads="1"/>
+          </p:cNvPicPr>
+          <p:nvPr/>
+        </p:nvPicPr>
+        <p:blipFill rotWithShape="1">
+          <a:blip r:embed="rId2">
+            <a:extLst>
+              <a:ext uri="{28A0092B-C50C-407E-A947-70E740481C1C}">
+                <a14:useLocalDpi xmlns:a14="http://schemas.microsoft.com/office/drawing/2010/main" val="0"/>
+              </a:ext>
+            </a:extLst>
+          </a:blip>
+          <a:srcRect t="7919"/>
+          <a:stretch/>
+        </p:blipFill>
+        <p:spPr bwMode="auto">
+          <a:xfrm>
+            <a:off x="3448050" y="1384801"/>
+            <a:ext cx="5295900" cy="4473073"/>
+          </a:xfrm>
+          <a:prstGeom prst="rect">
+            <a:avLst/>
+          </a:prstGeom>
+          <a:noFill/>
+          <a:extLst>
+            <a:ext uri="{909E8E84-426E-40DD-AFC4-6F175D3DCCD1}">
+              <a14:hiddenFill xmlns:a14="http://schemas.microsoft.com/office/drawing/2010/main">
+                <a:solidFill>
+                  <a:srgbClr val="FFFFFF"/>
+                </a:solidFill>
+              </a14:hiddenFill>
+            </a:ext>
+          </a:extLst>
+        </p:spPr>
+      </p:pic>
     </p:spTree>
     <p:extLst>
       <p:ext uri="{BB962C8B-B14F-4D97-AF65-F5344CB8AC3E}">
-        <p14:creationId xmlns:p14="http://schemas.microsoft.com/office/powerpoint/2010/main" val="940785424"/>
+        <p14:creationId xmlns:p14="http://schemas.microsoft.com/office/powerpoint/2010/main" val="3622414015"/>
       </p:ext>
     </p:extLst>
   </p:cSld>
